--- a/Weather and Crime Data Analysis Presentation.pptx
+++ b/Weather and Crime Data Analysis Presentation.pptx
@@ -8,11 +8,13 @@
     <p:sldId id="256" r:id="rId2"/>
     <p:sldId id="263" r:id="rId3"/>
     <p:sldId id="257" r:id="rId4"/>
-    <p:sldId id="258" r:id="rId5"/>
+    <p:sldId id="266" r:id="rId5"/>
     <p:sldId id="259" r:id="rId6"/>
     <p:sldId id="260" r:id="rId7"/>
     <p:sldId id="261" r:id="rId8"/>
     <p:sldId id="262" r:id="rId9"/>
+    <p:sldId id="264" r:id="rId10"/>
+    <p:sldId id="265" r:id="rId11"/>
   </p:sldIdLst>
   <p:sldSz cx="12192000" cy="6858000"/>
   <p:notesSz cx="6858000" cy="9144000"/>
@@ -111,6 +113,11 @@
       </a:defRPr>
     </a:lvl9pPr>
   </p:defaultTextStyle>
+  <p:extLst>
+    <p:ext uri="{EFAFB233-063F-42B5-8137-9DF3F51BA10A}">
+      <p15:sldGuideLst xmlns:p15="http://schemas.microsoft.com/office/powerpoint/2012/main"/>
+    </p:ext>
+  </p:extLst>
 </p:presentation>
 </file>
 
@@ -383,7 +390,7 @@
             <a:fld id="{5586B75A-687E-405C-8A0B-8D00578BA2C3}" type="datetimeFigureOut">
               <a:rPr lang="en-US" dirty="0"/>
               <a:pPr/>
-              <a:t>4/1/2018</a:t>
+              <a:t>4/2/2018</a:t>
             </a:fld>
             <a:endParaRPr lang="en-US" dirty="0"/>
           </a:p>
@@ -550,7 +557,7 @@
             <a:fld id="{5586B75A-687E-405C-8A0B-8D00578BA2C3}" type="datetimeFigureOut">
               <a:rPr lang="en-US" dirty="0"/>
               <a:pPr/>
-              <a:t>4/1/2018</a:t>
+              <a:t>4/2/2018</a:t>
             </a:fld>
             <a:endParaRPr lang="en-US" dirty="0"/>
           </a:p>
@@ -727,7 +734,7 @@
             <a:fld id="{5586B75A-687E-405C-8A0B-8D00578BA2C3}" type="datetimeFigureOut">
               <a:rPr lang="en-US" dirty="0"/>
               <a:pPr/>
-              <a:t>4/1/2018</a:t>
+              <a:t>4/2/2018</a:t>
             </a:fld>
             <a:endParaRPr lang="en-US" dirty="0"/>
           </a:p>
@@ -894,7 +901,7 @@
             <a:fld id="{5586B75A-687E-405C-8A0B-8D00578BA2C3}" type="datetimeFigureOut">
               <a:rPr lang="en-US" dirty="0"/>
               <a:pPr/>
-              <a:t>4/1/2018</a:t>
+              <a:t>4/2/2018</a:t>
             </a:fld>
             <a:endParaRPr lang="en-US" dirty="0"/>
           </a:p>
@@ -1149,7 +1156,7 @@
             <a:fld id="{5586B75A-687E-405C-8A0B-8D00578BA2C3}" type="datetimeFigureOut">
               <a:rPr lang="en-US" dirty="0"/>
               <a:pPr/>
-              <a:t>4/1/2018</a:t>
+              <a:t>4/2/2018</a:t>
             </a:fld>
             <a:endParaRPr lang="en-US" dirty="0"/>
           </a:p>
@@ -1434,7 +1441,7 @@
             <a:fld id="{5586B75A-687E-405C-8A0B-8D00578BA2C3}" type="datetimeFigureOut">
               <a:rPr lang="en-US" dirty="0"/>
               <a:pPr/>
-              <a:t>4/1/2018</a:t>
+              <a:t>4/2/2018</a:t>
             </a:fld>
             <a:endParaRPr lang="en-US" dirty="0"/>
           </a:p>
@@ -1873,7 +1880,7 @@
             <a:fld id="{5586B75A-687E-405C-8A0B-8D00578BA2C3}" type="datetimeFigureOut">
               <a:rPr lang="en-US" dirty="0"/>
               <a:pPr/>
-              <a:t>4/1/2018</a:t>
+              <a:t>4/2/2018</a:t>
             </a:fld>
             <a:endParaRPr lang="en-US" dirty="0"/>
           </a:p>
@@ -1988,7 +1995,7 @@
             <a:fld id="{5586B75A-687E-405C-8A0B-8D00578BA2C3}" type="datetimeFigureOut">
               <a:rPr lang="en-US" dirty="0"/>
               <a:pPr/>
-              <a:t>4/1/2018</a:t>
+              <a:t>4/2/2018</a:t>
             </a:fld>
             <a:endParaRPr lang="en-US" dirty="0"/>
           </a:p>
@@ -2080,7 +2087,7 @@
             <a:fld id="{5586B75A-687E-405C-8A0B-8D00578BA2C3}" type="datetimeFigureOut">
               <a:rPr lang="en-US" dirty="0"/>
               <a:pPr/>
-              <a:t>4/1/2018</a:t>
+              <a:t>4/2/2018</a:t>
             </a:fld>
             <a:endParaRPr lang="en-US" dirty="0"/>
           </a:p>
@@ -2365,7 +2372,7 @@
             <a:fld id="{5586B75A-687E-405C-8A0B-8D00578BA2C3}" type="datetimeFigureOut">
               <a:rPr lang="en-US" dirty="0"/>
               <a:pPr/>
-              <a:t>4/1/2018</a:t>
+              <a:t>4/2/2018</a:t>
             </a:fld>
             <a:endParaRPr lang="en-US" dirty="0"/>
           </a:p>
@@ -2635,7 +2642,7 @@
             <a:fld id="{5586B75A-687E-405C-8A0B-8D00578BA2C3}" type="datetimeFigureOut">
               <a:rPr lang="en-US" dirty="0"/>
               <a:pPr/>
-              <a:t>4/1/2018</a:t>
+              <a:t>4/2/2018</a:t>
             </a:fld>
             <a:endParaRPr lang="en-US" dirty="0"/>
           </a:p>
@@ -2929,7 +2936,7 @@
             <a:fld id="{5586B75A-687E-405C-8A0B-8D00578BA2C3}" type="datetimeFigureOut">
               <a:rPr lang="en-US" dirty="0"/>
               <a:pPr/>
-              <a:t>4/1/2018</a:t>
+              <a:t>4/2/2018</a:t>
             </a:fld>
             <a:endParaRPr lang="en-US" dirty="0"/>
           </a:p>
@@ -3477,6 +3484,69 @@
 </p:sld>
 </file>
 
+<file path=ppt/slides/slide10.xml><?xml version="1.0" encoding="utf-8"?>
+<p:sld xmlns:a="http://schemas.openxmlformats.org/drawingml/2006/main" xmlns:r="http://schemas.openxmlformats.org/officeDocument/2006/relationships" xmlns:p="http://schemas.openxmlformats.org/presentationml/2006/main">
+  <p:cSld>
+    <p:spTree>
+      <p:nvGrpSpPr>
+        <p:cNvPr id="1" name=""/>
+        <p:cNvGrpSpPr/>
+        <p:nvPr/>
+      </p:nvGrpSpPr>
+      <p:grpSpPr>
+        <a:xfrm>
+          <a:off x="0" y="0"/>
+          <a:ext cx="0" cy="0"/>
+          <a:chOff x="0" y="0"/>
+          <a:chExt cx="0" cy="0"/>
+        </a:xfrm>
+      </p:grpSpPr>
+      <p:sp>
+        <p:nvSpPr>
+          <p:cNvPr id="2" name="Title 1">
+            <a:extLst>
+              <a:ext uri="{FF2B5EF4-FFF2-40B4-BE49-F238E27FC236}">
+                <a16:creationId xmlns:a16="http://schemas.microsoft.com/office/drawing/2014/main" id="{48CB2E1E-F2CA-4BC0-B171-8A889E17F884}"/>
+              </a:ext>
+            </a:extLst>
+          </p:cNvPr>
+          <p:cNvSpPr>
+            <a:spLocks noGrp="1"/>
+          </p:cNvSpPr>
+          <p:nvPr>
+            <p:ph type="title"/>
+          </p:nvPr>
+        </p:nvSpPr>
+        <p:spPr>
+          <a:xfrm>
+            <a:off x="742019" y="1038776"/>
+            <a:ext cx="1735370" cy="4601183"/>
+          </a:xfrm>
+        </p:spPr>
+        <p:txBody>
+          <a:bodyPr/>
+          <a:lstStyle/>
+          <a:p>
+            <a:r>
+              <a:rPr lang="en-US" dirty="0"/>
+              <a:t>The End</a:t>
+            </a:r>
+          </a:p>
+        </p:txBody>
+      </p:sp>
+    </p:spTree>
+    <p:extLst>
+      <p:ext uri="{BB962C8B-B14F-4D97-AF65-F5344CB8AC3E}">
+        <p14:creationId xmlns:p14="http://schemas.microsoft.com/office/powerpoint/2010/main" val="2538544146"/>
+      </p:ext>
+    </p:extLst>
+  </p:cSld>
+  <p:clrMapOvr>
+    <a:masterClrMapping/>
+  </p:clrMapOvr>
+</p:sld>
+</file>
+
 <file path=ppt/slides/slide2.xml><?xml version="1.0" encoding="utf-8"?>
 <p:sld xmlns:a="http://schemas.openxmlformats.org/drawingml/2006/main" xmlns:r="http://schemas.openxmlformats.org/officeDocument/2006/relationships" xmlns:p="http://schemas.openxmlformats.org/presentationml/2006/main">
   <p:cSld>
@@ -3515,6 +3585,7 @@
           <a:bodyPr/>
           <a:lstStyle/>
           <a:p>
+            <a:pPr algn="ctr"/>
             <a:r>
               <a:rPr lang="en-US" dirty="0"/>
               <a:t>Team</a:t>
@@ -3543,7 +3614,50 @@
           <a:bodyPr/>
           <a:lstStyle/>
           <a:p>
-            <a:endParaRPr lang="en-US"/>
+            <a:pPr algn="ctr"/>
+            <a:r>
+              <a:rPr lang="en-US" sz="4000" dirty="0"/>
+              <a:t>Kevin McCurdy</a:t>
+            </a:r>
+          </a:p>
+          <a:p>
+            <a:pPr algn="ctr"/>
+            <a:r>
+              <a:rPr lang="en-US" sz="4000" dirty="0"/>
+              <a:t>Chris Wong</a:t>
+            </a:r>
+          </a:p>
+          <a:p>
+            <a:pPr algn="ctr"/>
+            <a:r>
+              <a:rPr lang="en-US" sz="4000" dirty="0"/>
+              <a:t>Amir </a:t>
+            </a:r>
+            <a:r>
+              <a:rPr lang="en-US" sz="4000" dirty="0" err="1"/>
+              <a:t>Afshar</a:t>
+            </a:r>
+            <a:endParaRPr lang="en-US" sz="4000" dirty="0"/>
+          </a:p>
+          <a:p>
+            <a:pPr algn="ctr"/>
+            <a:r>
+              <a:rPr lang="en-US" sz="4000" dirty="0"/>
+              <a:t>Michael Montoya</a:t>
+            </a:r>
+          </a:p>
+          <a:p>
+            <a:pPr algn="ctr"/>
+            <a:r>
+              <a:rPr lang="en-US" sz="4000" dirty="0"/>
+              <a:t>Minh Huynh</a:t>
+            </a:r>
+          </a:p>
+          <a:p>
+            <a:pPr marL="0" indent="0">
+              <a:buNone/>
+            </a:pPr>
+            <a:endParaRPr lang="en-US" dirty="0"/>
           </a:p>
         </p:txBody>
       </p:sp>
@@ -3598,9 +3712,10 @@
           <a:bodyPr/>
           <a:lstStyle/>
           <a:p>
-            <a:r>
-              <a:rPr lang="en-US" dirty="0"/>
-              <a:t>Open Question</a:t>
+            <a:pPr algn="ctr"/>
+            <a:r>
+              <a:rPr lang="en-US" dirty="0"/>
+              <a:t>Motivation</a:t>
             </a:r>
           </a:p>
         </p:txBody>
@@ -3626,7 +3741,30 @@
           <a:bodyPr/>
           <a:lstStyle/>
           <a:p>
-            <a:endParaRPr lang="en-US"/>
+            <a:r>
+              <a:rPr lang="en-US" dirty="0"/>
+              <a:t> * Define the core message or hypothesis of your project.</a:t>
+            </a:r>
+          </a:p>
+          <a:p>
+            <a:r>
+              <a:rPr lang="en-US" dirty="0"/>
+              <a:t>  * Describe the questions you asked, and _why_ you asked them</a:t>
+            </a:r>
+          </a:p>
+          <a:p>
+            <a:r>
+              <a:rPr lang="en-US" dirty="0"/>
+              <a:t>  * Describe whether you were able to answer these questions to your </a:t>
+            </a:r>
+            <a:r>
+              <a:rPr lang="en-US" dirty="0" err="1"/>
+              <a:t>satisfication</a:t>
+            </a:r>
+            <a:r>
+              <a:rPr lang="en-US" dirty="0"/>
+              <a:t>, and briefly summarize your findings</a:t>
+            </a:r>
           </a:p>
         </p:txBody>
       </p:sp>
@@ -3665,7 +3803,7 @@
           <p:cNvPr id="2" name="Title 1">
             <a:extLst>
               <a:ext uri="{FF2B5EF4-FFF2-40B4-BE49-F238E27FC236}">
-                <a16:creationId xmlns:a16="http://schemas.microsoft.com/office/drawing/2014/main" id="{CD2E189B-2043-482A-818B-63AA82BEE33C}"/>
+                <a16:creationId xmlns:a16="http://schemas.microsoft.com/office/drawing/2014/main" id="{F7BE1882-99BB-4365-A118-1C31F280A32D}"/>
               </a:ext>
             </a:extLst>
           </p:cNvPr>
@@ -3681,9 +3819,10 @@
           <a:bodyPr/>
           <a:lstStyle/>
           <a:p>
-            <a:r>
-              <a:rPr lang="en-US" dirty="0"/>
-              <a:t>Data</a:t>
+            <a:pPr algn="ctr"/>
+            <a:r>
+              <a:rPr lang="en-US" dirty="0"/>
+              <a:t>Questions</a:t>
             </a:r>
           </a:p>
         </p:txBody>
@@ -3693,7 +3832,7 @@
           <p:cNvPr id="3" name="Content Placeholder 2">
             <a:extLst>
               <a:ext uri="{FF2B5EF4-FFF2-40B4-BE49-F238E27FC236}">
-                <a16:creationId xmlns:a16="http://schemas.microsoft.com/office/drawing/2014/main" id="{C6B6EBBF-0A2C-4065-90CE-B709CF408E08}"/>
+                <a16:creationId xmlns:a16="http://schemas.microsoft.com/office/drawing/2014/main" id="{162D072F-1554-4A17-BEAC-B62E922B4D85}"/>
               </a:ext>
             </a:extLst>
           </p:cNvPr>
@@ -3709,14 +3848,17 @@
           <a:bodyPr/>
           <a:lstStyle/>
           <a:p>
-            <a:endParaRPr lang="en-US"/>
+            <a:r>
+              <a:rPr lang="en-US" dirty="0"/>
+              <a:t>* Elaborate on the questions you asked, describing what kinds of data you needed to answer them, and where you found it</a:t>
+            </a:r>
           </a:p>
         </p:txBody>
       </p:sp>
     </p:spTree>
     <p:extLst>
       <p:ext uri="{BB962C8B-B14F-4D97-AF65-F5344CB8AC3E}">
-        <p14:creationId xmlns:p14="http://schemas.microsoft.com/office/powerpoint/2010/main" val="867920326"/>
+        <p14:creationId xmlns:p14="http://schemas.microsoft.com/office/powerpoint/2010/main" val="2863838752"/>
       </p:ext>
     </p:extLst>
   </p:cSld>
@@ -3764,9 +3906,10 @@
           <a:bodyPr/>
           <a:lstStyle/>
           <a:p>
-            <a:r>
-              <a:rPr lang="en-US" dirty="0"/>
-              <a:t>Data Exploration &amp; Handling</a:t>
+            <a:pPr algn="ctr"/>
+            <a:r>
+              <a:rPr lang="en-US" dirty="0"/>
+              <a:t>Data Cleanup</a:t>
             </a:r>
           </a:p>
         </p:txBody>
@@ -3792,7 +3935,36 @@
           <a:bodyPr/>
           <a:lstStyle/>
           <a:p>
-            <a:endParaRPr lang="en-US"/>
+            <a:r>
+              <a:rPr lang="en-US" dirty="0"/>
+              <a:t> * Describe the exploration and cleanup process</a:t>
+            </a:r>
+          </a:p>
+          <a:p>
+            <a:r>
+              <a:rPr lang="en-US" dirty="0"/>
+              <a:t>  * Discuss insights you had while exploring the data that you didn't anticipate</a:t>
+            </a:r>
+          </a:p>
+          <a:p>
+            <a:r>
+              <a:rPr lang="en-US" dirty="0"/>
+              <a:t>  * Discuss any problems that arose after exploring the data, and how you resolved them</a:t>
+            </a:r>
+          </a:p>
+          <a:p>
+            <a:r>
+              <a:rPr lang="en-US" dirty="0"/>
+              <a:t>  * Present and discuss interesting figures developed during exploration, ideally with the help of </a:t>
+            </a:r>
+            <a:r>
+              <a:rPr lang="en-US" dirty="0" err="1"/>
+              <a:t>Jupyter</a:t>
+            </a:r>
+            <a:r>
+              <a:rPr lang="en-US" dirty="0"/>
+              <a:t> Notebook</a:t>
+            </a:r>
           </a:p>
         </p:txBody>
       </p:sp>
@@ -3847,6 +4019,14 @@
           <a:bodyPr/>
           <a:lstStyle/>
           <a:p>
+            <a:pPr algn="ctr"/>
+            <a:r>
+              <a:rPr lang="en-US" dirty="0"/>
+              <a:t>Data </a:t>
+            </a:r>
+            <a:br>
+              <a:rPr lang="en-US" dirty="0"/>
+            </a:br>
             <a:r>
               <a:rPr lang="en-US" dirty="0"/>
               <a:t>Analysis</a:t>
@@ -3875,7 +4055,24 @@
           <a:bodyPr/>
           <a:lstStyle/>
           <a:p>
-            <a:endParaRPr lang="en-US"/>
+            <a:r>
+              <a:rPr lang="en-US" dirty="0"/>
+              <a:t> * Discuss the steps you took to analyze the data and answer each question you asked in your proposal</a:t>
+            </a:r>
+          </a:p>
+          <a:p>
+            <a:r>
+              <a:rPr lang="en-US" dirty="0"/>
+              <a:t>  * Present and discuss interesting figures developed during analysis, ideally with the help of </a:t>
+            </a:r>
+            <a:r>
+              <a:rPr lang="en-US" dirty="0" err="1"/>
+              <a:t>Jupyter</a:t>
+            </a:r>
+            <a:r>
+              <a:rPr lang="en-US" dirty="0"/>
+              <a:t> Notebook</a:t>
+            </a:r>
           </a:p>
         </p:txBody>
       </p:sp>
@@ -3930,11 +4127,11 @@
           <a:bodyPr/>
           <a:lstStyle/>
           <a:p>
-            <a:r>
-              <a:rPr lang="en-US" dirty="0" err="1"/>
-              <a:t>Conculsion</a:t>
-            </a:r>
-            <a:endParaRPr lang="en-US" dirty="0"/>
+            <a:pPr algn="ctr"/>
+            <a:r>
+              <a:rPr lang="en-US" dirty="0"/>
+              <a:t>Discussion</a:t>
+            </a:r>
           </a:p>
         </p:txBody>
       </p:sp>
@@ -3959,7 +4156,10 @@
           <a:bodyPr/>
           <a:lstStyle/>
           <a:p>
-            <a:endParaRPr lang="en-US"/>
+            <a:r>
+              <a:rPr lang="en-US" dirty="0"/>
+              <a:t> * Discuss your findings. Did you find what you expected to find? If not, why not? What inferences or general conclusions can you draw from your analysis?</a:t>
+            </a:r>
           </a:p>
         </p:txBody>
       </p:sp>
@@ -4014,9 +4214,10 @@
           <a:bodyPr/>
           <a:lstStyle/>
           <a:p>
-            <a:r>
-              <a:rPr lang="en-US" dirty="0"/>
-              <a:t>Implications</a:t>
+            <a:pPr algn="ctr"/>
+            <a:r>
+              <a:rPr lang="en-US" dirty="0"/>
+              <a:t>Post Mortem</a:t>
             </a:r>
           </a:p>
         </p:txBody>
@@ -4042,7 +4243,16 @@
           <a:bodyPr/>
           <a:lstStyle/>
           <a:p>
-            <a:endParaRPr lang="en-US"/>
+            <a:r>
+              <a:rPr lang="en-US" dirty="0"/>
+              <a:t> * Discuss any difficulties that arose, and how you dealt with them</a:t>
+            </a:r>
+          </a:p>
+          <a:p>
+            <a:r>
+              <a:rPr lang="en-US" dirty="0"/>
+              <a:t>  * Discuss any additional questions that came up, but which you didn't have time to answer: What would you research next, if you had two more weeks?</a:t>
+            </a:r>
           </a:p>
         </p:txBody>
       </p:sp>
@@ -4050,6 +4260,101 @@
     <p:extLst>
       <p:ext uri="{BB962C8B-B14F-4D97-AF65-F5344CB8AC3E}">
         <p14:creationId xmlns:p14="http://schemas.microsoft.com/office/powerpoint/2010/main" val="4021582807"/>
+      </p:ext>
+    </p:extLst>
+  </p:cSld>
+  <p:clrMapOvr>
+    <a:masterClrMapping/>
+  </p:clrMapOvr>
+</p:sld>
+</file>
+
+<file path=ppt/slides/slide9.xml><?xml version="1.0" encoding="utf-8"?>
+<p:sld xmlns:a="http://schemas.openxmlformats.org/drawingml/2006/main" xmlns:r="http://schemas.openxmlformats.org/officeDocument/2006/relationships" xmlns:p="http://schemas.openxmlformats.org/presentationml/2006/main">
+  <p:cSld>
+    <p:spTree>
+      <p:nvGrpSpPr>
+        <p:cNvPr id="1" name=""/>
+        <p:cNvGrpSpPr/>
+        <p:nvPr/>
+      </p:nvGrpSpPr>
+      <p:grpSpPr>
+        <a:xfrm>
+          <a:off x="0" y="0"/>
+          <a:ext cx="0" cy="0"/>
+          <a:chOff x="0" y="0"/>
+          <a:chExt cx="0" cy="0"/>
+        </a:xfrm>
+      </p:grpSpPr>
+      <p:sp>
+        <p:nvSpPr>
+          <p:cNvPr id="2" name="Title 1">
+            <a:extLst>
+              <a:ext uri="{FF2B5EF4-FFF2-40B4-BE49-F238E27FC236}">
+                <a16:creationId xmlns:a16="http://schemas.microsoft.com/office/drawing/2014/main" id="{D2101A1D-F2ED-490B-92EB-E220B3424EF7}"/>
+              </a:ext>
+            </a:extLst>
+          </p:cNvPr>
+          <p:cNvSpPr>
+            <a:spLocks noGrp="1"/>
+          </p:cNvSpPr>
+          <p:nvPr>
+            <p:ph type="title"/>
+          </p:nvPr>
+        </p:nvSpPr>
+        <p:spPr/>
+        <p:txBody>
+          <a:bodyPr/>
+          <a:lstStyle/>
+          <a:p>
+            <a:pPr algn="ctr"/>
+            <a:r>
+              <a:rPr lang="en-US" dirty="0"/>
+              <a:t>Questions</a:t>
+            </a:r>
+          </a:p>
+        </p:txBody>
+      </p:sp>
+      <p:sp>
+        <p:nvSpPr>
+          <p:cNvPr id="3" name="Content Placeholder 2">
+            <a:extLst>
+              <a:ext uri="{FF2B5EF4-FFF2-40B4-BE49-F238E27FC236}">
+                <a16:creationId xmlns:a16="http://schemas.microsoft.com/office/drawing/2014/main" id="{BBF4195B-AE3B-407A-8702-A1CEBE07D158}"/>
+              </a:ext>
+            </a:extLst>
+          </p:cNvPr>
+          <p:cNvSpPr>
+            <a:spLocks noGrp="1"/>
+          </p:cNvSpPr>
+          <p:nvPr>
+            <p:ph idx="1"/>
+          </p:nvPr>
+        </p:nvSpPr>
+        <p:spPr/>
+        <p:txBody>
+          <a:bodyPr/>
+          <a:lstStyle/>
+          <a:p>
+            <a:r>
+              <a:rPr lang="en-US" dirty="0"/>
+              <a:t>* Open-floor </a:t>
+            </a:r>
+            <a:r>
+              <a:rPr lang="en-US" dirty="0" err="1"/>
+              <a:t>Q&amp;amp;A</a:t>
+            </a:r>
+            <a:r>
+              <a:rPr lang="en-US" dirty="0"/>
+              <a:t> with the audience</a:t>
+            </a:r>
+          </a:p>
+        </p:txBody>
+      </p:sp>
+    </p:spTree>
+    <p:extLst>
+      <p:ext uri="{BB962C8B-B14F-4D97-AF65-F5344CB8AC3E}">
+        <p14:creationId xmlns:p14="http://schemas.microsoft.com/office/powerpoint/2010/main" val="3619649670"/>
       </p:ext>
     </p:extLst>
   </p:cSld>

--- a/Weather and Crime Data Analysis Presentation.pptx
+++ b/Weather and Crime Data Analysis Presentation.pptx
@@ -3755,15 +3755,15 @@
           <a:p>
             <a:r>
               <a:rPr lang="en-US" dirty="0"/>
-              <a:t>  * Describe whether you were able to answer these questions to your </a:t>
-            </a:r>
-            <a:r>
-              <a:rPr lang="en-US" dirty="0" err="1"/>
-              <a:t>satisfication</a:t>
-            </a:r>
-            <a:r>
-              <a:rPr lang="en-US" dirty="0"/>
-              <a:t>, and briefly summarize your findings</a:t>
+              <a:t>  * Describe whether you were able to answer these questions to </a:t>
+            </a:r>
+            <a:r>
+              <a:rPr lang="en-US"/>
+              <a:t>your satisfaction, </a:t>
+            </a:r>
+            <a:r>
+              <a:rPr lang="en-US" dirty="0"/>
+              <a:t>and briefly summarize your findings</a:t>
             </a:r>
           </a:p>
         </p:txBody>
@@ -3850,7 +3850,7 @@
           <a:p>
             <a:r>
               <a:rPr lang="en-US" dirty="0"/>
-              <a:t>* Elaborate on the questions you asked, describing what kinds of data you needed to answer them, and where you found it</a:t>
+              <a:t> * Elaborate on the questions you asked, describing what kinds of data you needed to answer them, and where you found it</a:t>
             </a:r>
           </a:p>
         </p:txBody>

--- a/Weather and Crime Data Analysis Presentation.pptx
+++ b/Weather and Crime Data Analysis Presentation.pptx
@@ -11,10 +11,13 @@
     <p:sldId id="266" r:id="rId5"/>
     <p:sldId id="259" r:id="rId6"/>
     <p:sldId id="260" r:id="rId7"/>
-    <p:sldId id="261" r:id="rId8"/>
-    <p:sldId id="262" r:id="rId9"/>
-    <p:sldId id="264" r:id="rId10"/>
-    <p:sldId id="265" r:id="rId11"/>
+    <p:sldId id="267" r:id="rId8"/>
+    <p:sldId id="269" r:id="rId9"/>
+    <p:sldId id="268" r:id="rId10"/>
+    <p:sldId id="261" r:id="rId11"/>
+    <p:sldId id="262" r:id="rId12"/>
+    <p:sldId id="264" r:id="rId13"/>
+    <p:sldId id="265" r:id="rId14"/>
   </p:sldIdLst>
   <p:sldSz cx="12192000" cy="6858000"/>
   <p:notesSz cx="6858000" cy="9144000"/>
@@ -121,6 +124,18 @@
 </p:presentation>
 </file>
 
+<file path=ppt/commentAuthors.xml><?xml version="1.0" encoding="utf-8"?>
+<p:cmAuthorLst xmlns:a="http://schemas.openxmlformats.org/drawingml/2006/main" xmlns:r="http://schemas.openxmlformats.org/officeDocument/2006/relationships" xmlns:p="http://schemas.openxmlformats.org/presentationml/2006/main">
+  <p:cmAuthor id="1" name="Minny" initials="M" lastIdx="1" clrIdx="0">
+    <p:extLst>
+      <p:ext uri="{19B8F6BF-5375-455C-9EA6-DF929625EA0E}">
+        <p15:presenceInfo xmlns:p15="http://schemas.microsoft.com/office/powerpoint/2012/main" userId="Minny" providerId="None"/>
+      </p:ext>
+    </p:extLst>
+  </p:cmAuthor>
+</p:cmAuthorLst>
+</file>
+
 <file path=ppt/changesInfos/changesInfo1.xml><?xml version="1.0" encoding="utf-8"?>
 <pc:chgInfo xmlns:a="http://schemas.openxmlformats.org/drawingml/2006/main" xmlns:r="http://schemas.openxmlformats.org/officeDocument/2006/relationships" xmlns:ac="http://schemas.microsoft.com/office/drawing/2013/main/command" xmlns:pc="http://schemas.microsoft.com/office/powerpoint/2013/main/command">
   <pc:docChgLst>
@@ -163,6 +178,20 @@
     </pc:docChg>
   </pc:docChgLst>
 </pc:chgInfo>
+</file>
+
+<file path=ppt/comments/comment1.xml><?xml version="1.0" encoding="utf-8"?>
+<p:cmLst xmlns:a="http://schemas.openxmlformats.org/drawingml/2006/main" xmlns:r="http://schemas.openxmlformats.org/officeDocument/2006/relationships" xmlns:p="http://schemas.openxmlformats.org/presentationml/2006/main">
+  <p:cm authorId="1" dt="2018-04-02T20:33:13.994" idx="1">
+    <p:pos x="10" y="10"/>
+    <p:text/>
+    <p:extLst>
+      <p:ext uri="{C676402C-5697-4E1C-873F-D02D1690AC5C}">
+        <p15:threadingInfo xmlns:p15="http://schemas.microsoft.com/office/powerpoint/2012/main" timeZoneBias="420"/>
+      </p:ext>
+    </p:extLst>
+  </p:cm>
+</p:cmLst>
 </file>
 
 <file path=ppt/slideLayouts/slideLayout1.xml><?xml version="1.0" encoding="utf-8"?>
@@ -3506,6 +3535,278 @@
           <p:cNvPr id="2" name="Title 1">
             <a:extLst>
               <a:ext uri="{FF2B5EF4-FFF2-40B4-BE49-F238E27FC236}">
+                <a16:creationId xmlns:a16="http://schemas.microsoft.com/office/drawing/2014/main" id="{C5D0DEA5-6C8E-4C39-A7DB-110DFAE5FFE5}"/>
+              </a:ext>
+            </a:extLst>
+          </p:cNvPr>
+          <p:cNvSpPr>
+            <a:spLocks noGrp="1"/>
+          </p:cNvSpPr>
+          <p:nvPr>
+            <p:ph type="title"/>
+          </p:nvPr>
+        </p:nvSpPr>
+        <p:spPr/>
+        <p:txBody>
+          <a:bodyPr/>
+          <a:lstStyle/>
+          <a:p>
+            <a:pPr algn="ctr"/>
+            <a:r>
+              <a:rPr lang="en-US" dirty="0"/>
+              <a:t>Discussion</a:t>
+            </a:r>
+          </a:p>
+        </p:txBody>
+      </p:sp>
+      <p:sp>
+        <p:nvSpPr>
+          <p:cNvPr id="3" name="Content Placeholder 2">
+            <a:extLst>
+              <a:ext uri="{FF2B5EF4-FFF2-40B4-BE49-F238E27FC236}">
+                <a16:creationId xmlns:a16="http://schemas.microsoft.com/office/drawing/2014/main" id="{A8F024F9-5FFD-4484-8F1C-192C32BB304C}"/>
+              </a:ext>
+            </a:extLst>
+          </p:cNvPr>
+          <p:cNvSpPr>
+            <a:spLocks noGrp="1"/>
+          </p:cNvSpPr>
+          <p:nvPr>
+            <p:ph idx="1"/>
+          </p:nvPr>
+        </p:nvSpPr>
+        <p:spPr/>
+        <p:txBody>
+          <a:bodyPr/>
+          <a:lstStyle/>
+          <a:p>
+            <a:r>
+              <a:rPr lang="en-US" dirty="0"/>
+              <a:t>We discovered that regions experiencing weather extremes, crime patterns fluctuates dramatically when compared to regions with very standard weather. Overall, when the weather is consistent, crime types remain consistent.  Property and violent crimes were the most prevalent crime in Chicago, whereas Property and Disturbance crimes were most prevalent in Los Angeles. Temperature and crime are positively correlated, up until a certain point.</a:t>
+            </a:r>
+          </a:p>
+        </p:txBody>
+      </p:sp>
+    </p:spTree>
+    <p:extLst>
+      <p:ext uri="{BB962C8B-B14F-4D97-AF65-F5344CB8AC3E}">
+        <p14:creationId xmlns:p14="http://schemas.microsoft.com/office/powerpoint/2010/main" val="4174163595"/>
+      </p:ext>
+    </p:extLst>
+  </p:cSld>
+  <p:clrMapOvr>
+    <a:masterClrMapping/>
+  </p:clrMapOvr>
+</p:sld>
+</file>
+
+<file path=ppt/slides/slide11.xml><?xml version="1.0" encoding="utf-8"?>
+<p:sld xmlns:a="http://schemas.openxmlformats.org/drawingml/2006/main" xmlns:r="http://schemas.openxmlformats.org/officeDocument/2006/relationships" xmlns:p="http://schemas.openxmlformats.org/presentationml/2006/main">
+  <p:cSld>
+    <p:spTree>
+      <p:nvGrpSpPr>
+        <p:cNvPr id="1" name=""/>
+        <p:cNvGrpSpPr/>
+        <p:nvPr/>
+      </p:nvGrpSpPr>
+      <p:grpSpPr>
+        <a:xfrm>
+          <a:off x="0" y="0"/>
+          <a:ext cx="0" cy="0"/>
+          <a:chOff x="0" y="0"/>
+          <a:chExt cx="0" cy="0"/>
+        </a:xfrm>
+      </p:grpSpPr>
+      <p:sp>
+        <p:nvSpPr>
+          <p:cNvPr id="2" name="Title 1">
+            <a:extLst>
+              <a:ext uri="{FF2B5EF4-FFF2-40B4-BE49-F238E27FC236}">
+                <a16:creationId xmlns:a16="http://schemas.microsoft.com/office/drawing/2014/main" id="{D2101A1D-F2ED-490B-92EB-E220B3424EF7}"/>
+              </a:ext>
+            </a:extLst>
+          </p:cNvPr>
+          <p:cNvSpPr>
+            <a:spLocks noGrp="1"/>
+          </p:cNvSpPr>
+          <p:nvPr>
+            <p:ph type="title"/>
+          </p:nvPr>
+        </p:nvSpPr>
+        <p:spPr/>
+        <p:txBody>
+          <a:bodyPr/>
+          <a:lstStyle/>
+          <a:p>
+            <a:pPr algn="ctr"/>
+            <a:r>
+              <a:rPr lang="en-US" dirty="0"/>
+              <a:t>Post Mortem</a:t>
+            </a:r>
+          </a:p>
+        </p:txBody>
+      </p:sp>
+      <p:sp>
+        <p:nvSpPr>
+          <p:cNvPr id="3" name="Content Placeholder 2">
+            <a:extLst>
+              <a:ext uri="{FF2B5EF4-FFF2-40B4-BE49-F238E27FC236}">
+                <a16:creationId xmlns:a16="http://schemas.microsoft.com/office/drawing/2014/main" id="{BBF4195B-AE3B-407A-8702-A1CEBE07D158}"/>
+              </a:ext>
+            </a:extLst>
+          </p:cNvPr>
+          <p:cNvSpPr>
+            <a:spLocks noGrp="1"/>
+          </p:cNvSpPr>
+          <p:nvPr>
+            <p:ph idx="1"/>
+          </p:nvPr>
+        </p:nvSpPr>
+        <p:spPr/>
+        <p:txBody>
+          <a:bodyPr/>
+          <a:lstStyle/>
+          <a:p>
+            <a:r>
+              <a:rPr lang="en-US" dirty="0"/>
+              <a:t> * Discuss any difficulties that arose, and how you dealt with them</a:t>
+            </a:r>
+          </a:p>
+          <a:p>
+            <a:r>
+              <a:rPr lang="en-US" dirty="0"/>
+              <a:t>  * Discuss any additional questions that came up, but which you didn't have time to answer: What would you research next, if you had two more weeks?</a:t>
+            </a:r>
+          </a:p>
+        </p:txBody>
+      </p:sp>
+    </p:spTree>
+    <p:extLst>
+      <p:ext uri="{BB962C8B-B14F-4D97-AF65-F5344CB8AC3E}">
+        <p14:creationId xmlns:p14="http://schemas.microsoft.com/office/powerpoint/2010/main" val="4021582807"/>
+      </p:ext>
+    </p:extLst>
+  </p:cSld>
+  <p:clrMapOvr>
+    <a:masterClrMapping/>
+  </p:clrMapOvr>
+</p:sld>
+</file>
+
+<file path=ppt/slides/slide12.xml><?xml version="1.0" encoding="utf-8"?>
+<p:sld xmlns:a="http://schemas.openxmlformats.org/drawingml/2006/main" xmlns:r="http://schemas.openxmlformats.org/officeDocument/2006/relationships" xmlns:p="http://schemas.openxmlformats.org/presentationml/2006/main">
+  <p:cSld>
+    <p:spTree>
+      <p:nvGrpSpPr>
+        <p:cNvPr id="1" name=""/>
+        <p:cNvGrpSpPr/>
+        <p:nvPr/>
+      </p:nvGrpSpPr>
+      <p:grpSpPr>
+        <a:xfrm>
+          <a:off x="0" y="0"/>
+          <a:ext cx="0" cy="0"/>
+          <a:chOff x="0" y="0"/>
+          <a:chExt cx="0" cy="0"/>
+        </a:xfrm>
+      </p:grpSpPr>
+      <p:sp>
+        <p:nvSpPr>
+          <p:cNvPr id="2" name="Title 1">
+            <a:extLst>
+              <a:ext uri="{FF2B5EF4-FFF2-40B4-BE49-F238E27FC236}">
+                <a16:creationId xmlns:a16="http://schemas.microsoft.com/office/drawing/2014/main" id="{D2101A1D-F2ED-490B-92EB-E220B3424EF7}"/>
+              </a:ext>
+            </a:extLst>
+          </p:cNvPr>
+          <p:cNvSpPr>
+            <a:spLocks noGrp="1"/>
+          </p:cNvSpPr>
+          <p:nvPr>
+            <p:ph type="title"/>
+          </p:nvPr>
+        </p:nvSpPr>
+        <p:spPr/>
+        <p:txBody>
+          <a:bodyPr/>
+          <a:lstStyle/>
+          <a:p>
+            <a:pPr algn="ctr"/>
+            <a:r>
+              <a:rPr lang="en-US" dirty="0"/>
+              <a:t>Questions</a:t>
+            </a:r>
+          </a:p>
+        </p:txBody>
+      </p:sp>
+      <p:sp>
+        <p:nvSpPr>
+          <p:cNvPr id="3" name="Content Placeholder 2">
+            <a:extLst>
+              <a:ext uri="{FF2B5EF4-FFF2-40B4-BE49-F238E27FC236}">
+                <a16:creationId xmlns:a16="http://schemas.microsoft.com/office/drawing/2014/main" id="{BBF4195B-AE3B-407A-8702-A1CEBE07D158}"/>
+              </a:ext>
+            </a:extLst>
+          </p:cNvPr>
+          <p:cNvSpPr>
+            <a:spLocks noGrp="1"/>
+          </p:cNvSpPr>
+          <p:nvPr>
+            <p:ph idx="1"/>
+          </p:nvPr>
+        </p:nvSpPr>
+        <p:spPr/>
+        <p:txBody>
+          <a:bodyPr>
+            <a:normAutofit/>
+          </a:bodyPr>
+          <a:lstStyle/>
+          <a:p>
+            <a:pPr marL="0" indent="0" algn="ctr">
+              <a:buNone/>
+            </a:pPr>
+            <a:r>
+              <a:rPr lang="en-US" sz="7200" dirty="0"/>
+              <a:t>Questions?</a:t>
+            </a:r>
+          </a:p>
+        </p:txBody>
+      </p:sp>
+    </p:spTree>
+    <p:extLst>
+      <p:ext uri="{BB962C8B-B14F-4D97-AF65-F5344CB8AC3E}">
+        <p14:creationId xmlns:p14="http://schemas.microsoft.com/office/powerpoint/2010/main" val="3619649670"/>
+      </p:ext>
+    </p:extLst>
+  </p:cSld>
+  <p:clrMapOvr>
+    <a:masterClrMapping/>
+  </p:clrMapOvr>
+</p:sld>
+</file>
+
+<file path=ppt/slides/slide13.xml><?xml version="1.0" encoding="utf-8"?>
+<p:sld xmlns:a="http://schemas.openxmlformats.org/drawingml/2006/main" xmlns:r="http://schemas.openxmlformats.org/officeDocument/2006/relationships" xmlns:p="http://schemas.openxmlformats.org/presentationml/2006/main">
+  <p:cSld>
+    <p:spTree>
+      <p:nvGrpSpPr>
+        <p:cNvPr id="1" name=""/>
+        <p:cNvGrpSpPr/>
+        <p:nvPr/>
+      </p:nvGrpSpPr>
+      <p:grpSpPr>
+        <a:xfrm>
+          <a:off x="0" y="0"/>
+          <a:ext cx="0" cy="0"/>
+          <a:chOff x="0" y="0"/>
+          <a:chExt cx="0" cy="0"/>
+        </a:xfrm>
+      </p:grpSpPr>
+      <p:sp>
+        <p:nvSpPr>
+          <p:cNvPr id="2" name="Title 1">
+            <a:extLst>
+              <a:ext uri="{FF2B5EF4-FFF2-40B4-BE49-F238E27FC236}">
                 <a16:creationId xmlns:a16="http://schemas.microsoft.com/office/drawing/2014/main" id="{48CB2E1E-F2CA-4BC0-B171-8A889E17F884}"/>
               </a:ext>
             </a:extLst>
@@ -3742,28 +4043,46 @@
           <a:lstStyle/>
           <a:p>
             <a:r>
-              <a:rPr lang="en-US" dirty="0"/>
-              <a:t> * Define the core message or hypothesis of your project.</a:t>
-            </a:r>
-          </a:p>
-          <a:p>
-            <a:r>
-              <a:rPr lang="en-US" dirty="0"/>
-              <a:t>  * Describe the questions you asked, and _why_ you asked them</a:t>
-            </a:r>
-          </a:p>
-          <a:p>
-            <a:r>
-              <a:rPr lang="en-US" dirty="0"/>
-              <a:t>  * Describe whether you were able to answer these questions to </a:t>
-            </a:r>
-            <a:r>
-              <a:rPr lang="en-US"/>
-              <a:t>your satisfaction, </a:t>
-            </a:r>
-            <a:r>
-              <a:rPr lang="en-US" dirty="0"/>
-              <a:t>and briefly summarize your findings</a:t>
+              <a:rPr lang="en-US" b="1" dirty="0"/>
+              <a:t>Hypothesis:</a:t>
+            </a:r>
+            <a:r>
+              <a:rPr lang="en-US" dirty="0"/>
+              <a:t> To test human activity patterns, as measured by crime against weather and temperature. We expect crimes and temperature (and weather by proxy) to have a positive correlation.</a:t>
+            </a:r>
+          </a:p>
+          <a:p>
+            <a:r>
+              <a:rPr lang="en-US" b="1" dirty="0"/>
+              <a:t>Overall:</a:t>
+            </a:r>
+            <a:r>
+              <a:rPr lang="en-US" dirty="0"/>
+              <a:t> we were satisfied with our data exploration. We discovered the </a:t>
+            </a:r>
+            <a:r>
+              <a:rPr lang="en-US" dirty="0" err="1"/>
+              <a:t>following:As</a:t>
+            </a:r>
+            <a:r>
+              <a:rPr lang="en-US" dirty="0"/>
+              <a:t> temperature increases, overall crime increases. Crimes most affected by weather fall into the Property or Violent </a:t>
+            </a:r>
+            <a:r>
+              <a:rPr lang="en-US" dirty="0" err="1"/>
+              <a:t>category.Crime</a:t>
+            </a:r>
+            <a:r>
+              <a:rPr lang="en-US" dirty="0"/>
+              <a:t> patterns fluctuate with the season, cooling off in winter and coming to a boiling point in </a:t>
+            </a:r>
+            <a:r>
+              <a:rPr lang="en-US" dirty="0" err="1"/>
+              <a:t>summer.Weather</a:t>
+            </a:r>
+            <a:r>
+              <a:rPr lang="en-US" dirty="0"/>
+              <a:t> events affect rate of which crimes occur.</a:t>
             </a:r>
           </a:p>
         </p:txBody>
@@ -3848,9 +4167,31 @@
           <a:bodyPr/>
           <a:lstStyle/>
           <a:p>
-            <a:r>
-              <a:rPr lang="en-US" dirty="0"/>
-              <a:t> * Elaborate on the questions you asked, describing what kinds of data you needed to answer them, and where you found it</a:t>
+            <a:pPr lvl="0"/>
+            <a:r>
+              <a:rPr lang="en-US" dirty="0"/>
+              <a:t>Does weather affect crime incidence? Do crimes occur more often in areas experiencing extreme seasonal weather changes?</a:t>
+            </a:r>
+          </a:p>
+          <a:p>
+            <a:pPr lvl="0"/>
+            <a:r>
+              <a:rPr lang="en-US" dirty="0"/>
+              <a:t>Does temperature affect crime?</a:t>
+            </a:r>
+          </a:p>
+          <a:p>
+            <a:pPr lvl="0"/>
+            <a:r>
+              <a:rPr lang="en-US" dirty="0"/>
+              <a:t>What type of crime is affected the most by weather?</a:t>
+            </a:r>
+          </a:p>
+          <a:p>
+            <a:pPr lvl="0"/>
+            <a:r>
+              <a:rPr lang="en-US" dirty="0"/>
+              <a:t>What contributes to crime occurrences?</a:t>
             </a:r>
           </a:p>
         </p:txBody>
@@ -3932,39 +4273,70 @@
         </p:nvSpPr>
         <p:spPr/>
         <p:txBody>
-          <a:bodyPr/>
-          <a:lstStyle/>
-          <a:p>
-            <a:r>
-              <a:rPr lang="en-US" dirty="0"/>
-              <a:t> * Describe the exploration and cleanup process</a:t>
-            </a:r>
-          </a:p>
-          <a:p>
-            <a:r>
-              <a:rPr lang="en-US" dirty="0"/>
-              <a:t>  * Discuss insights you had while exploring the data that you didn't anticipate</a:t>
-            </a:r>
-          </a:p>
-          <a:p>
-            <a:r>
-              <a:rPr lang="en-US" dirty="0"/>
-              <a:t>  * Discuss any problems that arose after exploring the data, and how you resolved them</a:t>
-            </a:r>
-          </a:p>
-          <a:p>
-            <a:r>
-              <a:rPr lang="en-US" dirty="0"/>
-              <a:t>  * Present and discuss interesting figures developed during exploration, ideally with the help of </a:t>
-            </a:r>
-            <a:r>
-              <a:rPr lang="en-US" dirty="0" err="1"/>
-              <a:t>Jupyter</a:t>
-            </a:r>
-            <a:r>
-              <a:rPr lang="en-US" dirty="0"/>
-              <a:t> Notebook</a:t>
-            </a:r>
+          <a:bodyPr>
+            <a:normAutofit/>
+          </a:bodyPr>
+          <a:lstStyle/>
+          <a:p>
+            <a:r>
+              <a:rPr lang="en-US" b="1" dirty="0"/>
+              <a:t>Data collection:</a:t>
+            </a:r>
+          </a:p>
+          <a:p>
+            <a:pPr lvl="1"/>
+            <a:r>
+              <a:rPr lang="en-US" dirty="0"/>
+              <a:t>The crime data was collected from their respective city’s data source through data.gov and kaggle.com.</a:t>
+            </a:r>
+          </a:p>
+          <a:p>
+            <a:pPr lvl="1"/>
+            <a:r>
+              <a:rPr lang="en-US" dirty="0"/>
+              <a:t>Weather data was collected from www.weatherunderground.com</a:t>
+            </a:r>
+          </a:p>
+          <a:p>
+            <a:r>
+              <a:rPr lang="en-US" b="1" dirty="0"/>
+              <a:t>Data clean up:</a:t>
+            </a:r>
+          </a:p>
+          <a:p>
+            <a:pPr lvl="1"/>
+            <a:r>
+              <a:rPr lang="en-US" dirty="0"/>
+              <a:t>The crime data was cleaned up to only retain information needed for our analysis.</a:t>
+            </a:r>
+          </a:p>
+          <a:p>
+            <a:pPr lvl="1"/>
+            <a:r>
+              <a:rPr lang="en-US" dirty="0"/>
+              <a:t>The weather data needed manipulations to fields such as the date field in order to properly merge the two data sets.</a:t>
+            </a:r>
+          </a:p>
+          <a:p>
+            <a:r>
+              <a:rPr lang="en-US" b="1" dirty="0"/>
+              <a:t>Data merging:</a:t>
+            </a:r>
+          </a:p>
+          <a:p>
+            <a:pPr lvl="1"/>
+            <a:r>
+              <a:rPr lang="en-US" dirty="0"/>
+              <a:t>The data set were joined by date to create a completed population by city.</a:t>
+            </a:r>
+          </a:p>
+          <a:p>
+            <a:pPr lvl="1"/>
+            <a:endParaRPr lang="en-US" dirty="0"/>
+          </a:p>
+          <a:p>
+            <a:pPr lvl="1"/>
+            <a:endParaRPr lang="en-US" dirty="0"/>
           </a:p>
         </p:txBody>
       </p:sp>
@@ -4057,21 +4429,13 @@
           <a:p>
             <a:r>
               <a:rPr lang="en-US" dirty="0"/>
-              <a:t> * Discuss the steps you took to analyze the data and answer each question you asked in your proposal</a:t>
-            </a:r>
-          </a:p>
-          <a:p>
-            <a:r>
-              <a:rPr lang="en-US" dirty="0"/>
-              <a:t>  * Present and discuss interesting figures developed during analysis, ideally with the help of </a:t>
-            </a:r>
-            <a:r>
-              <a:rPr lang="en-US" dirty="0" err="1"/>
-              <a:t>Jupyter</a:t>
-            </a:r>
-            <a:r>
-              <a:rPr lang="en-US" dirty="0"/>
-              <a:t> Notebook</a:t>
+              <a:t>Our team wanted to standardize the two sets of crime data and have consistencies across both cities, we assigned all crimes within both cities to 1 of 5 main crime categories. Consensual, disturbance, property, violent, and white collar. </a:t>
+            </a:r>
+          </a:p>
+          <a:p>
+            <a:r>
+              <a:rPr lang="en-US" dirty="0"/>
+              <a:t>The cleaned data sets were plotted and analyzed to determine if any correlations existed </a:t>
             </a:r>
           </a:p>
         </p:txBody>
@@ -4111,7 +4475,7 @@
           <p:cNvPr id="2" name="Title 1">
             <a:extLst>
               <a:ext uri="{FF2B5EF4-FFF2-40B4-BE49-F238E27FC236}">
-                <a16:creationId xmlns:a16="http://schemas.microsoft.com/office/drawing/2014/main" id="{C5D0DEA5-6C8E-4C39-A7DB-110DFAE5FFE5}"/>
+                <a16:creationId xmlns:a16="http://schemas.microsoft.com/office/drawing/2014/main" id="{AAEBA6E1-5E63-4B00-9358-0B0FCBB9F43D}"/>
               </a:ext>
             </a:extLst>
           </p:cNvPr>
@@ -4127,11 +4491,7 @@
           <a:bodyPr/>
           <a:lstStyle/>
           <a:p>
-            <a:pPr algn="ctr"/>
-            <a:r>
-              <a:rPr lang="en-US" dirty="0"/>
-              <a:t>Discussion</a:t>
-            </a:r>
+            <a:endParaRPr lang="en-US"/>
           </a:p>
         </p:txBody>
       </p:sp>
@@ -4140,7 +4500,7 @@
           <p:cNvPr id="3" name="Content Placeholder 2">
             <a:extLst>
               <a:ext uri="{FF2B5EF4-FFF2-40B4-BE49-F238E27FC236}">
-                <a16:creationId xmlns:a16="http://schemas.microsoft.com/office/drawing/2014/main" id="{A8F024F9-5FFD-4484-8F1C-192C32BB304C}"/>
+                <a16:creationId xmlns:a16="http://schemas.microsoft.com/office/drawing/2014/main" id="{90868B8F-9122-4E05-B45C-59D4FE2B2F51}"/>
               </a:ext>
             </a:extLst>
           </p:cNvPr>
@@ -4156,17 +4516,14 @@
           <a:bodyPr/>
           <a:lstStyle/>
           <a:p>
-            <a:r>
-              <a:rPr lang="en-US" dirty="0"/>
-              <a:t> * Discuss your findings. Did you find what you expected to find? If not, why not? What inferences or general conclusions can you draw from your analysis?</a:t>
-            </a:r>
+            <a:endParaRPr lang="en-US"/>
           </a:p>
         </p:txBody>
       </p:sp>
     </p:spTree>
     <p:extLst>
       <p:ext uri="{BB962C8B-B14F-4D97-AF65-F5344CB8AC3E}">
-        <p14:creationId xmlns:p14="http://schemas.microsoft.com/office/powerpoint/2010/main" val="4174163595"/>
+        <p14:creationId xmlns:p14="http://schemas.microsoft.com/office/powerpoint/2010/main" val="1992219538"/>
       </p:ext>
     </p:extLst>
   </p:cSld>
@@ -4198,7 +4555,7 @@
           <p:cNvPr id="2" name="Title 1">
             <a:extLst>
               <a:ext uri="{FF2B5EF4-FFF2-40B4-BE49-F238E27FC236}">
-                <a16:creationId xmlns:a16="http://schemas.microsoft.com/office/drawing/2014/main" id="{D2101A1D-F2ED-490B-92EB-E220B3424EF7}"/>
+                <a16:creationId xmlns:a16="http://schemas.microsoft.com/office/drawing/2014/main" id="{6B33C208-721D-4FB4-94B2-FD3E08DC28A8}"/>
               </a:ext>
             </a:extLst>
           </p:cNvPr>
@@ -4214,11 +4571,7 @@
           <a:bodyPr/>
           <a:lstStyle/>
           <a:p>
-            <a:pPr algn="ctr"/>
-            <a:r>
-              <a:rPr lang="en-US" dirty="0"/>
-              <a:t>Post Mortem</a:t>
-            </a:r>
+            <a:endParaRPr lang="en-US"/>
           </a:p>
         </p:txBody>
       </p:sp>
@@ -4227,7 +4580,7 @@
           <p:cNvPr id="3" name="Content Placeholder 2">
             <a:extLst>
               <a:ext uri="{FF2B5EF4-FFF2-40B4-BE49-F238E27FC236}">
-                <a16:creationId xmlns:a16="http://schemas.microsoft.com/office/drawing/2014/main" id="{BBF4195B-AE3B-407A-8702-A1CEBE07D158}"/>
+                <a16:creationId xmlns:a16="http://schemas.microsoft.com/office/drawing/2014/main" id="{5BA88265-B129-4D2F-85AC-086C2A4D1EED}"/>
               </a:ext>
             </a:extLst>
           </p:cNvPr>
@@ -4243,23 +4596,14 @@
           <a:bodyPr/>
           <a:lstStyle/>
           <a:p>
-            <a:r>
-              <a:rPr lang="en-US" dirty="0"/>
-              <a:t> * Discuss any difficulties that arose, and how you dealt with them</a:t>
-            </a:r>
-          </a:p>
-          <a:p>
-            <a:r>
-              <a:rPr lang="en-US" dirty="0"/>
-              <a:t>  * Discuss any additional questions that came up, but which you didn't have time to answer: What would you research next, if you had two more weeks?</a:t>
-            </a:r>
+            <a:endParaRPr lang="en-US"/>
           </a:p>
         </p:txBody>
       </p:sp>
     </p:spTree>
     <p:extLst>
       <p:ext uri="{BB962C8B-B14F-4D97-AF65-F5344CB8AC3E}">
-        <p14:creationId xmlns:p14="http://schemas.microsoft.com/office/powerpoint/2010/main" val="4021582807"/>
+        <p14:creationId xmlns:p14="http://schemas.microsoft.com/office/powerpoint/2010/main" val="2475923716"/>
       </p:ext>
     </p:extLst>
   </p:cSld>
@@ -4291,7 +4635,7 @@
           <p:cNvPr id="2" name="Title 1">
             <a:extLst>
               <a:ext uri="{FF2B5EF4-FFF2-40B4-BE49-F238E27FC236}">
-                <a16:creationId xmlns:a16="http://schemas.microsoft.com/office/drawing/2014/main" id="{D2101A1D-F2ED-490B-92EB-E220B3424EF7}"/>
+                <a16:creationId xmlns:a16="http://schemas.microsoft.com/office/drawing/2014/main" id="{73BAE7B6-A2F1-4F3D-8F74-60E7CAF00247}"/>
               </a:ext>
             </a:extLst>
           </p:cNvPr>
@@ -4307,11 +4651,7 @@
           <a:bodyPr/>
           <a:lstStyle/>
           <a:p>
-            <a:pPr algn="ctr"/>
-            <a:r>
-              <a:rPr lang="en-US" dirty="0"/>
-              <a:t>Questions</a:t>
-            </a:r>
+            <a:endParaRPr lang="en-US"/>
           </a:p>
         </p:txBody>
       </p:sp>
@@ -4320,7 +4660,7 @@
           <p:cNvPr id="3" name="Content Placeholder 2">
             <a:extLst>
               <a:ext uri="{FF2B5EF4-FFF2-40B4-BE49-F238E27FC236}">
-                <a16:creationId xmlns:a16="http://schemas.microsoft.com/office/drawing/2014/main" id="{BBF4195B-AE3B-407A-8702-A1CEBE07D158}"/>
+                <a16:creationId xmlns:a16="http://schemas.microsoft.com/office/drawing/2014/main" id="{0F80E607-6CC0-4034-B895-5C6CAEA655E4}"/>
               </a:ext>
             </a:extLst>
           </p:cNvPr>
@@ -4336,25 +4676,14 @@
           <a:bodyPr/>
           <a:lstStyle/>
           <a:p>
-            <a:r>
-              <a:rPr lang="en-US" dirty="0"/>
-              <a:t>* Open-floor </a:t>
-            </a:r>
-            <a:r>
-              <a:rPr lang="en-US" dirty="0" err="1"/>
-              <a:t>Q&amp;amp;A</a:t>
-            </a:r>
-            <a:r>
-              <a:rPr lang="en-US" dirty="0"/>
-              <a:t> with the audience</a:t>
-            </a:r>
+            <a:endParaRPr lang="en-US"/>
           </a:p>
         </p:txBody>
       </p:sp>
     </p:spTree>
     <p:extLst>
       <p:ext uri="{BB962C8B-B14F-4D97-AF65-F5344CB8AC3E}">
-        <p14:creationId xmlns:p14="http://schemas.microsoft.com/office/powerpoint/2010/main" val="3619649670"/>
+        <p14:creationId xmlns:p14="http://schemas.microsoft.com/office/powerpoint/2010/main" val="2423249885"/>
       </p:ext>
     </p:extLst>
   </p:cSld>

--- a/Weather and Crime Data Analysis Presentation.pptx
+++ b/Weather and Crime Data Analysis Presentation.pptx
@@ -14,10 +14,11 @@
     <p:sldId id="267" r:id="rId8"/>
     <p:sldId id="269" r:id="rId9"/>
     <p:sldId id="268" r:id="rId10"/>
-    <p:sldId id="261" r:id="rId11"/>
-    <p:sldId id="262" r:id="rId12"/>
-    <p:sldId id="264" r:id="rId13"/>
-    <p:sldId id="265" r:id="rId14"/>
+    <p:sldId id="270" r:id="rId11"/>
+    <p:sldId id="261" r:id="rId12"/>
+    <p:sldId id="262" r:id="rId13"/>
+    <p:sldId id="264" r:id="rId14"/>
+    <p:sldId id="265" r:id="rId15"/>
   </p:sldIdLst>
   <p:sldSz cx="12192000" cy="6858000"/>
   <p:notesSz cx="6858000" cy="9144000"/>
@@ -3535,7 +3536,7 @@
           <p:cNvPr id="2" name="Title 1">
             <a:extLst>
               <a:ext uri="{FF2B5EF4-FFF2-40B4-BE49-F238E27FC236}">
-                <a16:creationId xmlns:a16="http://schemas.microsoft.com/office/drawing/2014/main" id="{C5D0DEA5-6C8E-4C39-A7DB-110DFAE5FFE5}"/>
+                <a16:creationId xmlns:a16="http://schemas.microsoft.com/office/drawing/2014/main" id="{A2C58B07-A1D4-4BF0-8FEE-C20DAA5690A1}"/>
               </a:ext>
             </a:extLst>
           </p:cNvPr>
@@ -3554,8 +3555,12 @@
             <a:pPr algn="ctr"/>
             <a:r>
               <a:rPr lang="en-US" dirty="0"/>
-              <a:t>Discussion</a:t>
-            </a:r>
+              <a:t>What contributes to crime occurrences?</a:t>
+            </a:r>
+            <a:br>
+              <a:rPr lang="en-US" dirty="0"/>
+            </a:br>
+            <a:endParaRPr lang="en-US" dirty="0"/>
           </a:p>
         </p:txBody>
       </p:sp>
@@ -3564,7 +3569,7 @@
           <p:cNvPr id="3" name="Content Placeholder 2">
             <a:extLst>
               <a:ext uri="{FF2B5EF4-FFF2-40B4-BE49-F238E27FC236}">
-                <a16:creationId xmlns:a16="http://schemas.microsoft.com/office/drawing/2014/main" id="{A8F024F9-5FFD-4484-8F1C-192C32BB304C}"/>
+                <a16:creationId xmlns:a16="http://schemas.microsoft.com/office/drawing/2014/main" id="{0A5A7A55-83D2-471F-A7ED-A9B39C0B845D}"/>
               </a:ext>
             </a:extLst>
           </p:cNvPr>
@@ -3580,17 +3585,14 @@
           <a:bodyPr/>
           <a:lstStyle/>
           <a:p>
-            <a:r>
-              <a:rPr lang="en-US" dirty="0"/>
-              <a:t>We discovered that regions experiencing weather extremes, crime patterns fluctuates dramatically when compared to regions with very standard weather. Overall, when the weather is consistent, crime types remain consistent.  Property and violent crimes were the most prevalent crime in Chicago, whereas Property and Disturbance crimes were most prevalent in Los Angeles. Temperature and crime are positively correlated, up until a certain point.</a:t>
-            </a:r>
+            <a:endParaRPr lang="en-US"/>
           </a:p>
         </p:txBody>
       </p:sp>
     </p:spTree>
     <p:extLst>
       <p:ext uri="{BB962C8B-B14F-4D97-AF65-F5344CB8AC3E}">
-        <p14:creationId xmlns:p14="http://schemas.microsoft.com/office/powerpoint/2010/main" val="4174163595"/>
+        <p14:creationId xmlns:p14="http://schemas.microsoft.com/office/powerpoint/2010/main" val="1584811564"/>
       </p:ext>
     </p:extLst>
   </p:cSld>
@@ -3622,7 +3624,7 @@
           <p:cNvPr id="2" name="Title 1">
             <a:extLst>
               <a:ext uri="{FF2B5EF4-FFF2-40B4-BE49-F238E27FC236}">
-                <a16:creationId xmlns:a16="http://schemas.microsoft.com/office/drawing/2014/main" id="{D2101A1D-F2ED-490B-92EB-E220B3424EF7}"/>
+                <a16:creationId xmlns:a16="http://schemas.microsoft.com/office/drawing/2014/main" id="{C5D0DEA5-6C8E-4C39-A7DB-110DFAE5FFE5}"/>
               </a:ext>
             </a:extLst>
           </p:cNvPr>
@@ -3641,7 +3643,7 @@
             <a:pPr algn="ctr"/>
             <a:r>
               <a:rPr lang="en-US" dirty="0"/>
-              <a:t>Post Mortem</a:t>
+              <a:t>Discussion</a:t>
             </a:r>
           </a:p>
         </p:txBody>
@@ -3651,7 +3653,7 @@
           <p:cNvPr id="3" name="Content Placeholder 2">
             <a:extLst>
               <a:ext uri="{FF2B5EF4-FFF2-40B4-BE49-F238E27FC236}">
-                <a16:creationId xmlns:a16="http://schemas.microsoft.com/office/drawing/2014/main" id="{BBF4195B-AE3B-407A-8702-A1CEBE07D158}"/>
+                <a16:creationId xmlns:a16="http://schemas.microsoft.com/office/drawing/2014/main" id="{A8F024F9-5FFD-4484-8F1C-192C32BB304C}"/>
               </a:ext>
             </a:extLst>
           </p:cNvPr>
@@ -3669,13 +3671,25 @@
           <a:p>
             <a:r>
               <a:rPr lang="en-US" dirty="0"/>
-              <a:t> * Discuss any difficulties that arose, and how you dealt with them</a:t>
-            </a:r>
-          </a:p>
-          <a:p>
-            <a:r>
-              <a:rPr lang="en-US" dirty="0"/>
-              <a:t>  * Discuss any additional questions that came up, but which you didn't have time to answer: What would you research next, if you had two more weeks?</a:t>
+              <a:t>We discovered that regions experiencing weather extremes, crime patterns fluctuates dramatically when compared to regions with very standard weather. </a:t>
+            </a:r>
+          </a:p>
+          <a:p>
+            <a:r>
+              <a:rPr lang="en-US" dirty="0"/>
+              <a:t>Overall, when the weather is consistent, crime types remain consistent.  </a:t>
+            </a:r>
+          </a:p>
+          <a:p>
+            <a:r>
+              <a:rPr lang="en-US" dirty="0"/>
+              <a:t>Property and violent crimes were the most prevalent crime in Chicago, whereas Property and Disturbance crimes were most prevalent in Los Angeles. </a:t>
+            </a:r>
+          </a:p>
+          <a:p>
+            <a:r>
+              <a:rPr lang="en-US" dirty="0"/>
+              <a:t>Temperature and crime are positively correlated, up until a certain point.</a:t>
             </a:r>
           </a:p>
         </p:txBody>
@@ -3683,7 +3697,7 @@
     </p:spTree>
     <p:extLst>
       <p:ext uri="{BB962C8B-B14F-4D97-AF65-F5344CB8AC3E}">
-        <p14:creationId xmlns:p14="http://schemas.microsoft.com/office/powerpoint/2010/main" val="4021582807"/>
+        <p14:creationId xmlns:p14="http://schemas.microsoft.com/office/powerpoint/2010/main" val="4174163595"/>
       </p:ext>
     </p:extLst>
   </p:cSld>
@@ -3734,6 +3748,185 @@
             <a:pPr algn="ctr"/>
             <a:r>
               <a:rPr lang="en-US" dirty="0"/>
+              <a:t>Post Mortem</a:t>
+            </a:r>
+          </a:p>
+        </p:txBody>
+      </p:sp>
+      <p:sp>
+        <p:nvSpPr>
+          <p:cNvPr id="3" name="Content Placeholder 2">
+            <a:extLst>
+              <a:ext uri="{FF2B5EF4-FFF2-40B4-BE49-F238E27FC236}">
+                <a16:creationId xmlns:a16="http://schemas.microsoft.com/office/drawing/2014/main" id="{BBF4195B-AE3B-407A-8702-A1CEBE07D158}"/>
+              </a:ext>
+            </a:extLst>
+          </p:cNvPr>
+          <p:cNvSpPr>
+            <a:spLocks noGrp="1"/>
+          </p:cNvSpPr>
+          <p:nvPr>
+            <p:ph idx="1"/>
+          </p:nvPr>
+        </p:nvSpPr>
+        <p:spPr/>
+        <p:txBody>
+          <a:bodyPr>
+            <a:normAutofit fontScale="85000" lnSpcReduction="10000"/>
+          </a:bodyPr>
+          <a:lstStyle/>
+          <a:p>
+            <a:r>
+              <a:rPr lang="en-US" b="1" dirty="0"/>
+              <a:t>Challenges:</a:t>
+            </a:r>
+          </a:p>
+          <a:p>
+            <a:r>
+              <a:rPr lang="en-US" dirty="0"/>
+              <a:t>We experiences licensing challenges when pursuing </a:t>
+            </a:r>
+            <a:r>
+              <a:rPr lang="en-US" dirty="0" err="1"/>
+              <a:t>OpenWeather</a:t>
+            </a:r>
+            <a:r>
+              <a:rPr lang="en-US" dirty="0"/>
+              <a:t> API’s historical data, forcing us to pursue alternatives. </a:t>
+            </a:r>
+          </a:p>
+          <a:p>
+            <a:pPr lvl="1"/>
+            <a:r>
+              <a:rPr lang="en-US" dirty="0"/>
+              <a:t>Searched the web for historical weather and found </a:t>
+            </a:r>
+            <a:r>
+              <a:rPr lang="en-US" dirty="0" err="1"/>
+              <a:t>WeatherUnderground</a:t>
+            </a:r>
+            <a:r>
+              <a:rPr lang="en-US" dirty="0"/>
+              <a:t>.</a:t>
+            </a:r>
+          </a:p>
+          <a:p>
+            <a:r>
+              <a:rPr lang="en-US" dirty="0" err="1"/>
+              <a:t>Chicagos</a:t>
+            </a:r>
+            <a:r>
+              <a:rPr lang="en-US" dirty="0"/>
+              <a:t> Data File was initially too large to work with (over 1.5 GB as a CSV). </a:t>
+            </a:r>
+          </a:p>
+          <a:p>
+            <a:pPr lvl="1"/>
+            <a:r>
+              <a:rPr lang="en-US" dirty="0"/>
+              <a:t>Opened CSV in Pandas and performed several .drop to eliminate excess data.</a:t>
+            </a:r>
+          </a:p>
+          <a:p>
+            <a:r>
+              <a:rPr lang="en-US" dirty="0"/>
+              <a:t>Crime: Primary Type  between LA and Chicago did not sync. Research categories to bin each Crime Type. </a:t>
+            </a:r>
+          </a:p>
+          <a:p>
+            <a:pPr lvl="1"/>
+            <a:r>
+              <a:rPr lang="en-US" dirty="0"/>
+              <a:t>Resulted in 5 Crime types: White Collar, Property, Disturbance, Violent, and Consensual.</a:t>
+            </a:r>
+          </a:p>
+          <a:p>
+            <a:r>
+              <a:rPr lang="en-US" b="1" dirty="0"/>
+              <a:t>Additional Questions:</a:t>
+            </a:r>
+          </a:p>
+          <a:p>
+            <a:r>
+              <a:rPr lang="en-US" dirty="0"/>
+              <a:t>What is the rate of Crime Occurrences inside versus outside? </a:t>
+            </a:r>
+          </a:p>
+          <a:p>
+            <a:pPr lvl="1"/>
+            <a:r>
+              <a:rPr lang="en-US" dirty="0"/>
+              <a:t>Controlling for temperatures indoors, would crime occur at the same rate? </a:t>
+            </a:r>
+          </a:p>
+          <a:p>
+            <a:r>
+              <a:rPr lang="en-US" dirty="0"/>
+              <a:t>Does city diversity contribute to Crime Rate? </a:t>
+            </a:r>
+          </a:p>
+          <a:p>
+            <a:r>
+              <a:rPr lang="en-US" dirty="0"/>
+              <a:t>Averaging total crimes against total police recruits for each year?</a:t>
+            </a:r>
+          </a:p>
+        </p:txBody>
+      </p:sp>
+    </p:spTree>
+    <p:extLst>
+      <p:ext uri="{BB962C8B-B14F-4D97-AF65-F5344CB8AC3E}">
+        <p14:creationId xmlns:p14="http://schemas.microsoft.com/office/powerpoint/2010/main" val="4021582807"/>
+      </p:ext>
+    </p:extLst>
+  </p:cSld>
+  <p:clrMapOvr>
+    <a:masterClrMapping/>
+  </p:clrMapOvr>
+</p:sld>
+</file>
+
+<file path=ppt/slides/slide13.xml><?xml version="1.0" encoding="utf-8"?>
+<p:sld xmlns:a="http://schemas.openxmlformats.org/drawingml/2006/main" xmlns:r="http://schemas.openxmlformats.org/officeDocument/2006/relationships" xmlns:p="http://schemas.openxmlformats.org/presentationml/2006/main">
+  <p:cSld>
+    <p:spTree>
+      <p:nvGrpSpPr>
+        <p:cNvPr id="1" name=""/>
+        <p:cNvGrpSpPr/>
+        <p:nvPr/>
+      </p:nvGrpSpPr>
+      <p:grpSpPr>
+        <a:xfrm>
+          <a:off x="0" y="0"/>
+          <a:ext cx="0" cy="0"/>
+          <a:chOff x="0" y="0"/>
+          <a:chExt cx="0" cy="0"/>
+        </a:xfrm>
+      </p:grpSpPr>
+      <p:sp>
+        <p:nvSpPr>
+          <p:cNvPr id="2" name="Title 1">
+            <a:extLst>
+              <a:ext uri="{FF2B5EF4-FFF2-40B4-BE49-F238E27FC236}">
+                <a16:creationId xmlns:a16="http://schemas.microsoft.com/office/drawing/2014/main" id="{D2101A1D-F2ED-490B-92EB-E220B3424EF7}"/>
+              </a:ext>
+            </a:extLst>
+          </p:cNvPr>
+          <p:cNvSpPr>
+            <a:spLocks noGrp="1"/>
+          </p:cNvSpPr>
+          <p:nvPr>
+            <p:ph type="title"/>
+          </p:nvPr>
+        </p:nvSpPr>
+        <p:spPr/>
+        <p:txBody>
+          <a:bodyPr/>
+          <a:lstStyle/>
+          <a:p>
+            <a:pPr algn="ctr"/>
+            <a:r>
+              <a:rPr lang="en-US" dirty="0"/>
               <a:t>Questions</a:t>
             </a:r>
           </a:p>
@@ -3785,7 +3978,7 @@
 </p:sld>
 </file>
 
-<file path=ppt/slides/slide13.xml><?xml version="1.0" encoding="utf-8"?>
+<file path=ppt/slides/slide14.xml><?xml version="1.0" encoding="utf-8"?>
 <p:sld xmlns:a="http://schemas.openxmlformats.org/drawingml/2006/main" xmlns:r="http://schemas.openxmlformats.org/officeDocument/2006/relationships" xmlns:p="http://schemas.openxmlformats.org/presentationml/2006/main">
   <p:cSld>
     <p:spTree>
@@ -4488,10 +4681,20 @@
         </p:nvSpPr>
         <p:spPr/>
         <p:txBody>
-          <a:bodyPr/>
-          <a:lstStyle/>
-          <a:p>
-            <a:endParaRPr lang="en-US"/>
+          <a:bodyPr>
+            <a:normAutofit fontScale="90000"/>
+          </a:bodyPr>
+          <a:lstStyle/>
+          <a:p>
+            <a:pPr algn="ctr"/>
+            <a:r>
+              <a:rPr lang="en-US" sz="3100" dirty="0"/>
+              <a:t>Does weather affect crime incidence? Do crimes occur more often in areas experiencing extreme seasonal weather changes?</a:t>
+            </a:r>
+            <a:br>
+              <a:rPr lang="en-US" dirty="0"/>
+            </a:br>
+            <a:endParaRPr lang="en-US" dirty="0"/>
           </a:p>
         </p:txBody>
       </p:sp>
@@ -4571,7 +4774,15 @@
           <a:bodyPr/>
           <a:lstStyle/>
           <a:p>
-            <a:endParaRPr lang="en-US"/>
+            <a:pPr algn="ctr"/>
+            <a:r>
+              <a:rPr lang="en-US" dirty="0"/>
+              <a:t>Does temperature affect crime?</a:t>
+            </a:r>
+            <a:br>
+              <a:rPr lang="en-US" dirty="0"/>
+            </a:br>
+            <a:endParaRPr lang="en-US" dirty="0"/>
           </a:p>
         </p:txBody>
       </p:sp>
@@ -4651,7 +4862,15 @@
           <a:bodyPr/>
           <a:lstStyle/>
           <a:p>
-            <a:endParaRPr lang="en-US"/>
+            <a:pPr algn="ctr"/>
+            <a:r>
+              <a:rPr lang="en-US" dirty="0"/>
+              <a:t>What type of crime is affected the most by weather?</a:t>
+            </a:r>
+            <a:br>
+              <a:rPr lang="en-US" dirty="0"/>
+            </a:br>
+            <a:endParaRPr lang="en-US" dirty="0"/>
           </a:p>
         </p:txBody>
       </p:sp>

--- a/Weather and Crime Data Analysis Presentation.pptx
+++ b/Weather and Crime Data Analysis Presentation.pptx
@@ -3564,31 +3564,65 @@
           </a:p>
         </p:txBody>
       </p:sp>
-      <p:sp>
-        <p:nvSpPr>
-          <p:cNvPr id="3" name="Content Placeholder 2">
+      <p:pic>
+        <p:nvPicPr>
+          <p:cNvPr id="5" name="Content Placeholder 4">
             <a:extLst>
               <a:ext uri="{FF2B5EF4-FFF2-40B4-BE49-F238E27FC236}">
-                <a16:creationId xmlns:a16="http://schemas.microsoft.com/office/drawing/2014/main" id="{0A5A7A55-83D2-471F-A7ED-A9B39C0B845D}"/>
+                <a16:creationId xmlns:a16="http://schemas.microsoft.com/office/drawing/2014/main" id="{079287F6-5971-4B39-B17A-2E4CDA27C38A}"/>
               </a:ext>
             </a:extLst>
           </p:cNvPr>
-          <p:cNvSpPr>
-            <a:spLocks noGrp="1"/>
-          </p:cNvSpPr>
+          <p:cNvPicPr>
+            <a:picLocks noGrp="1" noChangeAspect="1"/>
+          </p:cNvPicPr>
           <p:nvPr>
             <p:ph idx="1"/>
           </p:nvPr>
-        </p:nvSpPr>
-        <p:spPr/>
-        <p:txBody>
-          <a:bodyPr/>
-          <a:lstStyle/>
-          <a:p>
-            <a:endParaRPr lang="en-US"/>
-          </a:p>
-        </p:txBody>
-      </p:sp>
+        </p:nvPicPr>
+        <p:blipFill>
+          <a:blip r:embed="rId2"/>
+          <a:stretch>
+            <a:fillRect/>
+          </a:stretch>
+        </p:blipFill>
+        <p:spPr>
+          <a:xfrm>
+            <a:off x="3584967" y="84913"/>
+            <a:ext cx="4979534" cy="3531405"/>
+          </a:xfrm>
+        </p:spPr>
+      </p:pic>
+      <p:pic>
+        <p:nvPicPr>
+          <p:cNvPr id="7" name="Picture 6">
+            <a:extLst>
+              <a:ext uri="{FF2B5EF4-FFF2-40B4-BE49-F238E27FC236}">
+                <a16:creationId xmlns:a16="http://schemas.microsoft.com/office/drawing/2014/main" id="{F9D99DBA-6282-4B09-BBD6-26FC34D124F1}"/>
+              </a:ext>
+            </a:extLst>
+          </p:cNvPr>
+          <p:cNvPicPr>
+            <a:picLocks noChangeAspect="1"/>
+          </p:cNvPicPr>
+          <p:nvPr/>
+        </p:nvPicPr>
+        <p:blipFill>
+          <a:blip r:embed="rId3"/>
+          <a:stretch>
+            <a:fillRect/>
+          </a:stretch>
+        </p:blipFill>
+        <p:spPr>
+          <a:xfrm>
+            <a:off x="6625879" y="3358494"/>
+            <a:ext cx="4979534" cy="3531405"/>
+          </a:xfrm>
+          <a:prstGeom prst="rect">
+            <a:avLst/>
+          </a:prstGeom>
+        </p:spPr>
+      </p:pic>
     </p:spTree>
     <p:extLst>
       <p:ext uri="{BB962C8B-B14F-4D97-AF65-F5344CB8AC3E}">
@@ -4698,31 +4732,65 @@
           </a:p>
         </p:txBody>
       </p:sp>
-      <p:sp>
-        <p:nvSpPr>
-          <p:cNvPr id="3" name="Content Placeholder 2">
+      <p:pic>
+        <p:nvPicPr>
+          <p:cNvPr id="33" name="Content Placeholder 32">
             <a:extLst>
               <a:ext uri="{FF2B5EF4-FFF2-40B4-BE49-F238E27FC236}">
-                <a16:creationId xmlns:a16="http://schemas.microsoft.com/office/drawing/2014/main" id="{90868B8F-9122-4E05-B45C-59D4FE2B2F51}"/>
+                <a16:creationId xmlns:a16="http://schemas.microsoft.com/office/drawing/2014/main" id="{B4EDC999-2F3E-47F4-B462-88BA6BDE808D}"/>
               </a:ext>
             </a:extLst>
           </p:cNvPr>
-          <p:cNvSpPr>
-            <a:spLocks noGrp="1"/>
-          </p:cNvSpPr>
+          <p:cNvPicPr>
+            <a:picLocks noGrp="1" noChangeAspect="1"/>
+          </p:cNvPicPr>
           <p:nvPr>
             <p:ph idx="1"/>
           </p:nvPr>
-        </p:nvSpPr>
-        <p:spPr/>
-        <p:txBody>
-          <a:bodyPr/>
-          <a:lstStyle/>
-          <a:p>
-            <a:endParaRPr lang="en-US"/>
-          </a:p>
-        </p:txBody>
-      </p:sp>
+        </p:nvPicPr>
+        <p:blipFill>
+          <a:blip r:embed="rId2"/>
+          <a:stretch>
+            <a:fillRect/>
+          </a:stretch>
+        </p:blipFill>
+        <p:spPr>
+          <a:xfrm>
+            <a:off x="3452320" y="0"/>
+            <a:ext cx="4851708" cy="3440753"/>
+          </a:xfrm>
+        </p:spPr>
+      </p:pic>
+      <p:pic>
+        <p:nvPicPr>
+          <p:cNvPr id="35" name="Picture 34">
+            <a:extLst>
+              <a:ext uri="{FF2B5EF4-FFF2-40B4-BE49-F238E27FC236}">
+                <a16:creationId xmlns:a16="http://schemas.microsoft.com/office/drawing/2014/main" id="{7E4A5558-6A97-4E08-81A1-423D84DBA2D4}"/>
+              </a:ext>
+            </a:extLst>
+          </p:cNvPr>
+          <p:cNvPicPr>
+            <a:picLocks noChangeAspect="1"/>
+          </p:cNvPicPr>
+          <p:nvPr/>
+        </p:nvPicPr>
+        <p:blipFill>
+          <a:blip r:embed="rId3"/>
+          <a:stretch>
+            <a:fillRect/>
+          </a:stretch>
+        </p:blipFill>
+        <p:spPr>
+          <a:xfrm>
+            <a:off x="6501834" y="3333776"/>
+            <a:ext cx="4979534" cy="3531405"/>
+          </a:xfrm>
+          <a:prstGeom prst="rect">
+            <a:avLst/>
+          </a:prstGeom>
+        </p:spPr>
+      </p:pic>
     </p:spTree>
     <p:extLst>
       <p:ext uri="{BB962C8B-B14F-4D97-AF65-F5344CB8AC3E}">
@@ -4786,31 +4854,65 @@
           </a:p>
         </p:txBody>
       </p:sp>
-      <p:sp>
-        <p:nvSpPr>
-          <p:cNvPr id="3" name="Content Placeholder 2">
+      <p:pic>
+        <p:nvPicPr>
+          <p:cNvPr id="6" name="Content Placeholder 5">
             <a:extLst>
               <a:ext uri="{FF2B5EF4-FFF2-40B4-BE49-F238E27FC236}">
-                <a16:creationId xmlns:a16="http://schemas.microsoft.com/office/drawing/2014/main" id="{5BA88265-B129-4D2F-85AC-086C2A4D1EED}"/>
+                <a16:creationId xmlns:a16="http://schemas.microsoft.com/office/drawing/2014/main" id="{703B6654-B732-46FC-943A-E79355B2C7D4}"/>
               </a:ext>
             </a:extLst>
           </p:cNvPr>
-          <p:cNvSpPr>
-            <a:spLocks noGrp="1"/>
-          </p:cNvSpPr>
+          <p:cNvPicPr>
+            <a:picLocks noGrp="1" noChangeAspect="1"/>
+          </p:cNvPicPr>
           <p:nvPr>
             <p:ph idx="1"/>
           </p:nvPr>
-        </p:nvSpPr>
-        <p:spPr/>
-        <p:txBody>
-          <a:bodyPr/>
-          <a:lstStyle/>
-          <a:p>
-            <a:endParaRPr lang="en-US"/>
-          </a:p>
-        </p:txBody>
-      </p:sp>
+        </p:nvPicPr>
+        <p:blipFill>
+          <a:blip r:embed="rId2"/>
+          <a:stretch>
+            <a:fillRect/>
+          </a:stretch>
+        </p:blipFill>
+        <p:spPr>
+          <a:xfrm>
+            <a:off x="6273220" y="2988223"/>
+            <a:ext cx="5227032" cy="3651043"/>
+          </a:xfrm>
+        </p:spPr>
+      </p:pic>
+      <p:pic>
+        <p:nvPicPr>
+          <p:cNvPr id="8" name="Picture 7">
+            <a:extLst>
+              <a:ext uri="{FF2B5EF4-FFF2-40B4-BE49-F238E27FC236}">
+                <a16:creationId xmlns:a16="http://schemas.microsoft.com/office/drawing/2014/main" id="{D0E3F868-886D-401A-818F-08F162FC7A14}"/>
+              </a:ext>
+            </a:extLst>
+          </p:cNvPr>
+          <p:cNvPicPr>
+            <a:picLocks noChangeAspect="1"/>
+          </p:cNvPicPr>
+          <p:nvPr/>
+        </p:nvPicPr>
+        <p:blipFill>
+          <a:blip r:embed="rId3"/>
+          <a:stretch>
+            <a:fillRect/>
+          </a:stretch>
+        </p:blipFill>
+        <p:spPr>
+          <a:xfrm>
+            <a:off x="3513437" y="110944"/>
+            <a:ext cx="4180940" cy="2935105"/>
+          </a:xfrm>
+          <a:prstGeom prst="rect">
+            <a:avLst/>
+          </a:prstGeom>
+        </p:spPr>
+      </p:pic>
     </p:spTree>
     <p:extLst>
       <p:ext uri="{BB962C8B-B14F-4D97-AF65-F5344CB8AC3E}">
@@ -4874,31 +4976,65 @@
           </a:p>
         </p:txBody>
       </p:sp>
-      <p:sp>
-        <p:nvSpPr>
-          <p:cNvPr id="3" name="Content Placeholder 2">
+      <p:pic>
+        <p:nvPicPr>
+          <p:cNvPr id="5" name="Content Placeholder 4">
             <a:extLst>
               <a:ext uri="{FF2B5EF4-FFF2-40B4-BE49-F238E27FC236}">
-                <a16:creationId xmlns:a16="http://schemas.microsoft.com/office/drawing/2014/main" id="{0F80E607-6CC0-4034-B895-5C6CAEA655E4}"/>
+                <a16:creationId xmlns:a16="http://schemas.microsoft.com/office/drawing/2014/main" id="{24379F97-968F-4588-93B2-2063AAD4329A}"/>
               </a:ext>
             </a:extLst>
           </p:cNvPr>
-          <p:cNvSpPr>
-            <a:spLocks noGrp="1"/>
-          </p:cNvSpPr>
+          <p:cNvPicPr>
+            <a:picLocks noGrp="1" noChangeAspect="1"/>
+          </p:cNvPicPr>
           <p:nvPr>
             <p:ph idx="1"/>
           </p:nvPr>
-        </p:nvSpPr>
-        <p:spPr/>
-        <p:txBody>
-          <a:bodyPr/>
-          <a:lstStyle/>
-          <a:p>
-            <a:endParaRPr lang="en-US"/>
-          </a:p>
-        </p:txBody>
-      </p:sp>
+        </p:nvPicPr>
+        <p:blipFill>
+          <a:blip r:embed="rId2"/>
+          <a:stretch>
+            <a:fillRect/>
+          </a:stretch>
+        </p:blipFill>
+        <p:spPr>
+          <a:xfrm>
+            <a:off x="5036571" y="85676"/>
+            <a:ext cx="4564629" cy="3237161"/>
+          </a:xfrm>
+        </p:spPr>
+      </p:pic>
+      <p:pic>
+        <p:nvPicPr>
+          <p:cNvPr id="7" name="Picture 6">
+            <a:extLst>
+              <a:ext uri="{FF2B5EF4-FFF2-40B4-BE49-F238E27FC236}">
+                <a16:creationId xmlns:a16="http://schemas.microsoft.com/office/drawing/2014/main" id="{A737FF2D-4701-43AF-9DA3-4335C7B713D7}"/>
+              </a:ext>
+            </a:extLst>
+          </p:cNvPr>
+          <p:cNvPicPr>
+            <a:picLocks noChangeAspect="1"/>
+          </p:cNvPicPr>
+          <p:nvPr/>
+        </p:nvPicPr>
+        <p:blipFill>
+          <a:blip r:embed="rId3"/>
+          <a:stretch>
+            <a:fillRect/>
+          </a:stretch>
+        </p:blipFill>
+        <p:spPr>
+          <a:xfrm>
+            <a:off x="3636334" y="3290946"/>
+            <a:ext cx="8169756" cy="3381219"/>
+          </a:xfrm>
+          <a:prstGeom prst="rect">
+            <a:avLst/>
+          </a:prstGeom>
+        </p:spPr>
+      </p:pic>
     </p:spTree>
     <p:extLst>
       <p:ext uri="{BB962C8B-B14F-4D97-AF65-F5344CB8AC3E}">

--- a/Weather and Crime Data Analysis Presentation.pptx
+++ b/Weather and Crime Data Analysis Presentation.pptx
@@ -4913,6 +4913,60 @@
           </a:prstGeom>
         </p:spPr>
       </p:pic>
+      <p:sp>
+        <p:nvSpPr>
+          <p:cNvPr id="3" name="Rectangle 2">
+            <a:extLst>
+              <a:ext uri="{FF2B5EF4-FFF2-40B4-BE49-F238E27FC236}">
+                <a16:creationId xmlns:a16="http://schemas.microsoft.com/office/drawing/2014/main" id="{6BCF0038-16FE-4456-8F0D-B96341EA5130}"/>
+              </a:ext>
+            </a:extLst>
+          </p:cNvPr>
+          <p:cNvSpPr/>
+          <p:nvPr/>
+        </p:nvSpPr>
+        <p:spPr>
+          <a:xfrm>
+            <a:off x="3794078" y="2647666"/>
+            <a:ext cx="3900299" cy="177421"/>
+          </a:xfrm>
+          <a:prstGeom prst="rect">
+            <a:avLst/>
+          </a:prstGeom>
+          <a:solidFill>
+            <a:schemeClr val="bg1"/>
+          </a:solidFill>
+          <a:ln>
+            <a:solidFill>
+              <a:schemeClr val="bg1"/>
+            </a:solidFill>
+          </a:ln>
+        </p:spPr>
+        <p:style>
+          <a:lnRef idx="2">
+            <a:schemeClr val="accent1">
+              <a:shade val="50000"/>
+            </a:schemeClr>
+          </a:lnRef>
+          <a:fillRef idx="1">
+            <a:schemeClr val="accent1"/>
+          </a:fillRef>
+          <a:effectRef idx="0">
+            <a:schemeClr val="accent1"/>
+          </a:effectRef>
+          <a:fontRef idx="minor">
+            <a:schemeClr val="lt1"/>
+          </a:fontRef>
+        </p:style>
+        <p:txBody>
+          <a:bodyPr rtlCol="0" anchor="ctr"/>
+          <a:lstStyle/>
+          <a:p>
+            <a:pPr algn="ctr"/>
+            <a:endParaRPr lang="en-US"/>
+          </a:p>
+        </p:txBody>
+      </p:sp>
     </p:spTree>
     <p:extLst>
       <p:ext uri="{BB962C8B-B14F-4D97-AF65-F5344CB8AC3E}">

--- a/Weather and Crime Data Analysis Presentation.pptx
+++ b/Weather and Crime Data Analysis Presentation.pptx
@@ -119,7 +119,7 @@
   </p:defaultTextStyle>
   <p:extLst>
     <p:ext uri="{EFAFB233-063F-42B5-8137-9DF3F51BA10A}">
-      <p15:sldGuideLst xmlns:p15="http://schemas.microsoft.com/office/powerpoint/2012/main"/>
+      <p15:sldGuideLst xmlns:p15="http://schemas.microsoft.com/office/powerpoint/2012/main" xmlns=""/>
     </p:ext>
   </p:extLst>
 </p:presentation>
@@ -128,11 +128,7 @@
 <file path=ppt/commentAuthors.xml><?xml version="1.0" encoding="utf-8"?>
 <p:cmAuthorLst xmlns:a="http://schemas.openxmlformats.org/drawingml/2006/main" xmlns:r="http://schemas.openxmlformats.org/officeDocument/2006/relationships" xmlns:p="http://schemas.openxmlformats.org/presentationml/2006/main">
   <p:cmAuthor id="1" name="Minny" initials="M" lastIdx="1" clrIdx="0">
-    <p:extLst>
-      <p:ext uri="{19B8F6BF-5375-455C-9EA6-DF929625EA0E}">
-        <p15:presenceInfo xmlns:p15="http://schemas.microsoft.com/office/powerpoint/2012/main" userId="Minny" providerId="None"/>
-      </p:ext>
-    </p:extLst>
+    <p:extLst/>
   </p:cmAuthor>
 </p:cmAuthorLst>
 </file>
@@ -420,7 +416,7 @@
             <a:fld id="{5586B75A-687E-405C-8A0B-8D00578BA2C3}" type="datetimeFigureOut">
               <a:rPr lang="en-US" dirty="0"/>
               <a:pPr/>
-              <a:t>4/2/2018</a:t>
+              <a:t>4/3/2018</a:t>
             </a:fld>
             <a:endParaRPr lang="en-US" dirty="0"/>
           </a:p>
@@ -587,7 +583,7 @@
             <a:fld id="{5586B75A-687E-405C-8A0B-8D00578BA2C3}" type="datetimeFigureOut">
               <a:rPr lang="en-US" dirty="0"/>
               <a:pPr/>
-              <a:t>4/2/2018</a:t>
+              <a:t>4/3/2018</a:t>
             </a:fld>
             <a:endParaRPr lang="en-US" dirty="0"/>
           </a:p>
@@ -764,7 +760,7 @@
             <a:fld id="{5586B75A-687E-405C-8A0B-8D00578BA2C3}" type="datetimeFigureOut">
               <a:rPr lang="en-US" dirty="0"/>
               <a:pPr/>
-              <a:t>4/2/2018</a:t>
+              <a:t>4/3/2018</a:t>
             </a:fld>
             <a:endParaRPr lang="en-US" dirty="0"/>
           </a:p>
@@ -931,7 +927,7 @@
             <a:fld id="{5586B75A-687E-405C-8A0B-8D00578BA2C3}" type="datetimeFigureOut">
               <a:rPr lang="en-US" dirty="0"/>
               <a:pPr/>
-              <a:t>4/2/2018</a:t>
+              <a:t>4/3/2018</a:t>
             </a:fld>
             <a:endParaRPr lang="en-US" dirty="0"/>
           </a:p>
@@ -1186,7 +1182,7 @@
             <a:fld id="{5586B75A-687E-405C-8A0B-8D00578BA2C3}" type="datetimeFigureOut">
               <a:rPr lang="en-US" dirty="0"/>
               <a:pPr/>
-              <a:t>4/2/2018</a:t>
+              <a:t>4/3/2018</a:t>
             </a:fld>
             <a:endParaRPr lang="en-US" dirty="0"/>
           </a:p>
@@ -1471,7 +1467,7 @@
             <a:fld id="{5586B75A-687E-405C-8A0B-8D00578BA2C3}" type="datetimeFigureOut">
               <a:rPr lang="en-US" dirty="0"/>
               <a:pPr/>
-              <a:t>4/2/2018</a:t>
+              <a:t>4/3/2018</a:t>
             </a:fld>
             <a:endParaRPr lang="en-US" dirty="0"/>
           </a:p>
@@ -1910,7 +1906,7 @@
             <a:fld id="{5586B75A-687E-405C-8A0B-8D00578BA2C3}" type="datetimeFigureOut">
               <a:rPr lang="en-US" dirty="0"/>
               <a:pPr/>
-              <a:t>4/2/2018</a:t>
+              <a:t>4/3/2018</a:t>
             </a:fld>
             <a:endParaRPr lang="en-US" dirty="0"/>
           </a:p>
@@ -2025,7 +2021,7 @@
             <a:fld id="{5586B75A-687E-405C-8A0B-8D00578BA2C3}" type="datetimeFigureOut">
               <a:rPr lang="en-US" dirty="0"/>
               <a:pPr/>
-              <a:t>4/2/2018</a:t>
+              <a:t>4/3/2018</a:t>
             </a:fld>
             <a:endParaRPr lang="en-US" dirty="0"/>
           </a:p>
@@ -2117,7 +2113,7 @@
             <a:fld id="{5586B75A-687E-405C-8A0B-8D00578BA2C3}" type="datetimeFigureOut">
               <a:rPr lang="en-US" dirty="0"/>
               <a:pPr/>
-              <a:t>4/2/2018</a:t>
+              <a:t>4/3/2018</a:t>
             </a:fld>
             <a:endParaRPr lang="en-US" dirty="0"/>
           </a:p>
@@ -2402,7 +2398,7 @@
             <a:fld id="{5586B75A-687E-405C-8A0B-8D00578BA2C3}" type="datetimeFigureOut">
               <a:rPr lang="en-US" dirty="0"/>
               <a:pPr/>
-              <a:t>4/2/2018</a:t>
+              <a:t>4/3/2018</a:t>
             </a:fld>
             <a:endParaRPr lang="en-US" dirty="0"/>
           </a:p>
@@ -2672,7 +2668,7 @@
             <a:fld id="{5586B75A-687E-405C-8A0B-8D00578BA2C3}" type="datetimeFigureOut">
               <a:rPr lang="en-US" dirty="0"/>
               <a:pPr/>
-              <a:t>4/2/2018</a:t>
+              <a:t>4/3/2018</a:t>
             </a:fld>
             <a:endParaRPr lang="en-US" dirty="0"/>
           </a:p>
@@ -2966,7 +2962,7 @@
             <a:fld id="{5586B75A-687E-405C-8A0B-8D00578BA2C3}" type="datetimeFigureOut">
               <a:rPr lang="en-US" dirty="0"/>
               <a:pPr/>
-              <a:t>4/2/2018</a:t>
+              <a:t>4/3/2018</a:t>
             </a:fld>
             <a:endParaRPr lang="en-US" dirty="0"/>
           </a:p>
@@ -3450,7 +3446,7 @@
           <p:cNvPr id="2" name="Title 1">
             <a:extLst>
               <a:ext uri="{FF2B5EF4-FFF2-40B4-BE49-F238E27FC236}">
-                <a16:creationId xmlns:a16="http://schemas.microsoft.com/office/drawing/2014/main" id="{E69B7469-9B2F-4C0E-9D7B-02AED9B0EF10}"/>
+                <a16:creationId xmlns:a16="http://schemas.microsoft.com/office/drawing/2014/main" xmlns="" id="{E69B7469-9B2F-4C0E-9D7B-02AED9B0EF10}"/>
               </a:ext>
             </a:extLst>
           </p:cNvPr>
@@ -3478,7 +3474,7 @@
           <p:cNvPr id="3" name="Subtitle 2">
             <a:extLst>
               <a:ext uri="{FF2B5EF4-FFF2-40B4-BE49-F238E27FC236}">
-                <a16:creationId xmlns:a16="http://schemas.microsoft.com/office/drawing/2014/main" id="{2299AB8F-6EA0-4F46-A89D-CB847B3E1B12}"/>
+                <a16:creationId xmlns:a16="http://schemas.microsoft.com/office/drawing/2014/main" xmlns="" id="{2299AB8F-6EA0-4F46-A89D-CB847B3E1B12}"/>
               </a:ext>
             </a:extLst>
           </p:cNvPr>
@@ -3511,6 +3507,13 @@
   <p:clrMapOvr>
     <a:masterClrMapping/>
   </p:clrMapOvr>
+  <p:timing>
+    <p:tnLst>
+      <p:par>
+        <p:cTn id="1" dur="indefinite" restart="never" nodeType="tmRoot"/>
+      </p:par>
+    </p:tnLst>
+  </p:timing>
 </p:sld>
 </file>
 
@@ -3536,7 +3539,7 @@
           <p:cNvPr id="2" name="Title 1">
             <a:extLst>
               <a:ext uri="{FF2B5EF4-FFF2-40B4-BE49-F238E27FC236}">
-                <a16:creationId xmlns:a16="http://schemas.microsoft.com/office/drawing/2014/main" id="{A2C58B07-A1D4-4BF0-8FEE-C20DAA5690A1}"/>
+                <a16:creationId xmlns:a16="http://schemas.microsoft.com/office/drawing/2014/main" xmlns="" id="{A2C58B07-A1D4-4BF0-8FEE-C20DAA5690A1}"/>
               </a:ext>
             </a:extLst>
           </p:cNvPr>
@@ -3569,7 +3572,7 @@
           <p:cNvPr id="5" name="Content Placeholder 4">
             <a:extLst>
               <a:ext uri="{FF2B5EF4-FFF2-40B4-BE49-F238E27FC236}">
-                <a16:creationId xmlns:a16="http://schemas.microsoft.com/office/drawing/2014/main" id="{079287F6-5971-4B39-B17A-2E4CDA27C38A}"/>
+                <a16:creationId xmlns:a16="http://schemas.microsoft.com/office/drawing/2014/main" xmlns="" id="{079287F6-5971-4B39-B17A-2E4CDA27C38A}"/>
               </a:ext>
             </a:extLst>
           </p:cNvPr>
@@ -3598,7 +3601,7 @@
           <p:cNvPr id="7" name="Picture 6">
             <a:extLst>
               <a:ext uri="{FF2B5EF4-FFF2-40B4-BE49-F238E27FC236}">
-                <a16:creationId xmlns:a16="http://schemas.microsoft.com/office/drawing/2014/main" id="{F9D99DBA-6282-4B09-BBD6-26FC34D124F1}"/>
+                <a16:creationId xmlns:a16="http://schemas.microsoft.com/office/drawing/2014/main" xmlns="" id="{F9D99DBA-6282-4B09-BBD6-26FC34D124F1}"/>
               </a:ext>
             </a:extLst>
           </p:cNvPr>
@@ -3633,6 +3636,13 @@
   <p:clrMapOvr>
     <a:masterClrMapping/>
   </p:clrMapOvr>
+  <p:timing>
+    <p:tnLst>
+      <p:par>
+        <p:cTn id="1" dur="indefinite" restart="never" nodeType="tmRoot"/>
+      </p:par>
+    </p:tnLst>
+  </p:timing>
 </p:sld>
 </file>
 
@@ -3658,7 +3668,7 @@
           <p:cNvPr id="2" name="Title 1">
             <a:extLst>
               <a:ext uri="{FF2B5EF4-FFF2-40B4-BE49-F238E27FC236}">
-                <a16:creationId xmlns:a16="http://schemas.microsoft.com/office/drawing/2014/main" id="{C5D0DEA5-6C8E-4C39-A7DB-110DFAE5FFE5}"/>
+                <a16:creationId xmlns:a16="http://schemas.microsoft.com/office/drawing/2014/main" xmlns="" id="{C5D0DEA5-6C8E-4C39-A7DB-110DFAE5FFE5}"/>
               </a:ext>
             </a:extLst>
           </p:cNvPr>
@@ -3687,7 +3697,7 @@
           <p:cNvPr id="3" name="Content Placeholder 2">
             <a:extLst>
               <a:ext uri="{FF2B5EF4-FFF2-40B4-BE49-F238E27FC236}">
-                <a16:creationId xmlns:a16="http://schemas.microsoft.com/office/drawing/2014/main" id="{A8F024F9-5FFD-4484-8F1C-192C32BB304C}"/>
+                <a16:creationId xmlns:a16="http://schemas.microsoft.com/office/drawing/2014/main" xmlns="" id="{A8F024F9-5FFD-4484-8F1C-192C32BB304C}"/>
               </a:ext>
             </a:extLst>
           </p:cNvPr>
@@ -3738,6 +3748,13 @@
   <p:clrMapOvr>
     <a:masterClrMapping/>
   </p:clrMapOvr>
+  <p:timing>
+    <p:tnLst>
+      <p:par>
+        <p:cTn id="1" dur="indefinite" restart="never" nodeType="tmRoot"/>
+      </p:par>
+    </p:tnLst>
+  </p:timing>
 </p:sld>
 </file>
 
@@ -3763,7 +3780,7 @@
           <p:cNvPr id="2" name="Title 1">
             <a:extLst>
               <a:ext uri="{FF2B5EF4-FFF2-40B4-BE49-F238E27FC236}">
-                <a16:creationId xmlns:a16="http://schemas.microsoft.com/office/drawing/2014/main" id="{D2101A1D-F2ED-490B-92EB-E220B3424EF7}"/>
+                <a16:creationId xmlns:a16="http://schemas.microsoft.com/office/drawing/2014/main" xmlns="" id="{D2101A1D-F2ED-490B-92EB-E220B3424EF7}"/>
               </a:ext>
             </a:extLst>
           </p:cNvPr>
@@ -3792,7 +3809,7 @@
           <p:cNvPr id="3" name="Content Placeholder 2">
             <a:extLst>
               <a:ext uri="{FF2B5EF4-FFF2-40B4-BE49-F238E27FC236}">
-                <a16:creationId xmlns:a16="http://schemas.microsoft.com/office/drawing/2014/main" id="{BBF4195B-AE3B-407A-8702-A1CEBE07D158}"/>
+                <a16:creationId xmlns:a16="http://schemas.microsoft.com/office/drawing/2014/main" xmlns="" id="{BBF4195B-AE3B-407A-8702-A1CEBE07D158}"/>
               </a:ext>
             </a:extLst>
           </p:cNvPr>
@@ -3917,6 +3934,13 @@
   <p:clrMapOvr>
     <a:masterClrMapping/>
   </p:clrMapOvr>
+  <p:timing>
+    <p:tnLst>
+      <p:par>
+        <p:cTn id="1" dur="indefinite" restart="never" nodeType="tmRoot"/>
+      </p:par>
+    </p:tnLst>
+  </p:timing>
 </p:sld>
 </file>
 
@@ -3942,7 +3966,7 @@
           <p:cNvPr id="2" name="Title 1">
             <a:extLst>
               <a:ext uri="{FF2B5EF4-FFF2-40B4-BE49-F238E27FC236}">
-                <a16:creationId xmlns:a16="http://schemas.microsoft.com/office/drawing/2014/main" id="{D2101A1D-F2ED-490B-92EB-E220B3424EF7}"/>
+                <a16:creationId xmlns:a16="http://schemas.microsoft.com/office/drawing/2014/main" xmlns="" id="{D2101A1D-F2ED-490B-92EB-E220B3424EF7}"/>
               </a:ext>
             </a:extLst>
           </p:cNvPr>
@@ -3971,7 +3995,7 @@
           <p:cNvPr id="3" name="Content Placeholder 2">
             <a:extLst>
               <a:ext uri="{FF2B5EF4-FFF2-40B4-BE49-F238E27FC236}">
-                <a16:creationId xmlns:a16="http://schemas.microsoft.com/office/drawing/2014/main" id="{BBF4195B-AE3B-407A-8702-A1CEBE07D158}"/>
+                <a16:creationId xmlns:a16="http://schemas.microsoft.com/office/drawing/2014/main" xmlns="" id="{BBF4195B-AE3B-407A-8702-A1CEBE07D158}"/>
               </a:ext>
             </a:extLst>
           </p:cNvPr>
@@ -4009,6 +4033,13 @@
   <p:clrMapOvr>
     <a:masterClrMapping/>
   </p:clrMapOvr>
+  <p:timing>
+    <p:tnLst>
+      <p:par>
+        <p:cTn id="1" dur="indefinite" restart="never" nodeType="tmRoot"/>
+      </p:par>
+    </p:tnLst>
+  </p:timing>
 </p:sld>
 </file>
 
@@ -4034,7 +4065,7 @@
           <p:cNvPr id="2" name="Title 1">
             <a:extLst>
               <a:ext uri="{FF2B5EF4-FFF2-40B4-BE49-F238E27FC236}">
-                <a16:creationId xmlns:a16="http://schemas.microsoft.com/office/drawing/2014/main" id="{48CB2E1E-F2CA-4BC0-B171-8A889E17F884}"/>
+                <a16:creationId xmlns:a16="http://schemas.microsoft.com/office/drawing/2014/main" xmlns="" id="{48CB2E1E-F2CA-4BC0-B171-8A889E17F884}"/>
               </a:ext>
             </a:extLst>
           </p:cNvPr>
@@ -4072,6 +4103,13 @@
   <p:clrMapOvr>
     <a:masterClrMapping/>
   </p:clrMapOvr>
+  <p:timing>
+    <p:tnLst>
+      <p:par>
+        <p:cTn id="1" dur="indefinite" restart="never" nodeType="tmRoot"/>
+      </p:par>
+    </p:tnLst>
+  </p:timing>
 </p:sld>
 </file>
 
@@ -4097,7 +4135,7 @@
           <p:cNvPr id="2" name="Title 1">
             <a:extLst>
               <a:ext uri="{FF2B5EF4-FFF2-40B4-BE49-F238E27FC236}">
-                <a16:creationId xmlns:a16="http://schemas.microsoft.com/office/drawing/2014/main" id="{83A7EC75-4101-420F-814F-26B068BEBD27}"/>
+                <a16:creationId xmlns:a16="http://schemas.microsoft.com/office/drawing/2014/main" xmlns="" id="{83A7EC75-4101-420F-814F-26B068BEBD27}"/>
               </a:ext>
             </a:extLst>
           </p:cNvPr>
@@ -4126,7 +4164,7 @@
           <p:cNvPr id="3" name="Content Placeholder 2">
             <a:extLst>
               <a:ext uri="{FF2B5EF4-FFF2-40B4-BE49-F238E27FC236}">
-                <a16:creationId xmlns:a16="http://schemas.microsoft.com/office/drawing/2014/main" id="{DC5ED40B-B2BF-4913-9615-4F583FC1595E}"/>
+                <a16:creationId xmlns:a16="http://schemas.microsoft.com/office/drawing/2014/main" xmlns="" id="{DC5ED40B-B2BF-4913-9615-4F583FC1595E}"/>
               </a:ext>
             </a:extLst>
           </p:cNvPr>
@@ -4199,6 +4237,13 @@
   <p:clrMapOvr>
     <a:masterClrMapping/>
   </p:clrMapOvr>
+  <p:timing>
+    <p:tnLst>
+      <p:par>
+        <p:cTn id="1" dur="indefinite" restart="never" nodeType="tmRoot"/>
+      </p:par>
+    </p:tnLst>
+  </p:timing>
 </p:sld>
 </file>
 
@@ -4224,7 +4269,7 @@
           <p:cNvPr id="2" name="Title 1">
             <a:extLst>
               <a:ext uri="{FF2B5EF4-FFF2-40B4-BE49-F238E27FC236}">
-                <a16:creationId xmlns:a16="http://schemas.microsoft.com/office/drawing/2014/main" id="{DA129FB1-B146-408B-A3F5-15F104F577F3}"/>
+                <a16:creationId xmlns:a16="http://schemas.microsoft.com/office/drawing/2014/main" xmlns="" id="{DA129FB1-B146-408B-A3F5-15F104F577F3}"/>
               </a:ext>
             </a:extLst>
           </p:cNvPr>
@@ -4253,7 +4298,7 @@
           <p:cNvPr id="3" name="Content Placeholder 2">
             <a:extLst>
               <a:ext uri="{FF2B5EF4-FFF2-40B4-BE49-F238E27FC236}">
-                <a16:creationId xmlns:a16="http://schemas.microsoft.com/office/drawing/2014/main" id="{A6FB94C6-3BF8-4FE5-8566-37B8EAD1F771}"/>
+                <a16:creationId xmlns:a16="http://schemas.microsoft.com/office/drawing/2014/main" xmlns="" id="{A6FB94C6-3BF8-4FE5-8566-37B8EAD1F771}"/>
               </a:ext>
             </a:extLst>
           </p:cNvPr>
@@ -4324,6 +4369,13 @@
   <p:clrMapOvr>
     <a:masterClrMapping/>
   </p:clrMapOvr>
+  <p:timing>
+    <p:tnLst>
+      <p:par>
+        <p:cTn id="1" dur="indefinite" restart="never" nodeType="tmRoot"/>
+      </p:par>
+    </p:tnLst>
+  </p:timing>
 </p:sld>
 </file>
 
@@ -4349,7 +4401,7 @@
           <p:cNvPr id="2" name="Title 1">
             <a:extLst>
               <a:ext uri="{FF2B5EF4-FFF2-40B4-BE49-F238E27FC236}">
-                <a16:creationId xmlns:a16="http://schemas.microsoft.com/office/drawing/2014/main" id="{F7BE1882-99BB-4365-A118-1C31F280A32D}"/>
+                <a16:creationId xmlns:a16="http://schemas.microsoft.com/office/drawing/2014/main" xmlns="" id="{F7BE1882-99BB-4365-A118-1C31F280A32D}"/>
               </a:ext>
             </a:extLst>
           </p:cNvPr>
@@ -4378,7 +4430,7 @@
           <p:cNvPr id="3" name="Content Placeholder 2">
             <a:extLst>
               <a:ext uri="{FF2B5EF4-FFF2-40B4-BE49-F238E27FC236}">
-                <a16:creationId xmlns:a16="http://schemas.microsoft.com/office/drawing/2014/main" id="{162D072F-1554-4A17-BEAC-B62E922B4D85}"/>
+                <a16:creationId xmlns:a16="http://schemas.microsoft.com/office/drawing/2014/main" xmlns="" id="{162D072F-1554-4A17-BEAC-B62E922B4D85}"/>
               </a:ext>
             </a:extLst>
           </p:cNvPr>
@@ -4433,6 +4485,13 @@
   <p:clrMapOvr>
     <a:masterClrMapping/>
   </p:clrMapOvr>
+  <p:timing>
+    <p:tnLst>
+      <p:par>
+        <p:cTn id="1" dur="indefinite" restart="never" nodeType="tmRoot"/>
+      </p:par>
+    </p:tnLst>
+  </p:timing>
 </p:sld>
 </file>
 
@@ -4458,7 +4517,7 @@
           <p:cNvPr id="2" name="Title 1">
             <a:extLst>
               <a:ext uri="{FF2B5EF4-FFF2-40B4-BE49-F238E27FC236}">
-                <a16:creationId xmlns:a16="http://schemas.microsoft.com/office/drawing/2014/main" id="{0F605016-C505-470E-B152-4100BA4DD519}"/>
+                <a16:creationId xmlns:a16="http://schemas.microsoft.com/office/drawing/2014/main" xmlns="" id="{0F605016-C505-470E-B152-4100BA4DD519}"/>
               </a:ext>
             </a:extLst>
           </p:cNvPr>
@@ -4487,7 +4546,7 @@
           <p:cNvPr id="3" name="Content Placeholder 2">
             <a:extLst>
               <a:ext uri="{FF2B5EF4-FFF2-40B4-BE49-F238E27FC236}">
-                <a16:creationId xmlns:a16="http://schemas.microsoft.com/office/drawing/2014/main" id="{BEE22DA4-9485-43B5-AA7C-37B594A52FF6}"/>
+                <a16:creationId xmlns:a16="http://schemas.microsoft.com/office/drawing/2014/main" xmlns="" id="{BEE22DA4-9485-43B5-AA7C-37B594A52FF6}"/>
               </a:ext>
             </a:extLst>
           </p:cNvPr>
@@ -4577,6 +4636,13 @@
   <p:clrMapOvr>
     <a:masterClrMapping/>
   </p:clrMapOvr>
+  <p:timing>
+    <p:tnLst>
+      <p:par>
+        <p:cTn id="1" dur="indefinite" restart="never" nodeType="tmRoot"/>
+      </p:par>
+    </p:tnLst>
+  </p:timing>
 </p:sld>
 </file>
 
@@ -4602,7 +4668,7 @@
           <p:cNvPr id="2" name="Title 1">
             <a:extLst>
               <a:ext uri="{FF2B5EF4-FFF2-40B4-BE49-F238E27FC236}">
-                <a16:creationId xmlns:a16="http://schemas.microsoft.com/office/drawing/2014/main" id="{D15D94E2-91C9-45B4-AD19-711A37265B03}"/>
+                <a16:creationId xmlns:a16="http://schemas.microsoft.com/office/drawing/2014/main" xmlns="" id="{D15D94E2-91C9-45B4-AD19-711A37265B03}"/>
               </a:ext>
             </a:extLst>
           </p:cNvPr>
@@ -4638,7 +4704,7 @@
           <p:cNvPr id="3" name="Content Placeholder 2">
             <a:extLst>
               <a:ext uri="{FF2B5EF4-FFF2-40B4-BE49-F238E27FC236}">
-                <a16:creationId xmlns:a16="http://schemas.microsoft.com/office/drawing/2014/main" id="{92E63922-716A-4669-8E46-96915F4D1083}"/>
+                <a16:creationId xmlns:a16="http://schemas.microsoft.com/office/drawing/2014/main" xmlns="" id="{92E63922-716A-4669-8E46-96915F4D1083}"/>
               </a:ext>
             </a:extLst>
           </p:cNvPr>
@@ -4677,6 +4743,13 @@
   <p:clrMapOvr>
     <a:masterClrMapping/>
   </p:clrMapOvr>
+  <p:timing>
+    <p:tnLst>
+      <p:par>
+        <p:cTn id="1" dur="indefinite" restart="never" nodeType="tmRoot"/>
+      </p:par>
+    </p:tnLst>
+  </p:timing>
 </p:sld>
 </file>
 
@@ -4702,7 +4775,7 @@
           <p:cNvPr id="2" name="Title 1">
             <a:extLst>
               <a:ext uri="{FF2B5EF4-FFF2-40B4-BE49-F238E27FC236}">
-                <a16:creationId xmlns:a16="http://schemas.microsoft.com/office/drawing/2014/main" id="{AAEBA6E1-5E63-4B00-9358-0B0FCBB9F43D}"/>
+                <a16:creationId xmlns:a16="http://schemas.microsoft.com/office/drawing/2014/main" xmlns="" id="{AAEBA6E1-5E63-4B00-9358-0B0FCBB9F43D}"/>
               </a:ext>
             </a:extLst>
           </p:cNvPr>
@@ -4724,6 +4797,10 @@
             <a:r>
               <a:rPr lang="en-US" sz="3100" dirty="0"/>
               <a:t>Does weather affect crime incidence? Do crimes occur more often in areas experiencing extreme seasonal weather changes?</a:t>
+            </a:r>
+            <a:r>
+              <a:rPr lang="en-US" dirty="0"/>
+              <a:t/>
             </a:r>
             <a:br>
               <a:rPr lang="en-US" dirty="0"/>
@@ -4737,7 +4814,7 @@
           <p:cNvPr id="33" name="Content Placeholder 32">
             <a:extLst>
               <a:ext uri="{FF2B5EF4-FFF2-40B4-BE49-F238E27FC236}">
-                <a16:creationId xmlns:a16="http://schemas.microsoft.com/office/drawing/2014/main" id="{B4EDC999-2F3E-47F4-B462-88BA6BDE808D}"/>
+                <a16:creationId xmlns:a16="http://schemas.microsoft.com/office/drawing/2014/main" xmlns="" id="{B4EDC999-2F3E-47F4-B462-88BA6BDE808D}"/>
               </a:ext>
             </a:extLst>
           </p:cNvPr>
@@ -4766,7 +4843,7 @@
           <p:cNvPr id="35" name="Picture 34">
             <a:extLst>
               <a:ext uri="{FF2B5EF4-FFF2-40B4-BE49-F238E27FC236}">
-                <a16:creationId xmlns:a16="http://schemas.microsoft.com/office/drawing/2014/main" id="{7E4A5558-6A97-4E08-81A1-423D84DBA2D4}"/>
+                <a16:creationId xmlns:a16="http://schemas.microsoft.com/office/drawing/2014/main" xmlns="" id="{7E4A5558-6A97-4E08-81A1-423D84DBA2D4}"/>
               </a:ext>
             </a:extLst>
           </p:cNvPr>
@@ -4791,6 +4868,74 @@
           </a:prstGeom>
         </p:spPr>
       </p:pic>
+      <p:sp>
+        <p:nvSpPr>
+          <p:cNvPr id="5" name="Rectangle 4">
+            <a:extLst>
+              <a:ext uri="{FF2B5EF4-FFF2-40B4-BE49-F238E27FC236}">
+                <a16:creationId xmlns:a16="http://schemas.microsoft.com/office/drawing/2014/main" xmlns="" id="{6BCF0038-16FE-4456-8F0D-B96341EA5130}"/>
+              </a:ext>
+            </a:extLst>
+          </p:cNvPr>
+          <p:cNvSpPr/>
+          <p:nvPr/>
+        </p:nvSpPr>
+        <p:spPr>
+          <a:xfrm>
+            <a:off x="4209715" y="21946"/>
+            <a:ext cx="3900299" cy="236796"/>
+          </a:xfrm>
+          <a:prstGeom prst="rect">
+            <a:avLst/>
+          </a:prstGeom>
+          <a:solidFill>
+            <a:schemeClr val="bg1"/>
+          </a:solidFill>
+          <a:ln>
+            <a:solidFill>
+              <a:schemeClr val="bg1"/>
+            </a:solidFill>
+          </a:ln>
+        </p:spPr>
+        <p:style>
+          <a:lnRef idx="2">
+            <a:schemeClr val="accent1">
+              <a:shade val="50000"/>
+            </a:schemeClr>
+          </a:lnRef>
+          <a:fillRef idx="1">
+            <a:schemeClr val="accent1"/>
+          </a:fillRef>
+          <a:effectRef idx="0">
+            <a:schemeClr val="accent1"/>
+          </a:effectRef>
+          <a:fontRef idx="minor">
+            <a:schemeClr val="lt1"/>
+          </a:fontRef>
+        </p:style>
+        <p:txBody>
+          <a:bodyPr rtlCol="0" anchor="ctr"/>
+          <a:lstStyle/>
+          <a:p>
+            <a:pPr algn="ctr"/>
+            <a:r>
+              <a:rPr lang="en-US" sz="1400" dirty="0" smtClean="0">
+                <a:solidFill>
+                  <a:schemeClr val="tx1"/>
+                </a:solidFill>
+                <a:latin typeface="Calibri" panose="020F0502020204030204" pitchFamily="34" charset="0"/>
+              </a:rPr>
+              <a:t>LA: Crime Category v. Temp</a:t>
+            </a:r>
+            <a:endParaRPr lang="en-US" sz="1400" dirty="0">
+              <a:solidFill>
+                <a:schemeClr val="tx1"/>
+              </a:solidFill>
+              <a:latin typeface="Calibri" panose="020F0502020204030204" pitchFamily="34" charset="0"/>
+            </a:endParaRPr>
+          </a:p>
+        </p:txBody>
+      </p:sp>
     </p:spTree>
     <p:extLst>
       <p:ext uri="{BB962C8B-B14F-4D97-AF65-F5344CB8AC3E}">
@@ -4801,6 +4946,13 @@
   <p:clrMapOvr>
     <a:masterClrMapping/>
   </p:clrMapOvr>
+  <p:timing>
+    <p:tnLst>
+      <p:par>
+        <p:cTn id="1" dur="indefinite" restart="never" nodeType="tmRoot"/>
+      </p:par>
+    </p:tnLst>
+  </p:timing>
 </p:sld>
 </file>
 
@@ -4826,7 +4978,7 @@
           <p:cNvPr id="2" name="Title 1">
             <a:extLst>
               <a:ext uri="{FF2B5EF4-FFF2-40B4-BE49-F238E27FC236}">
-                <a16:creationId xmlns:a16="http://schemas.microsoft.com/office/drawing/2014/main" id="{6B33C208-721D-4FB4-94B2-FD3E08DC28A8}"/>
+                <a16:creationId xmlns:a16="http://schemas.microsoft.com/office/drawing/2014/main" xmlns="" id="{6B33C208-721D-4FB4-94B2-FD3E08DC28A8}"/>
               </a:ext>
             </a:extLst>
           </p:cNvPr>
@@ -4859,7 +5011,7 @@
           <p:cNvPr id="6" name="Content Placeholder 5">
             <a:extLst>
               <a:ext uri="{FF2B5EF4-FFF2-40B4-BE49-F238E27FC236}">
-                <a16:creationId xmlns:a16="http://schemas.microsoft.com/office/drawing/2014/main" id="{703B6654-B732-46FC-943A-E79355B2C7D4}"/>
+                <a16:creationId xmlns:a16="http://schemas.microsoft.com/office/drawing/2014/main" xmlns="" id="{703B6654-B732-46FC-943A-E79355B2C7D4}"/>
               </a:ext>
             </a:extLst>
           </p:cNvPr>
@@ -4888,7 +5040,7 @@
           <p:cNvPr id="8" name="Picture 7">
             <a:extLst>
               <a:ext uri="{FF2B5EF4-FFF2-40B4-BE49-F238E27FC236}">
-                <a16:creationId xmlns:a16="http://schemas.microsoft.com/office/drawing/2014/main" id="{D0E3F868-886D-401A-818F-08F162FC7A14}"/>
+                <a16:creationId xmlns:a16="http://schemas.microsoft.com/office/drawing/2014/main" xmlns="" id="{D0E3F868-886D-401A-818F-08F162FC7A14}"/>
               </a:ext>
             </a:extLst>
           </p:cNvPr>
@@ -4918,7 +5070,7 @@
           <p:cNvPr id="3" name="Rectangle 2">
             <a:extLst>
               <a:ext uri="{FF2B5EF4-FFF2-40B4-BE49-F238E27FC236}">
-                <a16:creationId xmlns:a16="http://schemas.microsoft.com/office/drawing/2014/main" id="{6BCF0038-16FE-4456-8F0D-B96341EA5130}"/>
+                <a16:creationId xmlns:a16="http://schemas.microsoft.com/office/drawing/2014/main" xmlns="" id="{6BCF0038-16FE-4456-8F0D-B96341EA5130}"/>
               </a:ext>
             </a:extLst>
           </p:cNvPr>
@@ -4927,7 +5079,7 @@
         </p:nvSpPr>
         <p:spPr>
           <a:xfrm>
-            <a:off x="3794078" y="2647666"/>
+            <a:off x="3794078" y="2655286"/>
             <a:ext cx="3900299" cy="177421"/>
           </a:xfrm>
           <a:prstGeom prst="rect">
@@ -4963,10 +5115,269 @@
           <a:lstStyle/>
           <a:p>
             <a:pPr algn="ctr"/>
-            <a:endParaRPr lang="en-US"/>
-          </a:p>
-        </p:txBody>
-      </p:sp>
+            <a:r>
+              <a:rPr lang="en-US" sz="1200" dirty="0" smtClean="0">
+                <a:solidFill>
+                  <a:schemeClr val="tx1"/>
+                </a:solidFill>
+                <a:effectLst>
+                  <a:outerShdw blurRad="50800" dist="38100" dir="16200000" rotWithShape="0">
+                    <a:prstClr val="black">
+                      <a:alpha val="40000"/>
+                    </a:prstClr>
+                  </a:outerShdw>
+                </a:effectLst>
+                <a:latin typeface="Calibri" panose="020F0502020204030204" pitchFamily="34" charset="0"/>
+              </a:rPr>
+              <a:t>2015                      2016                      2017</a:t>
+            </a:r>
+            <a:endParaRPr lang="en-US" sz="1200" dirty="0">
+              <a:solidFill>
+                <a:schemeClr val="tx1"/>
+              </a:solidFill>
+              <a:effectLst>
+                <a:outerShdw blurRad="50800" dist="38100" dir="16200000" rotWithShape="0">
+                  <a:prstClr val="black">
+                    <a:alpha val="40000"/>
+                  </a:prstClr>
+                </a:outerShdw>
+              </a:effectLst>
+              <a:latin typeface="Calibri" panose="020F0502020204030204" pitchFamily="34" charset="0"/>
+            </a:endParaRPr>
+          </a:p>
+        </p:txBody>
+      </p:sp>
+      <p:cxnSp>
+        <p:nvCxnSpPr>
+          <p:cNvPr id="5" name="Straight Connector 4"/>
+          <p:cNvCxnSpPr/>
+          <p:nvPr/>
+        </p:nvCxnSpPr>
+        <p:spPr>
+          <a:xfrm>
+            <a:off x="4110990" y="2642207"/>
+            <a:ext cx="0" cy="88710"/>
+          </a:xfrm>
+          <a:prstGeom prst="line">
+            <a:avLst/>
+          </a:prstGeom>
+        </p:spPr>
+        <p:style>
+          <a:lnRef idx="1">
+            <a:schemeClr val="dk1"/>
+          </a:lnRef>
+          <a:fillRef idx="0">
+            <a:schemeClr val="dk1"/>
+          </a:fillRef>
+          <a:effectRef idx="0">
+            <a:schemeClr val="dk1"/>
+          </a:effectRef>
+          <a:fontRef idx="minor">
+            <a:schemeClr val="tx1"/>
+          </a:fontRef>
+        </p:style>
+      </p:cxnSp>
+      <p:cxnSp>
+        <p:nvCxnSpPr>
+          <p:cNvPr id="9" name="Straight Connector 8"/>
+          <p:cNvCxnSpPr/>
+          <p:nvPr/>
+        </p:nvCxnSpPr>
+        <p:spPr>
+          <a:xfrm>
+            <a:off x="5223510" y="2638909"/>
+            <a:ext cx="0" cy="88710"/>
+          </a:xfrm>
+          <a:prstGeom prst="line">
+            <a:avLst/>
+          </a:prstGeom>
+        </p:spPr>
+        <p:style>
+          <a:lnRef idx="1">
+            <a:schemeClr val="dk1"/>
+          </a:lnRef>
+          <a:fillRef idx="0">
+            <a:schemeClr val="dk1"/>
+          </a:fillRef>
+          <a:effectRef idx="0">
+            <a:schemeClr val="dk1"/>
+          </a:effectRef>
+          <a:fontRef idx="minor">
+            <a:schemeClr val="tx1"/>
+          </a:fontRef>
+        </p:style>
+      </p:cxnSp>
+      <p:cxnSp>
+        <p:nvCxnSpPr>
+          <p:cNvPr id="10" name="Straight Connector 9"/>
+          <p:cNvCxnSpPr/>
+          <p:nvPr/>
+        </p:nvCxnSpPr>
+        <p:spPr>
+          <a:xfrm>
+            <a:off x="6225540" y="2638909"/>
+            <a:ext cx="0" cy="88710"/>
+          </a:xfrm>
+          <a:prstGeom prst="line">
+            <a:avLst/>
+          </a:prstGeom>
+        </p:spPr>
+        <p:style>
+          <a:lnRef idx="1">
+            <a:schemeClr val="dk1"/>
+          </a:lnRef>
+          <a:fillRef idx="0">
+            <a:schemeClr val="dk1"/>
+          </a:fillRef>
+          <a:effectRef idx="0">
+            <a:schemeClr val="dk1"/>
+          </a:effectRef>
+          <a:fontRef idx="minor">
+            <a:schemeClr val="tx1"/>
+          </a:fontRef>
+        </p:style>
+      </p:cxnSp>
+      <p:cxnSp>
+        <p:nvCxnSpPr>
+          <p:cNvPr id="11" name="Straight Connector 10"/>
+          <p:cNvCxnSpPr/>
+          <p:nvPr/>
+        </p:nvCxnSpPr>
+        <p:spPr>
+          <a:xfrm>
+            <a:off x="7315200" y="2638909"/>
+            <a:ext cx="0" cy="88710"/>
+          </a:xfrm>
+          <a:prstGeom prst="line">
+            <a:avLst/>
+          </a:prstGeom>
+        </p:spPr>
+        <p:style>
+          <a:lnRef idx="1">
+            <a:schemeClr val="dk1"/>
+          </a:lnRef>
+          <a:fillRef idx="0">
+            <a:schemeClr val="dk1"/>
+          </a:fillRef>
+          <a:effectRef idx="0">
+            <a:schemeClr val="dk1"/>
+          </a:effectRef>
+          <a:fontRef idx="minor">
+            <a:schemeClr val="tx1"/>
+          </a:fontRef>
+        </p:style>
+      </p:cxnSp>
+      <p:pic>
+        <p:nvPicPr>
+          <p:cNvPr id="12" name="Content Placeholder 5">
+            <a:extLst>
+              <a:ext uri="{FF2B5EF4-FFF2-40B4-BE49-F238E27FC236}">
+                <a16:creationId xmlns:a16="http://schemas.microsoft.com/office/drawing/2014/main" xmlns="" id="{703B6654-B732-46FC-943A-E79355B2C7D4}"/>
+              </a:ext>
+            </a:extLst>
+          </p:cNvPr>
+          <p:cNvPicPr>
+            <a:picLocks noChangeAspect="1"/>
+          </p:cNvPicPr>
+          <p:nvPr/>
+        </p:nvPicPr>
+        <p:blipFill rotWithShape="1">
+          <a:blip r:embed="rId4">
+            <a:extLst>
+              <a:ext uri="{BEBA8EAE-BF5A-486C-A8C5-ECC9F3942E4B}">
+                <a14:imgProps xmlns:a14="http://schemas.microsoft.com/office/drawing/2010/main">
+                  <a14:imgLayer r:embed="rId5">
+                    <a14:imgEffect>
+                      <a14:brightnessContrast contrast="40000"/>
+                    </a14:imgEffect>
+                  </a14:imgLayer>
+                </a14:imgProps>
+              </a:ext>
+            </a:extLst>
+          </a:blip>
+          <a:srcRect l="75864" t="8707" r="2946" b="77183"/>
+          <a:stretch/>
+        </p:blipFill>
+        <p:spPr>
+          <a:xfrm>
+            <a:off x="7521261" y="334849"/>
+            <a:ext cx="1107583" cy="515155"/>
+          </a:xfrm>
+          <a:prstGeom prst="rect">
+            <a:avLst/>
+          </a:prstGeom>
+        </p:spPr>
+      </p:pic>
+      <p:cxnSp>
+        <p:nvCxnSpPr>
+          <p:cNvPr id="13" name="Straight Connector 12"/>
+          <p:cNvCxnSpPr/>
+          <p:nvPr/>
+        </p:nvCxnSpPr>
+        <p:spPr>
+          <a:xfrm>
+            <a:off x="7689030" y="508000"/>
+            <a:ext cx="182297" cy="0"/>
+          </a:xfrm>
+          <a:prstGeom prst="line">
+            <a:avLst/>
+          </a:prstGeom>
+          <a:ln w="25400">
+            <a:solidFill>
+              <a:srgbClr val="3B82D7"/>
+            </a:solidFill>
+          </a:ln>
+        </p:spPr>
+        <p:style>
+          <a:lnRef idx="1">
+            <a:schemeClr val="accent1"/>
+          </a:lnRef>
+          <a:fillRef idx="0">
+            <a:schemeClr val="accent1"/>
+          </a:fillRef>
+          <a:effectRef idx="0">
+            <a:schemeClr val="accent1"/>
+          </a:effectRef>
+          <a:fontRef idx="minor">
+            <a:schemeClr val="tx1"/>
+          </a:fontRef>
+        </p:style>
+      </p:cxnSp>
+      <p:cxnSp>
+        <p:nvCxnSpPr>
+          <p:cNvPr id="15" name="Straight Connector 14"/>
+          <p:cNvCxnSpPr/>
+          <p:nvPr/>
+        </p:nvCxnSpPr>
+        <p:spPr>
+          <a:xfrm>
+            <a:off x="7689030" y="700505"/>
+            <a:ext cx="182297" cy="0"/>
+          </a:xfrm>
+          <a:prstGeom prst="line">
+            <a:avLst/>
+          </a:prstGeom>
+          <a:ln w="25400">
+            <a:solidFill>
+              <a:srgbClr val="FDB68B"/>
+            </a:solidFill>
+          </a:ln>
+        </p:spPr>
+        <p:style>
+          <a:lnRef idx="1">
+            <a:schemeClr val="accent1"/>
+          </a:lnRef>
+          <a:fillRef idx="0">
+            <a:schemeClr val="accent1"/>
+          </a:fillRef>
+          <a:effectRef idx="0">
+            <a:schemeClr val="accent1"/>
+          </a:effectRef>
+          <a:fontRef idx="minor">
+            <a:schemeClr val="tx1"/>
+          </a:fontRef>
+        </p:style>
+      </p:cxnSp>
     </p:spTree>
     <p:extLst>
       <p:ext uri="{BB962C8B-B14F-4D97-AF65-F5344CB8AC3E}">
@@ -4977,6 +5388,13 @@
   <p:clrMapOvr>
     <a:masterClrMapping/>
   </p:clrMapOvr>
+  <p:timing>
+    <p:tnLst>
+      <p:par>
+        <p:cTn id="1" dur="indefinite" restart="never" nodeType="tmRoot"/>
+      </p:par>
+    </p:tnLst>
+  </p:timing>
 </p:sld>
 </file>
 
@@ -5002,7 +5420,7 @@
           <p:cNvPr id="2" name="Title 1">
             <a:extLst>
               <a:ext uri="{FF2B5EF4-FFF2-40B4-BE49-F238E27FC236}">
-                <a16:creationId xmlns:a16="http://schemas.microsoft.com/office/drawing/2014/main" id="{73BAE7B6-A2F1-4F3D-8F74-60E7CAF00247}"/>
+                <a16:creationId xmlns:a16="http://schemas.microsoft.com/office/drawing/2014/main" xmlns="" id="{73BAE7B6-A2F1-4F3D-8F74-60E7CAF00247}"/>
               </a:ext>
             </a:extLst>
           </p:cNvPr>
@@ -5035,7 +5453,7 @@
           <p:cNvPr id="5" name="Content Placeholder 4">
             <a:extLst>
               <a:ext uri="{FF2B5EF4-FFF2-40B4-BE49-F238E27FC236}">
-                <a16:creationId xmlns:a16="http://schemas.microsoft.com/office/drawing/2014/main" id="{24379F97-968F-4588-93B2-2063AAD4329A}"/>
+                <a16:creationId xmlns:a16="http://schemas.microsoft.com/office/drawing/2014/main" xmlns="" id="{24379F97-968F-4588-93B2-2063AAD4329A}"/>
               </a:ext>
             </a:extLst>
           </p:cNvPr>
@@ -5064,7 +5482,7 @@
           <p:cNvPr id="7" name="Picture 6">
             <a:extLst>
               <a:ext uri="{FF2B5EF4-FFF2-40B4-BE49-F238E27FC236}">
-                <a16:creationId xmlns:a16="http://schemas.microsoft.com/office/drawing/2014/main" id="{A737FF2D-4701-43AF-9DA3-4335C7B713D7}"/>
+                <a16:creationId xmlns:a16="http://schemas.microsoft.com/office/drawing/2014/main" xmlns="" id="{A737FF2D-4701-43AF-9DA3-4335C7B713D7}"/>
               </a:ext>
             </a:extLst>
           </p:cNvPr>
@@ -5099,6 +5517,13 @@
   <p:clrMapOvr>
     <a:masterClrMapping/>
   </p:clrMapOvr>
+  <p:timing>
+    <p:tnLst>
+      <p:par>
+        <p:cTn id="1" dur="indefinite" restart="never" nodeType="tmRoot"/>
+      </p:par>
+    </p:tnLst>
+  </p:timing>
 </p:sld>
 </file>
 
@@ -5327,7 +5752,7 @@
   <a:extraClrSchemeLst/>
   <a:extLst>
     <a:ext uri="{05A4C25C-085E-4340-85A3-A5531E510DB2}">
-      <thm15:themeFamily xmlns:thm15="http://schemas.microsoft.com/office/thememl/2012/main" name="Frame" id="{F226E7A2-7162-461C-9490-D27D9DC04E43}" vid="{629A0216-3BBD-45C0-B63F-2683BEA18F60}"/>
+      <thm15:themeFamily xmlns:thm15="http://schemas.microsoft.com/office/thememl/2012/main" xmlns="" name="Frame" id="{F226E7A2-7162-461C-9490-D27D9DC04E43}" vid="{629A0216-3BBD-45C0-B63F-2683BEA18F60}"/>
     </a:ext>
   </a:extLst>
 </a:theme>

--- a/Weather and Crime Data Analysis Presentation.pptx
+++ b/Weather and Crime Data Analysis Presentation.pptx
@@ -119,7 +119,18 @@
   </p:defaultTextStyle>
   <p:extLst>
     <p:ext uri="{EFAFB233-063F-42B5-8137-9DF3F51BA10A}">
-      <p15:sldGuideLst xmlns:p15="http://schemas.microsoft.com/office/powerpoint/2012/main" xmlns=""/>
+      <p15:sldGuideLst xmlns:p15="http://schemas.microsoft.com/office/powerpoint/2012/main">
+        <p15:guide id="1" orient="horz" pos="2160">
+          <p15:clr>
+            <a:srgbClr val="A4A3A4"/>
+          </p15:clr>
+        </p15:guide>
+        <p15:guide id="2" pos="3840">
+          <p15:clr>
+            <a:srgbClr val="A4A3A4"/>
+          </p15:clr>
+        </p15:guide>
+      </p15:sldGuideLst>
     </p:ext>
   </p:extLst>
 </p:presentation>
@@ -137,8 +148,8 @@
 <pc:chgInfo xmlns:a="http://schemas.openxmlformats.org/drawingml/2006/main" xmlns:r="http://schemas.openxmlformats.org/officeDocument/2006/relationships" xmlns:ac="http://schemas.microsoft.com/office/drawing/2013/main/command" xmlns:pc="http://schemas.microsoft.com/office/powerpoint/2013/main/command">
   <pc:docChgLst>
     <pc:chgData name="Michael Montoya" userId="4c01172a6138ec04" providerId="LiveId" clId="{F82ECFCA-C724-41EF-9B16-C409E4CFE3B9}"/>
-    <pc:docChg chg="addSld modSld">
-      <pc:chgData name="Michael Montoya" userId="4c01172a6138ec04" providerId="LiveId" clId="{F82ECFCA-C724-41EF-9B16-C409E4CFE3B9}" dt="2018-04-01T22:50:25.438" v="5" actId="20577"/>
+    <pc:docChg chg="undo custSel addSld modSld">
+      <pc:chgData name="Michael Montoya" userId="4c01172a6138ec04" providerId="LiveId" clId="{F82ECFCA-C724-41EF-9B16-C409E4CFE3B9}" dt="2018-04-04T05:58:02.409" v="327" actId="1076"/>
       <pc:docMkLst>
         <pc:docMk/>
       </pc:docMkLst>
@@ -157,6 +168,21 @@
           </ac:spMkLst>
         </pc:spChg>
       </pc:sldChg>
+      <pc:sldChg chg="modSp">
+        <pc:chgData name="Michael Montoya" userId="4c01172a6138ec04" providerId="LiveId" clId="{F82ECFCA-C724-41EF-9B16-C409E4CFE3B9}" dt="2018-04-04T04:50:13.496" v="294" actId="20577"/>
+        <pc:sldMkLst>
+          <pc:docMk/>
+          <pc:sldMk cId="4174163595" sldId="261"/>
+        </pc:sldMkLst>
+        <pc:spChg chg="mod">
+          <ac:chgData name="Michael Montoya" userId="4c01172a6138ec04" providerId="LiveId" clId="{F82ECFCA-C724-41EF-9B16-C409E4CFE3B9}" dt="2018-04-04T04:50:13.496" v="294" actId="20577"/>
+          <ac:spMkLst>
+            <pc:docMk/>
+            <pc:sldMk cId="4174163595" sldId="261"/>
+            <ac:spMk id="3" creationId="{A8F024F9-5FFD-4484-8F1C-192C32BB304C}"/>
+          </ac:spMkLst>
+        </pc:spChg>
+      </pc:sldChg>
       <pc:sldChg chg="modSp add">
         <pc:chgData name="Michael Montoya" userId="4c01172a6138ec04" providerId="LiveId" clId="{F82ECFCA-C724-41EF-9B16-C409E4CFE3B9}" dt="2018-04-01T22:50:25.438" v="5" actId="20577"/>
         <pc:sldMkLst>
@@ -171,6 +197,85 @@
             <ac:spMk id="2" creationId="{83A7EC75-4101-420F-814F-26B068BEBD27}"/>
           </ac:spMkLst>
         </pc:spChg>
+      </pc:sldChg>
+      <pc:sldChg chg="addSp delSp modSp modAnim">
+        <pc:chgData name="Michael Montoya" userId="4c01172a6138ec04" providerId="LiveId" clId="{F82ECFCA-C724-41EF-9B16-C409E4CFE3B9}" dt="2018-04-04T05:58:02.409" v="327" actId="1076"/>
+        <pc:sldMkLst>
+          <pc:docMk/>
+          <pc:sldMk cId="1992219538" sldId="267"/>
+        </pc:sldMkLst>
+        <pc:spChg chg="add del mod">
+          <ac:chgData name="Michael Montoya" userId="4c01172a6138ec04" providerId="LiveId" clId="{F82ECFCA-C724-41EF-9B16-C409E4CFE3B9}" dt="2018-04-04T05:38:40.529" v="298" actId="478"/>
+          <ac:spMkLst>
+            <pc:docMk/>
+            <pc:sldMk cId="1992219538" sldId="267"/>
+            <ac:spMk id="4" creationId="{4299992D-2270-4145-9ACE-A9A8EEEA2D14}"/>
+          </ac:spMkLst>
+        </pc:spChg>
+        <pc:spChg chg="del">
+          <ac:chgData name="Michael Montoya" userId="4c01172a6138ec04" providerId="LiveId" clId="{F82ECFCA-C724-41EF-9B16-C409E4CFE3B9}" dt="2018-04-04T05:50:55.962" v="315" actId="478"/>
+          <ac:spMkLst>
+            <pc:docMk/>
+            <pc:sldMk cId="1992219538" sldId="267"/>
+            <ac:spMk id="5" creationId="{6BCF0038-16FE-4456-8F0D-B96341EA5130}"/>
+          </ac:spMkLst>
+        </pc:spChg>
+        <pc:spChg chg="add del mod">
+          <ac:chgData name="Michael Montoya" userId="4c01172a6138ec04" providerId="LiveId" clId="{F82ECFCA-C724-41EF-9B16-C409E4CFE3B9}" dt="2018-04-04T05:41:51.901" v="301" actId="931"/>
+          <ac:spMkLst>
+            <pc:docMk/>
+            <pc:sldMk cId="1992219538" sldId="267"/>
+            <ac:spMk id="7" creationId="{4E03887B-4E9E-4B3C-A04E-1E07935388C0}"/>
+          </ac:spMkLst>
+        </pc:spChg>
+        <pc:picChg chg="add mod">
+          <ac:chgData name="Michael Montoya" userId="4c01172a6138ec04" providerId="LiveId" clId="{F82ECFCA-C724-41EF-9B16-C409E4CFE3B9}" dt="2018-04-04T05:42:23.972" v="302" actId="1076"/>
+          <ac:picMkLst>
+            <pc:docMk/>
+            <pc:sldMk cId="1992219538" sldId="267"/>
+            <ac:picMk id="9" creationId="{1ABB43A6-DC74-46A3-A26A-81C4F07F5319}"/>
+          </ac:picMkLst>
+        </pc:picChg>
+        <pc:picChg chg="add mod">
+          <ac:chgData name="Michael Montoya" userId="4c01172a6138ec04" providerId="LiveId" clId="{F82ECFCA-C724-41EF-9B16-C409E4CFE3B9}" dt="2018-04-04T05:57:56.248" v="326" actId="1076"/>
+          <ac:picMkLst>
+            <pc:docMk/>
+            <pc:sldMk cId="1992219538" sldId="267"/>
+            <ac:picMk id="11" creationId="{0B5EFD5A-E066-42A8-9883-5F4160D935AE}"/>
+          </ac:picMkLst>
+        </pc:picChg>
+        <pc:picChg chg="add mod">
+          <ac:chgData name="Michael Montoya" userId="4c01172a6138ec04" providerId="LiveId" clId="{F82ECFCA-C724-41EF-9B16-C409E4CFE3B9}" dt="2018-04-04T05:58:02.409" v="327" actId="1076"/>
+          <ac:picMkLst>
+            <pc:docMk/>
+            <pc:sldMk cId="1992219538" sldId="267"/>
+            <ac:picMk id="13" creationId="{4A14A518-A7CE-4A64-A94E-8F36AA6B108D}"/>
+          </ac:picMkLst>
+        </pc:picChg>
+        <pc:picChg chg="add mod">
+          <ac:chgData name="Michael Montoya" userId="4c01172a6138ec04" providerId="LiveId" clId="{F82ECFCA-C724-41EF-9B16-C409E4CFE3B9}" dt="2018-04-04T05:45:57.384" v="308" actId="1076"/>
+          <ac:picMkLst>
+            <pc:docMk/>
+            <pc:sldMk cId="1992219538" sldId="267"/>
+            <ac:picMk id="15" creationId="{0AFB7337-485F-48F7-9DBD-4F8B2413609A}"/>
+          </ac:picMkLst>
+        </pc:picChg>
+        <pc:picChg chg="add del">
+          <ac:chgData name="Michael Montoya" userId="4c01172a6138ec04" providerId="LiveId" clId="{F82ECFCA-C724-41EF-9B16-C409E4CFE3B9}" dt="2018-04-04T05:41:15.179" v="299" actId="478"/>
+          <ac:picMkLst>
+            <pc:docMk/>
+            <pc:sldMk cId="1992219538" sldId="267"/>
+            <ac:picMk id="33" creationId="{B4EDC999-2F3E-47F4-B462-88BA6BDE808D}"/>
+          </ac:picMkLst>
+        </pc:picChg>
+        <pc:picChg chg="add del">
+          <ac:chgData name="Michael Montoya" userId="4c01172a6138ec04" providerId="LiveId" clId="{F82ECFCA-C724-41EF-9B16-C409E4CFE3B9}" dt="2018-04-04T05:41:21.905" v="300" actId="478"/>
+          <ac:picMkLst>
+            <pc:docMk/>
+            <pc:sldMk cId="1992219538" sldId="267"/>
+            <ac:picMk id="35" creationId="{7E4A5558-6A97-4E08-81A1-423D84DBA2D4}"/>
+          </ac:picMkLst>
+        </pc:picChg>
       </pc:sldChg>
     </pc:docChg>
   </pc:docChgLst>
@@ -3446,7 +3551,7 @@
           <p:cNvPr id="2" name="Title 1">
             <a:extLst>
               <a:ext uri="{FF2B5EF4-FFF2-40B4-BE49-F238E27FC236}">
-                <a16:creationId xmlns:a16="http://schemas.microsoft.com/office/drawing/2014/main" xmlns="" id="{E69B7469-9B2F-4C0E-9D7B-02AED9B0EF10}"/>
+                <a16:creationId xmlns:a16="http://schemas.microsoft.com/office/drawing/2014/main" id="{E69B7469-9B2F-4C0E-9D7B-02AED9B0EF10}"/>
               </a:ext>
             </a:extLst>
           </p:cNvPr>
@@ -3474,7 +3579,7 @@
           <p:cNvPr id="3" name="Subtitle 2">
             <a:extLst>
               <a:ext uri="{FF2B5EF4-FFF2-40B4-BE49-F238E27FC236}">
-                <a16:creationId xmlns:a16="http://schemas.microsoft.com/office/drawing/2014/main" xmlns="" id="{2299AB8F-6EA0-4F46-A89D-CB847B3E1B12}"/>
+                <a16:creationId xmlns:a16="http://schemas.microsoft.com/office/drawing/2014/main" id="{2299AB8F-6EA0-4F46-A89D-CB847B3E1B12}"/>
               </a:ext>
             </a:extLst>
           </p:cNvPr>
@@ -3507,13 +3612,6 @@
   <p:clrMapOvr>
     <a:masterClrMapping/>
   </p:clrMapOvr>
-  <p:timing>
-    <p:tnLst>
-      <p:par>
-        <p:cTn id="1" dur="indefinite" restart="never" nodeType="tmRoot"/>
-      </p:par>
-    </p:tnLst>
-  </p:timing>
 </p:sld>
 </file>
 
@@ -3539,7 +3637,7 @@
           <p:cNvPr id="2" name="Title 1">
             <a:extLst>
               <a:ext uri="{FF2B5EF4-FFF2-40B4-BE49-F238E27FC236}">
-                <a16:creationId xmlns:a16="http://schemas.microsoft.com/office/drawing/2014/main" xmlns="" id="{A2C58B07-A1D4-4BF0-8FEE-C20DAA5690A1}"/>
+                <a16:creationId xmlns:a16="http://schemas.microsoft.com/office/drawing/2014/main" id="{A2C58B07-A1D4-4BF0-8FEE-C20DAA5690A1}"/>
               </a:ext>
             </a:extLst>
           </p:cNvPr>
@@ -3572,7 +3670,7 @@
           <p:cNvPr id="5" name="Content Placeholder 4">
             <a:extLst>
               <a:ext uri="{FF2B5EF4-FFF2-40B4-BE49-F238E27FC236}">
-                <a16:creationId xmlns:a16="http://schemas.microsoft.com/office/drawing/2014/main" xmlns="" id="{079287F6-5971-4B39-B17A-2E4CDA27C38A}"/>
+                <a16:creationId xmlns:a16="http://schemas.microsoft.com/office/drawing/2014/main" id="{079287F6-5971-4B39-B17A-2E4CDA27C38A}"/>
               </a:ext>
             </a:extLst>
           </p:cNvPr>
@@ -3601,7 +3699,7 @@
           <p:cNvPr id="7" name="Picture 6">
             <a:extLst>
               <a:ext uri="{FF2B5EF4-FFF2-40B4-BE49-F238E27FC236}">
-                <a16:creationId xmlns:a16="http://schemas.microsoft.com/office/drawing/2014/main" xmlns="" id="{F9D99DBA-6282-4B09-BBD6-26FC34D124F1}"/>
+                <a16:creationId xmlns:a16="http://schemas.microsoft.com/office/drawing/2014/main" id="{F9D99DBA-6282-4B09-BBD6-26FC34D124F1}"/>
               </a:ext>
             </a:extLst>
           </p:cNvPr>
@@ -3636,13 +3734,6 @@
   <p:clrMapOvr>
     <a:masterClrMapping/>
   </p:clrMapOvr>
-  <p:timing>
-    <p:tnLst>
-      <p:par>
-        <p:cTn id="1" dur="indefinite" restart="never" nodeType="tmRoot"/>
-      </p:par>
-    </p:tnLst>
-  </p:timing>
 </p:sld>
 </file>
 
@@ -3668,7 +3759,7 @@
           <p:cNvPr id="2" name="Title 1">
             <a:extLst>
               <a:ext uri="{FF2B5EF4-FFF2-40B4-BE49-F238E27FC236}">
-                <a16:creationId xmlns:a16="http://schemas.microsoft.com/office/drawing/2014/main" xmlns="" id="{C5D0DEA5-6C8E-4C39-A7DB-110DFAE5FFE5}"/>
+                <a16:creationId xmlns:a16="http://schemas.microsoft.com/office/drawing/2014/main" id="{C5D0DEA5-6C8E-4C39-A7DB-110DFAE5FFE5}"/>
               </a:ext>
             </a:extLst>
           </p:cNvPr>
@@ -3697,7 +3788,7 @@
           <p:cNvPr id="3" name="Content Placeholder 2">
             <a:extLst>
               <a:ext uri="{FF2B5EF4-FFF2-40B4-BE49-F238E27FC236}">
-                <a16:creationId xmlns:a16="http://schemas.microsoft.com/office/drawing/2014/main" xmlns="" id="{A8F024F9-5FFD-4484-8F1C-192C32BB304C}"/>
+                <a16:creationId xmlns:a16="http://schemas.microsoft.com/office/drawing/2014/main" id="{A8F024F9-5FFD-4484-8F1C-192C32BB304C}"/>
               </a:ext>
             </a:extLst>
           </p:cNvPr>
@@ -3715,19 +3806,19 @@
           <a:p>
             <a:r>
               <a:rPr lang="en-US" dirty="0"/>
-              <a:t>We discovered that regions experiencing weather extremes, crime patterns fluctuates dramatically when compared to regions with very standard weather. </a:t>
-            </a:r>
-          </a:p>
-          <a:p>
-            <a:r>
-              <a:rPr lang="en-US" dirty="0"/>
-              <a:t>Overall, when the weather is consistent, crime types remain consistent.  </a:t>
-            </a:r>
-          </a:p>
-          <a:p>
-            <a:r>
-              <a:rPr lang="en-US" dirty="0"/>
-              <a:t>Property and violent crimes were the most prevalent crime in Chicago, whereas Property and Disturbance crimes were most prevalent in Los Angeles. </a:t>
+              <a:t>We discovered that crime patters are more readily apparent in areas with varying weather extremes, versus areas where areas where weather is relatively steady. </a:t>
+            </a:r>
+          </a:p>
+          <a:p>
+            <a:r>
+              <a:rPr lang="en-US" dirty="0"/>
+              <a:t>Overall, when weather events are consistent, crime types remain consistent.  </a:t>
+            </a:r>
+          </a:p>
+          <a:p>
+            <a:r>
+              <a:rPr lang="en-US" dirty="0"/>
+              <a:t>Property and violent crimes were the most prevalent crimes in both Chicago and Los Angeles, but correlations were only visible with temperatures and not weather events. </a:t>
             </a:r>
           </a:p>
           <a:p>
@@ -3748,13 +3839,6 @@
   <p:clrMapOvr>
     <a:masterClrMapping/>
   </p:clrMapOvr>
-  <p:timing>
-    <p:tnLst>
-      <p:par>
-        <p:cTn id="1" dur="indefinite" restart="never" nodeType="tmRoot"/>
-      </p:par>
-    </p:tnLst>
-  </p:timing>
 </p:sld>
 </file>
 
@@ -3780,7 +3864,7 @@
           <p:cNvPr id="2" name="Title 1">
             <a:extLst>
               <a:ext uri="{FF2B5EF4-FFF2-40B4-BE49-F238E27FC236}">
-                <a16:creationId xmlns:a16="http://schemas.microsoft.com/office/drawing/2014/main" xmlns="" id="{D2101A1D-F2ED-490B-92EB-E220B3424EF7}"/>
+                <a16:creationId xmlns:a16="http://schemas.microsoft.com/office/drawing/2014/main" id="{D2101A1D-F2ED-490B-92EB-E220B3424EF7}"/>
               </a:ext>
             </a:extLst>
           </p:cNvPr>
@@ -3809,7 +3893,7 @@
           <p:cNvPr id="3" name="Content Placeholder 2">
             <a:extLst>
               <a:ext uri="{FF2B5EF4-FFF2-40B4-BE49-F238E27FC236}">
-                <a16:creationId xmlns:a16="http://schemas.microsoft.com/office/drawing/2014/main" xmlns="" id="{BBF4195B-AE3B-407A-8702-A1CEBE07D158}"/>
+                <a16:creationId xmlns:a16="http://schemas.microsoft.com/office/drawing/2014/main" id="{BBF4195B-AE3B-407A-8702-A1CEBE07D158}"/>
               </a:ext>
             </a:extLst>
           </p:cNvPr>
@@ -3934,13 +4018,6 @@
   <p:clrMapOvr>
     <a:masterClrMapping/>
   </p:clrMapOvr>
-  <p:timing>
-    <p:tnLst>
-      <p:par>
-        <p:cTn id="1" dur="indefinite" restart="never" nodeType="tmRoot"/>
-      </p:par>
-    </p:tnLst>
-  </p:timing>
 </p:sld>
 </file>
 
@@ -3966,7 +4043,7 @@
           <p:cNvPr id="2" name="Title 1">
             <a:extLst>
               <a:ext uri="{FF2B5EF4-FFF2-40B4-BE49-F238E27FC236}">
-                <a16:creationId xmlns:a16="http://schemas.microsoft.com/office/drawing/2014/main" xmlns="" id="{D2101A1D-F2ED-490B-92EB-E220B3424EF7}"/>
+                <a16:creationId xmlns:a16="http://schemas.microsoft.com/office/drawing/2014/main" id="{D2101A1D-F2ED-490B-92EB-E220B3424EF7}"/>
               </a:ext>
             </a:extLst>
           </p:cNvPr>
@@ -3995,7 +4072,7 @@
           <p:cNvPr id="3" name="Content Placeholder 2">
             <a:extLst>
               <a:ext uri="{FF2B5EF4-FFF2-40B4-BE49-F238E27FC236}">
-                <a16:creationId xmlns:a16="http://schemas.microsoft.com/office/drawing/2014/main" xmlns="" id="{BBF4195B-AE3B-407A-8702-A1CEBE07D158}"/>
+                <a16:creationId xmlns:a16="http://schemas.microsoft.com/office/drawing/2014/main" id="{BBF4195B-AE3B-407A-8702-A1CEBE07D158}"/>
               </a:ext>
             </a:extLst>
           </p:cNvPr>
@@ -4033,13 +4110,6 @@
   <p:clrMapOvr>
     <a:masterClrMapping/>
   </p:clrMapOvr>
-  <p:timing>
-    <p:tnLst>
-      <p:par>
-        <p:cTn id="1" dur="indefinite" restart="never" nodeType="tmRoot"/>
-      </p:par>
-    </p:tnLst>
-  </p:timing>
 </p:sld>
 </file>
 
@@ -4065,7 +4135,7 @@
           <p:cNvPr id="2" name="Title 1">
             <a:extLst>
               <a:ext uri="{FF2B5EF4-FFF2-40B4-BE49-F238E27FC236}">
-                <a16:creationId xmlns:a16="http://schemas.microsoft.com/office/drawing/2014/main" xmlns="" id="{48CB2E1E-F2CA-4BC0-B171-8A889E17F884}"/>
+                <a16:creationId xmlns:a16="http://schemas.microsoft.com/office/drawing/2014/main" id="{48CB2E1E-F2CA-4BC0-B171-8A889E17F884}"/>
               </a:ext>
             </a:extLst>
           </p:cNvPr>
@@ -4103,13 +4173,6 @@
   <p:clrMapOvr>
     <a:masterClrMapping/>
   </p:clrMapOvr>
-  <p:timing>
-    <p:tnLst>
-      <p:par>
-        <p:cTn id="1" dur="indefinite" restart="never" nodeType="tmRoot"/>
-      </p:par>
-    </p:tnLst>
-  </p:timing>
 </p:sld>
 </file>
 
@@ -4135,7 +4198,7 @@
           <p:cNvPr id="2" name="Title 1">
             <a:extLst>
               <a:ext uri="{FF2B5EF4-FFF2-40B4-BE49-F238E27FC236}">
-                <a16:creationId xmlns:a16="http://schemas.microsoft.com/office/drawing/2014/main" xmlns="" id="{83A7EC75-4101-420F-814F-26B068BEBD27}"/>
+                <a16:creationId xmlns:a16="http://schemas.microsoft.com/office/drawing/2014/main" id="{83A7EC75-4101-420F-814F-26B068BEBD27}"/>
               </a:ext>
             </a:extLst>
           </p:cNvPr>
@@ -4164,7 +4227,7 @@
           <p:cNvPr id="3" name="Content Placeholder 2">
             <a:extLst>
               <a:ext uri="{FF2B5EF4-FFF2-40B4-BE49-F238E27FC236}">
-                <a16:creationId xmlns:a16="http://schemas.microsoft.com/office/drawing/2014/main" xmlns="" id="{DC5ED40B-B2BF-4913-9615-4F583FC1595E}"/>
+                <a16:creationId xmlns:a16="http://schemas.microsoft.com/office/drawing/2014/main" id="{DC5ED40B-B2BF-4913-9615-4F583FC1595E}"/>
               </a:ext>
             </a:extLst>
           </p:cNvPr>
@@ -4237,13 +4300,6 @@
   <p:clrMapOvr>
     <a:masterClrMapping/>
   </p:clrMapOvr>
-  <p:timing>
-    <p:tnLst>
-      <p:par>
-        <p:cTn id="1" dur="indefinite" restart="never" nodeType="tmRoot"/>
-      </p:par>
-    </p:tnLst>
-  </p:timing>
 </p:sld>
 </file>
 
@@ -4269,7 +4325,7 @@
           <p:cNvPr id="2" name="Title 1">
             <a:extLst>
               <a:ext uri="{FF2B5EF4-FFF2-40B4-BE49-F238E27FC236}">
-                <a16:creationId xmlns:a16="http://schemas.microsoft.com/office/drawing/2014/main" xmlns="" id="{DA129FB1-B146-408B-A3F5-15F104F577F3}"/>
+                <a16:creationId xmlns:a16="http://schemas.microsoft.com/office/drawing/2014/main" id="{DA129FB1-B146-408B-A3F5-15F104F577F3}"/>
               </a:ext>
             </a:extLst>
           </p:cNvPr>
@@ -4298,7 +4354,7 @@
           <p:cNvPr id="3" name="Content Placeholder 2">
             <a:extLst>
               <a:ext uri="{FF2B5EF4-FFF2-40B4-BE49-F238E27FC236}">
-                <a16:creationId xmlns:a16="http://schemas.microsoft.com/office/drawing/2014/main" xmlns="" id="{A6FB94C6-3BF8-4FE5-8566-37B8EAD1F771}"/>
+                <a16:creationId xmlns:a16="http://schemas.microsoft.com/office/drawing/2014/main" id="{A6FB94C6-3BF8-4FE5-8566-37B8EAD1F771}"/>
               </a:ext>
             </a:extLst>
           </p:cNvPr>
@@ -4369,13 +4425,6 @@
   <p:clrMapOvr>
     <a:masterClrMapping/>
   </p:clrMapOvr>
-  <p:timing>
-    <p:tnLst>
-      <p:par>
-        <p:cTn id="1" dur="indefinite" restart="never" nodeType="tmRoot"/>
-      </p:par>
-    </p:tnLst>
-  </p:timing>
 </p:sld>
 </file>
 
@@ -4401,7 +4450,7 @@
           <p:cNvPr id="2" name="Title 1">
             <a:extLst>
               <a:ext uri="{FF2B5EF4-FFF2-40B4-BE49-F238E27FC236}">
-                <a16:creationId xmlns:a16="http://schemas.microsoft.com/office/drawing/2014/main" xmlns="" id="{F7BE1882-99BB-4365-A118-1C31F280A32D}"/>
+                <a16:creationId xmlns:a16="http://schemas.microsoft.com/office/drawing/2014/main" id="{F7BE1882-99BB-4365-A118-1C31F280A32D}"/>
               </a:ext>
             </a:extLst>
           </p:cNvPr>
@@ -4430,7 +4479,7 @@
           <p:cNvPr id="3" name="Content Placeholder 2">
             <a:extLst>
               <a:ext uri="{FF2B5EF4-FFF2-40B4-BE49-F238E27FC236}">
-                <a16:creationId xmlns:a16="http://schemas.microsoft.com/office/drawing/2014/main" xmlns="" id="{162D072F-1554-4A17-BEAC-B62E922B4D85}"/>
+                <a16:creationId xmlns:a16="http://schemas.microsoft.com/office/drawing/2014/main" id="{162D072F-1554-4A17-BEAC-B62E922B4D85}"/>
               </a:ext>
             </a:extLst>
           </p:cNvPr>
@@ -4485,13 +4534,6 @@
   <p:clrMapOvr>
     <a:masterClrMapping/>
   </p:clrMapOvr>
-  <p:timing>
-    <p:tnLst>
-      <p:par>
-        <p:cTn id="1" dur="indefinite" restart="never" nodeType="tmRoot"/>
-      </p:par>
-    </p:tnLst>
-  </p:timing>
 </p:sld>
 </file>
 
@@ -4517,7 +4559,7 @@
           <p:cNvPr id="2" name="Title 1">
             <a:extLst>
               <a:ext uri="{FF2B5EF4-FFF2-40B4-BE49-F238E27FC236}">
-                <a16:creationId xmlns:a16="http://schemas.microsoft.com/office/drawing/2014/main" xmlns="" id="{0F605016-C505-470E-B152-4100BA4DD519}"/>
+                <a16:creationId xmlns:a16="http://schemas.microsoft.com/office/drawing/2014/main" id="{0F605016-C505-470E-B152-4100BA4DD519}"/>
               </a:ext>
             </a:extLst>
           </p:cNvPr>
@@ -4546,7 +4588,7 @@
           <p:cNvPr id="3" name="Content Placeholder 2">
             <a:extLst>
               <a:ext uri="{FF2B5EF4-FFF2-40B4-BE49-F238E27FC236}">
-                <a16:creationId xmlns:a16="http://schemas.microsoft.com/office/drawing/2014/main" xmlns="" id="{BEE22DA4-9485-43B5-AA7C-37B594A52FF6}"/>
+                <a16:creationId xmlns:a16="http://schemas.microsoft.com/office/drawing/2014/main" id="{BEE22DA4-9485-43B5-AA7C-37B594A52FF6}"/>
               </a:ext>
             </a:extLst>
           </p:cNvPr>
@@ -4636,13 +4678,6 @@
   <p:clrMapOvr>
     <a:masterClrMapping/>
   </p:clrMapOvr>
-  <p:timing>
-    <p:tnLst>
-      <p:par>
-        <p:cTn id="1" dur="indefinite" restart="never" nodeType="tmRoot"/>
-      </p:par>
-    </p:tnLst>
-  </p:timing>
 </p:sld>
 </file>
 
@@ -4668,7 +4703,7 @@
           <p:cNvPr id="2" name="Title 1">
             <a:extLst>
               <a:ext uri="{FF2B5EF4-FFF2-40B4-BE49-F238E27FC236}">
-                <a16:creationId xmlns:a16="http://schemas.microsoft.com/office/drawing/2014/main" xmlns="" id="{D15D94E2-91C9-45B4-AD19-711A37265B03}"/>
+                <a16:creationId xmlns:a16="http://schemas.microsoft.com/office/drawing/2014/main" id="{D15D94E2-91C9-45B4-AD19-711A37265B03}"/>
               </a:ext>
             </a:extLst>
           </p:cNvPr>
@@ -4704,7 +4739,7 @@
           <p:cNvPr id="3" name="Content Placeholder 2">
             <a:extLst>
               <a:ext uri="{FF2B5EF4-FFF2-40B4-BE49-F238E27FC236}">
-                <a16:creationId xmlns:a16="http://schemas.microsoft.com/office/drawing/2014/main" xmlns="" id="{92E63922-716A-4669-8E46-96915F4D1083}"/>
+                <a16:creationId xmlns:a16="http://schemas.microsoft.com/office/drawing/2014/main" id="{92E63922-716A-4669-8E46-96915F4D1083}"/>
               </a:ext>
             </a:extLst>
           </p:cNvPr>
@@ -4743,13 +4778,6 @@
   <p:clrMapOvr>
     <a:masterClrMapping/>
   </p:clrMapOvr>
-  <p:timing>
-    <p:tnLst>
-      <p:par>
-        <p:cTn id="1" dur="indefinite" restart="never" nodeType="tmRoot"/>
-      </p:par>
-    </p:tnLst>
-  </p:timing>
 </p:sld>
 </file>
 
@@ -4775,7 +4803,7 @@
           <p:cNvPr id="2" name="Title 1">
             <a:extLst>
               <a:ext uri="{FF2B5EF4-FFF2-40B4-BE49-F238E27FC236}">
-                <a16:creationId xmlns:a16="http://schemas.microsoft.com/office/drawing/2014/main" xmlns="" id="{AAEBA6E1-5E63-4B00-9358-0B0FCBB9F43D}"/>
+                <a16:creationId xmlns:a16="http://schemas.microsoft.com/office/drawing/2014/main" id="{AAEBA6E1-5E63-4B00-9358-0B0FCBB9F43D}"/>
               </a:ext>
             </a:extLst>
           </p:cNvPr>
@@ -4798,10 +4826,6 @@
               <a:rPr lang="en-US" sz="3100" dirty="0"/>
               <a:t>Does weather affect crime incidence? Do crimes occur more often in areas experiencing extreme seasonal weather changes?</a:t>
             </a:r>
-            <a:r>
-              <a:rPr lang="en-US" dirty="0"/>
-              <a:t/>
-            </a:r>
             <a:br>
               <a:rPr lang="en-US" dirty="0"/>
             </a:br>
@@ -4811,10 +4835,10 @@
       </p:sp>
       <p:pic>
         <p:nvPicPr>
-          <p:cNvPr id="33" name="Content Placeholder 32">
+          <p:cNvPr id="9" name="Content Placeholder 8">
             <a:extLst>
               <a:ext uri="{FF2B5EF4-FFF2-40B4-BE49-F238E27FC236}">
-                <a16:creationId xmlns:a16="http://schemas.microsoft.com/office/drawing/2014/main" xmlns="" id="{B4EDC999-2F3E-47F4-B462-88BA6BDE808D}"/>
+                <a16:creationId xmlns:a16="http://schemas.microsoft.com/office/drawing/2014/main" id="{1ABB43A6-DC74-46A3-A26A-81C4F07F5319}"/>
               </a:ext>
             </a:extLst>
           </p:cNvPr>
@@ -4833,17 +4857,17 @@
         </p:blipFill>
         <p:spPr>
           <a:xfrm>
-            <a:off x="3452320" y="0"/>
-            <a:ext cx="4851708" cy="3440753"/>
+            <a:off x="3734354" y="669121"/>
+            <a:ext cx="3795740" cy="2652732"/>
           </a:xfrm>
         </p:spPr>
       </p:pic>
       <p:pic>
         <p:nvPicPr>
-          <p:cNvPr id="35" name="Picture 34">
+          <p:cNvPr id="11" name="Picture 10">
             <a:extLst>
               <a:ext uri="{FF2B5EF4-FFF2-40B4-BE49-F238E27FC236}">
-                <a16:creationId xmlns:a16="http://schemas.microsoft.com/office/drawing/2014/main" xmlns="" id="{7E4A5558-6A97-4E08-81A1-423D84DBA2D4}"/>
+                <a16:creationId xmlns:a16="http://schemas.microsoft.com/office/drawing/2014/main" id="{0B5EFD5A-E066-42A8-9883-5F4160D935AE}"/>
               </a:ext>
             </a:extLst>
           </p:cNvPr>
@@ -4860,82 +4884,74 @@
         </p:blipFill>
         <p:spPr>
           <a:xfrm>
-            <a:off x="6501834" y="3333776"/>
-            <a:ext cx="4979534" cy="3531405"/>
+            <a:off x="3734354" y="1013362"/>
+            <a:ext cx="3800503" cy="2662257"/>
           </a:xfrm>
           <a:prstGeom prst="rect">
             <a:avLst/>
           </a:prstGeom>
         </p:spPr>
       </p:pic>
-      <p:sp>
-        <p:nvSpPr>
-          <p:cNvPr id="5" name="Rectangle 4">
+      <p:pic>
+        <p:nvPicPr>
+          <p:cNvPr id="13" name="Picture 12">
             <a:extLst>
               <a:ext uri="{FF2B5EF4-FFF2-40B4-BE49-F238E27FC236}">
-                <a16:creationId xmlns:a16="http://schemas.microsoft.com/office/drawing/2014/main" xmlns="" id="{6BCF0038-16FE-4456-8F0D-B96341EA5130}"/>
+                <a16:creationId xmlns:a16="http://schemas.microsoft.com/office/drawing/2014/main" id="{4A14A518-A7CE-4A64-A94E-8F36AA6B108D}"/>
               </a:ext>
             </a:extLst>
           </p:cNvPr>
-          <p:cNvSpPr/>
+          <p:cNvPicPr>
+            <a:picLocks noChangeAspect="1"/>
+          </p:cNvPicPr>
           <p:nvPr/>
-        </p:nvSpPr>
+        </p:nvPicPr>
+        <p:blipFill>
+          <a:blip r:embed="rId4"/>
+          <a:stretch>
+            <a:fillRect/>
+          </a:stretch>
+        </p:blipFill>
         <p:spPr>
           <a:xfrm>
-            <a:off x="4209715" y="21946"/>
-            <a:ext cx="3900299" cy="236796"/>
+            <a:off x="7405892" y="3053238"/>
+            <a:ext cx="3819553" cy="2671782"/>
           </a:xfrm>
           <a:prstGeom prst="rect">
             <a:avLst/>
           </a:prstGeom>
-          <a:solidFill>
-            <a:schemeClr val="bg1"/>
-          </a:solidFill>
-          <a:ln>
-            <a:solidFill>
-              <a:schemeClr val="bg1"/>
-            </a:solidFill>
-          </a:ln>
         </p:spPr>
-        <p:style>
-          <a:lnRef idx="2">
-            <a:schemeClr val="accent1">
-              <a:shade val="50000"/>
-            </a:schemeClr>
-          </a:lnRef>
-          <a:fillRef idx="1">
-            <a:schemeClr val="accent1"/>
-          </a:fillRef>
-          <a:effectRef idx="0">
-            <a:schemeClr val="accent1"/>
-          </a:effectRef>
-          <a:fontRef idx="minor">
-            <a:schemeClr val="lt1"/>
-          </a:fontRef>
-        </p:style>
-        <p:txBody>
-          <a:bodyPr rtlCol="0" anchor="ctr"/>
-          <a:lstStyle/>
-          <a:p>
-            <a:pPr algn="ctr"/>
-            <a:r>
-              <a:rPr lang="en-US" sz="1400" dirty="0" smtClean="0">
-                <a:solidFill>
-                  <a:schemeClr val="tx1"/>
-                </a:solidFill>
-                <a:latin typeface="Calibri" panose="020F0502020204030204" pitchFamily="34" charset="0"/>
-              </a:rPr>
-              <a:t>LA: Crime Category v. Temp</a:t>
-            </a:r>
-            <a:endParaRPr lang="en-US" sz="1400" dirty="0">
-              <a:solidFill>
-                <a:schemeClr val="tx1"/>
-              </a:solidFill>
-              <a:latin typeface="Calibri" panose="020F0502020204030204" pitchFamily="34" charset="0"/>
-            </a:endParaRPr>
-          </a:p>
-        </p:txBody>
-      </p:sp>
+      </p:pic>
+      <p:pic>
+        <p:nvPicPr>
+          <p:cNvPr id="15" name="Picture 14">
+            <a:extLst>
+              <a:ext uri="{FF2B5EF4-FFF2-40B4-BE49-F238E27FC236}">
+                <a16:creationId xmlns:a16="http://schemas.microsoft.com/office/drawing/2014/main" id="{0AFB7337-485F-48F7-9DBD-4F8B2413609A}"/>
+              </a:ext>
+            </a:extLst>
+          </p:cNvPr>
+          <p:cNvPicPr>
+            <a:picLocks noChangeAspect="1"/>
+          </p:cNvPicPr>
+          <p:nvPr/>
+        </p:nvPicPr>
+        <p:blipFill>
+          <a:blip r:embed="rId5"/>
+          <a:stretch>
+            <a:fillRect/>
+          </a:stretch>
+        </p:blipFill>
+        <p:spPr>
+          <a:xfrm>
+            <a:off x="7530094" y="3675619"/>
+            <a:ext cx="3833841" cy="2690832"/>
+          </a:xfrm>
+          <a:prstGeom prst="rect">
+            <a:avLst/>
+          </a:prstGeom>
+        </p:spPr>
+      </p:pic>
     </p:spTree>
     <p:extLst>
       <p:ext uri="{BB962C8B-B14F-4D97-AF65-F5344CB8AC3E}">
@@ -4946,13 +4962,796 @@
   <p:clrMapOvr>
     <a:masterClrMapping/>
   </p:clrMapOvr>
-  <p:timing>
-    <p:tnLst>
-      <p:par>
-        <p:cTn id="1" dur="indefinite" restart="never" nodeType="tmRoot"/>
-      </p:par>
-    </p:tnLst>
-  </p:timing>
+  <mc:AlternateContent xmlns:mc="http://schemas.openxmlformats.org/markup-compatibility/2006">
+    <mc:Choice xmlns:p14="http://schemas.microsoft.com/office/powerpoint/2010/main" Requires="p14">
+      <p:timing>
+        <p:tnLst>
+          <p:par>
+            <p:cTn id="1" dur="indefinite" restart="never" nodeType="tmRoot">
+              <p:childTnLst>
+                <p:seq concurrent="1" nextAc="seek">
+                  <p:cTn id="2" dur="indefinite" nodeType="mainSeq">
+                    <p:childTnLst>
+                      <p:par>
+                        <p:cTn id="3" fill="hold">
+                          <p:stCondLst>
+                            <p:cond delay="indefinite"/>
+                          </p:stCondLst>
+                          <p:childTnLst>
+                            <p:par>
+                              <p:cTn id="4" fill="hold">
+                                <p:stCondLst>
+                                  <p:cond delay="0"/>
+                                </p:stCondLst>
+                                <p:childTnLst>
+                                  <p:par>
+                                    <p:cTn id="5" presetID="2" presetClass="entr" presetSubtype="4" fill="hold" nodeType="clickEffect" p14:presetBounceEnd="26000">
+                                      <p:stCondLst>
+                                        <p:cond delay="0"/>
+                                      </p:stCondLst>
+                                      <p:childTnLst>
+                                        <p:set>
+                                          <p:cBhvr>
+                                            <p:cTn id="6" dur="1" fill="hold">
+                                              <p:stCondLst>
+                                                <p:cond delay="0"/>
+                                              </p:stCondLst>
+                                            </p:cTn>
+                                            <p:tgtEl>
+                                              <p:spTgt spid="9"/>
+                                            </p:tgtEl>
+                                            <p:attrNameLst>
+                                              <p:attrName>style.visibility</p:attrName>
+                                            </p:attrNameLst>
+                                          </p:cBhvr>
+                                          <p:to>
+                                            <p:strVal val="visible"/>
+                                          </p:to>
+                                        </p:set>
+                                        <p:anim calcmode="lin" valueType="num" p14:bounceEnd="26000">
+                                          <p:cBhvr additive="base">
+                                            <p:cTn id="7" dur="500" fill="hold"/>
+                                            <p:tgtEl>
+                                              <p:spTgt spid="9"/>
+                                            </p:tgtEl>
+                                            <p:attrNameLst>
+                                              <p:attrName>ppt_x</p:attrName>
+                                            </p:attrNameLst>
+                                          </p:cBhvr>
+                                          <p:tavLst>
+                                            <p:tav tm="0">
+                                              <p:val>
+                                                <p:strVal val="#ppt_x"/>
+                                              </p:val>
+                                            </p:tav>
+                                            <p:tav tm="100000">
+                                              <p:val>
+                                                <p:strVal val="#ppt_x"/>
+                                              </p:val>
+                                            </p:tav>
+                                          </p:tavLst>
+                                        </p:anim>
+                                        <p:anim calcmode="lin" valueType="num" p14:bounceEnd="26000">
+                                          <p:cBhvr additive="base">
+                                            <p:cTn id="8" dur="500" fill="hold"/>
+                                            <p:tgtEl>
+                                              <p:spTgt spid="9"/>
+                                            </p:tgtEl>
+                                            <p:attrNameLst>
+                                              <p:attrName>ppt_y</p:attrName>
+                                            </p:attrNameLst>
+                                          </p:cBhvr>
+                                          <p:tavLst>
+                                            <p:tav tm="0">
+                                              <p:val>
+                                                <p:strVal val="1+#ppt_h/2"/>
+                                              </p:val>
+                                            </p:tav>
+                                            <p:tav tm="100000">
+                                              <p:val>
+                                                <p:strVal val="#ppt_y"/>
+                                              </p:val>
+                                            </p:tav>
+                                          </p:tavLst>
+                                        </p:anim>
+                                      </p:childTnLst>
+                                    </p:cTn>
+                                  </p:par>
+                                </p:childTnLst>
+                              </p:cTn>
+                            </p:par>
+                          </p:childTnLst>
+                        </p:cTn>
+                      </p:par>
+                      <p:par>
+                        <p:cTn id="9" fill="hold">
+                          <p:stCondLst>
+                            <p:cond delay="indefinite"/>
+                          </p:stCondLst>
+                          <p:childTnLst>
+                            <p:par>
+                              <p:cTn id="10" fill="hold">
+                                <p:stCondLst>
+                                  <p:cond delay="0"/>
+                                </p:stCondLst>
+                                <p:childTnLst>
+                                  <p:par>
+                                    <p:cTn id="11" presetID="1" presetClass="entr" presetSubtype="0" fill="hold" nodeType="clickEffect">
+                                      <p:stCondLst>
+                                        <p:cond delay="0"/>
+                                      </p:stCondLst>
+                                      <p:childTnLst>
+                                        <p:set>
+                                          <p:cBhvr>
+                                            <p:cTn id="12" dur="1" fill="hold">
+                                              <p:stCondLst>
+                                                <p:cond delay="0"/>
+                                              </p:stCondLst>
+                                            </p:cTn>
+                                            <p:tgtEl>
+                                              <p:spTgt spid="13"/>
+                                            </p:tgtEl>
+                                            <p:attrNameLst>
+                                              <p:attrName>style.visibility</p:attrName>
+                                            </p:attrNameLst>
+                                          </p:cBhvr>
+                                          <p:to>
+                                            <p:strVal val="visible"/>
+                                          </p:to>
+                                        </p:set>
+                                      </p:childTnLst>
+                                    </p:cTn>
+                                  </p:par>
+                                </p:childTnLst>
+                              </p:cTn>
+                            </p:par>
+                          </p:childTnLst>
+                        </p:cTn>
+                      </p:par>
+                      <p:par>
+                        <p:cTn id="13" fill="hold">
+                          <p:stCondLst>
+                            <p:cond delay="indefinite"/>
+                          </p:stCondLst>
+                          <p:childTnLst>
+                            <p:par>
+                              <p:cTn id="14" fill="hold">
+                                <p:stCondLst>
+                                  <p:cond delay="0"/>
+                                </p:stCondLst>
+                                <p:childTnLst>
+                                  <p:par>
+                                    <p:cTn id="15" presetID="1" presetClass="exit" presetSubtype="0" fill="hold" nodeType="clickEffect">
+                                      <p:stCondLst>
+                                        <p:cond delay="0"/>
+                                      </p:stCondLst>
+                                      <p:childTnLst>
+                                        <p:set>
+                                          <p:cBhvr>
+                                            <p:cTn id="16" dur="1" fill="hold">
+                                              <p:stCondLst>
+                                                <p:cond delay="0"/>
+                                              </p:stCondLst>
+                                            </p:cTn>
+                                            <p:tgtEl>
+                                              <p:spTgt spid="9"/>
+                                            </p:tgtEl>
+                                            <p:attrNameLst>
+                                              <p:attrName>style.visibility</p:attrName>
+                                            </p:attrNameLst>
+                                          </p:cBhvr>
+                                          <p:to>
+                                            <p:strVal val="hidden"/>
+                                          </p:to>
+                                        </p:set>
+                                      </p:childTnLst>
+                                    </p:cTn>
+                                  </p:par>
+                                </p:childTnLst>
+                              </p:cTn>
+                            </p:par>
+                          </p:childTnLst>
+                        </p:cTn>
+                      </p:par>
+                      <p:par>
+                        <p:cTn id="17" fill="hold">
+                          <p:stCondLst>
+                            <p:cond delay="indefinite"/>
+                          </p:stCondLst>
+                          <p:childTnLst>
+                            <p:par>
+                              <p:cTn id="18" fill="hold">
+                                <p:stCondLst>
+                                  <p:cond delay="0"/>
+                                </p:stCondLst>
+                                <p:childTnLst>
+                                  <p:par>
+                                    <p:cTn id="19" presetID="1" presetClass="exit" presetSubtype="0" fill="hold" nodeType="clickEffect">
+                                      <p:stCondLst>
+                                        <p:cond delay="0"/>
+                                      </p:stCondLst>
+                                      <p:childTnLst>
+                                        <p:set>
+                                          <p:cBhvr>
+                                            <p:cTn id="20" dur="1" fill="hold">
+                                              <p:stCondLst>
+                                                <p:cond delay="0"/>
+                                              </p:stCondLst>
+                                            </p:cTn>
+                                            <p:tgtEl>
+                                              <p:spTgt spid="13"/>
+                                            </p:tgtEl>
+                                            <p:attrNameLst>
+                                              <p:attrName>style.visibility</p:attrName>
+                                            </p:attrNameLst>
+                                          </p:cBhvr>
+                                          <p:to>
+                                            <p:strVal val="hidden"/>
+                                          </p:to>
+                                        </p:set>
+                                      </p:childTnLst>
+                                    </p:cTn>
+                                  </p:par>
+                                </p:childTnLst>
+                              </p:cTn>
+                            </p:par>
+                          </p:childTnLst>
+                        </p:cTn>
+                      </p:par>
+                      <p:par>
+                        <p:cTn id="21" fill="hold">
+                          <p:stCondLst>
+                            <p:cond delay="indefinite"/>
+                          </p:stCondLst>
+                          <p:childTnLst>
+                            <p:par>
+                              <p:cTn id="22" fill="hold">
+                                <p:stCondLst>
+                                  <p:cond delay="0"/>
+                                </p:stCondLst>
+                                <p:childTnLst>
+                                  <p:par>
+                                    <p:cTn id="23" presetID="2" presetClass="entr" presetSubtype="1" fill="hold" nodeType="clickEffect" p14:presetBounceEnd="26000">
+                                      <p:stCondLst>
+                                        <p:cond delay="0"/>
+                                      </p:stCondLst>
+                                      <p:childTnLst>
+                                        <p:set>
+                                          <p:cBhvr>
+                                            <p:cTn id="24" dur="1" fill="hold">
+                                              <p:stCondLst>
+                                                <p:cond delay="0"/>
+                                              </p:stCondLst>
+                                            </p:cTn>
+                                            <p:tgtEl>
+                                              <p:spTgt spid="11"/>
+                                            </p:tgtEl>
+                                            <p:attrNameLst>
+                                              <p:attrName>style.visibility</p:attrName>
+                                            </p:attrNameLst>
+                                          </p:cBhvr>
+                                          <p:to>
+                                            <p:strVal val="visible"/>
+                                          </p:to>
+                                        </p:set>
+                                        <p:anim calcmode="lin" valueType="num" p14:bounceEnd="26000">
+                                          <p:cBhvr additive="base">
+                                            <p:cTn id="25" dur="500" fill="hold"/>
+                                            <p:tgtEl>
+                                              <p:spTgt spid="11"/>
+                                            </p:tgtEl>
+                                            <p:attrNameLst>
+                                              <p:attrName>ppt_x</p:attrName>
+                                            </p:attrNameLst>
+                                          </p:cBhvr>
+                                          <p:tavLst>
+                                            <p:tav tm="0">
+                                              <p:val>
+                                                <p:strVal val="#ppt_x"/>
+                                              </p:val>
+                                            </p:tav>
+                                            <p:tav tm="100000">
+                                              <p:val>
+                                                <p:strVal val="#ppt_x"/>
+                                              </p:val>
+                                            </p:tav>
+                                          </p:tavLst>
+                                        </p:anim>
+                                        <p:anim calcmode="lin" valueType="num" p14:bounceEnd="26000">
+                                          <p:cBhvr additive="base">
+                                            <p:cTn id="26" dur="500" fill="hold"/>
+                                            <p:tgtEl>
+                                              <p:spTgt spid="11"/>
+                                            </p:tgtEl>
+                                            <p:attrNameLst>
+                                              <p:attrName>ppt_y</p:attrName>
+                                            </p:attrNameLst>
+                                          </p:cBhvr>
+                                          <p:tavLst>
+                                            <p:tav tm="0">
+                                              <p:val>
+                                                <p:strVal val="0-#ppt_h/2"/>
+                                              </p:val>
+                                            </p:tav>
+                                            <p:tav tm="100000">
+                                              <p:val>
+                                                <p:strVal val="#ppt_y"/>
+                                              </p:val>
+                                            </p:tav>
+                                          </p:tavLst>
+                                        </p:anim>
+                                      </p:childTnLst>
+                                    </p:cTn>
+                                  </p:par>
+                                </p:childTnLst>
+                              </p:cTn>
+                            </p:par>
+                          </p:childTnLst>
+                        </p:cTn>
+                      </p:par>
+                      <p:par>
+                        <p:cTn id="27" fill="hold">
+                          <p:stCondLst>
+                            <p:cond delay="indefinite"/>
+                          </p:stCondLst>
+                          <p:childTnLst>
+                            <p:par>
+                              <p:cTn id="28" fill="hold">
+                                <p:stCondLst>
+                                  <p:cond delay="0"/>
+                                </p:stCondLst>
+                                <p:childTnLst>
+                                  <p:par>
+                                    <p:cTn id="29" presetID="1" presetClass="entr" presetSubtype="0" fill="hold" nodeType="clickEffect">
+                                      <p:stCondLst>
+                                        <p:cond delay="0"/>
+                                      </p:stCondLst>
+                                      <p:childTnLst>
+                                        <p:set>
+                                          <p:cBhvr>
+                                            <p:cTn id="30" dur="1" fill="hold">
+                                              <p:stCondLst>
+                                                <p:cond delay="0"/>
+                                              </p:stCondLst>
+                                            </p:cTn>
+                                            <p:tgtEl>
+                                              <p:spTgt spid="15"/>
+                                            </p:tgtEl>
+                                            <p:attrNameLst>
+                                              <p:attrName>style.visibility</p:attrName>
+                                            </p:attrNameLst>
+                                          </p:cBhvr>
+                                          <p:to>
+                                            <p:strVal val="visible"/>
+                                          </p:to>
+                                        </p:set>
+                                      </p:childTnLst>
+                                    </p:cTn>
+                                  </p:par>
+                                </p:childTnLst>
+                              </p:cTn>
+                            </p:par>
+                          </p:childTnLst>
+                        </p:cTn>
+                      </p:par>
+                    </p:childTnLst>
+                  </p:cTn>
+                  <p:prevCondLst>
+                    <p:cond evt="onPrev" delay="0">
+                      <p:tgtEl>
+                        <p:sldTgt/>
+                      </p:tgtEl>
+                    </p:cond>
+                  </p:prevCondLst>
+                  <p:nextCondLst>
+                    <p:cond evt="onNext" delay="0">
+                      <p:tgtEl>
+                        <p:sldTgt/>
+                      </p:tgtEl>
+                    </p:cond>
+                  </p:nextCondLst>
+                </p:seq>
+              </p:childTnLst>
+            </p:cTn>
+          </p:par>
+        </p:tnLst>
+      </p:timing>
+    </mc:Choice>
+    <mc:Fallback>
+      <p:timing>
+        <p:tnLst>
+          <p:par>
+            <p:cTn id="1" dur="indefinite" restart="never" nodeType="tmRoot">
+              <p:childTnLst>
+                <p:seq concurrent="1" nextAc="seek">
+                  <p:cTn id="2" dur="indefinite" nodeType="mainSeq">
+                    <p:childTnLst>
+                      <p:par>
+                        <p:cTn id="3" fill="hold">
+                          <p:stCondLst>
+                            <p:cond delay="indefinite"/>
+                          </p:stCondLst>
+                          <p:childTnLst>
+                            <p:par>
+                              <p:cTn id="4" fill="hold">
+                                <p:stCondLst>
+                                  <p:cond delay="0"/>
+                                </p:stCondLst>
+                                <p:childTnLst>
+                                  <p:par>
+                                    <p:cTn id="5" presetID="2" presetClass="entr" presetSubtype="4" fill="hold" nodeType="clickEffect">
+                                      <p:stCondLst>
+                                        <p:cond delay="0"/>
+                                      </p:stCondLst>
+                                      <p:childTnLst>
+                                        <p:set>
+                                          <p:cBhvr>
+                                            <p:cTn id="6" dur="1" fill="hold">
+                                              <p:stCondLst>
+                                                <p:cond delay="0"/>
+                                              </p:stCondLst>
+                                            </p:cTn>
+                                            <p:tgtEl>
+                                              <p:spTgt spid="9"/>
+                                            </p:tgtEl>
+                                            <p:attrNameLst>
+                                              <p:attrName>style.visibility</p:attrName>
+                                            </p:attrNameLst>
+                                          </p:cBhvr>
+                                          <p:to>
+                                            <p:strVal val="visible"/>
+                                          </p:to>
+                                        </p:set>
+                                        <p:anim calcmode="lin" valueType="num">
+                                          <p:cBhvr additive="base">
+                                            <p:cTn id="7" dur="500" fill="hold"/>
+                                            <p:tgtEl>
+                                              <p:spTgt spid="9"/>
+                                            </p:tgtEl>
+                                            <p:attrNameLst>
+                                              <p:attrName>ppt_x</p:attrName>
+                                            </p:attrNameLst>
+                                          </p:cBhvr>
+                                          <p:tavLst>
+                                            <p:tav tm="0">
+                                              <p:val>
+                                                <p:strVal val="#ppt_x"/>
+                                              </p:val>
+                                            </p:tav>
+                                            <p:tav tm="100000">
+                                              <p:val>
+                                                <p:strVal val="#ppt_x"/>
+                                              </p:val>
+                                            </p:tav>
+                                          </p:tavLst>
+                                        </p:anim>
+                                        <p:anim calcmode="lin" valueType="num">
+                                          <p:cBhvr additive="base">
+                                            <p:cTn id="8" dur="500" fill="hold"/>
+                                            <p:tgtEl>
+                                              <p:spTgt spid="9"/>
+                                            </p:tgtEl>
+                                            <p:attrNameLst>
+                                              <p:attrName>ppt_y</p:attrName>
+                                            </p:attrNameLst>
+                                          </p:cBhvr>
+                                          <p:tavLst>
+                                            <p:tav tm="0">
+                                              <p:val>
+                                                <p:strVal val="1+#ppt_h/2"/>
+                                              </p:val>
+                                            </p:tav>
+                                            <p:tav tm="100000">
+                                              <p:val>
+                                                <p:strVal val="#ppt_y"/>
+                                              </p:val>
+                                            </p:tav>
+                                          </p:tavLst>
+                                        </p:anim>
+                                      </p:childTnLst>
+                                    </p:cTn>
+                                  </p:par>
+                                </p:childTnLst>
+                              </p:cTn>
+                            </p:par>
+                          </p:childTnLst>
+                        </p:cTn>
+                      </p:par>
+                      <p:par>
+                        <p:cTn id="9" fill="hold">
+                          <p:stCondLst>
+                            <p:cond delay="indefinite"/>
+                          </p:stCondLst>
+                          <p:childTnLst>
+                            <p:par>
+                              <p:cTn id="10" fill="hold">
+                                <p:stCondLst>
+                                  <p:cond delay="0"/>
+                                </p:stCondLst>
+                                <p:childTnLst>
+                                  <p:par>
+                                    <p:cTn id="11" presetID="1" presetClass="entr" presetSubtype="0" fill="hold" nodeType="clickEffect">
+                                      <p:stCondLst>
+                                        <p:cond delay="0"/>
+                                      </p:stCondLst>
+                                      <p:childTnLst>
+                                        <p:set>
+                                          <p:cBhvr>
+                                            <p:cTn id="12" dur="1" fill="hold">
+                                              <p:stCondLst>
+                                                <p:cond delay="0"/>
+                                              </p:stCondLst>
+                                            </p:cTn>
+                                            <p:tgtEl>
+                                              <p:spTgt spid="13"/>
+                                            </p:tgtEl>
+                                            <p:attrNameLst>
+                                              <p:attrName>style.visibility</p:attrName>
+                                            </p:attrNameLst>
+                                          </p:cBhvr>
+                                          <p:to>
+                                            <p:strVal val="visible"/>
+                                          </p:to>
+                                        </p:set>
+                                      </p:childTnLst>
+                                    </p:cTn>
+                                  </p:par>
+                                </p:childTnLst>
+                              </p:cTn>
+                            </p:par>
+                          </p:childTnLst>
+                        </p:cTn>
+                      </p:par>
+                      <p:par>
+                        <p:cTn id="13" fill="hold">
+                          <p:stCondLst>
+                            <p:cond delay="indefinite"/>
+                          </p:stCondLst>
+                          <p:childTnLst>
+                            <p:par>
+                              <p:cTn id="14" fill="hold">
+                                <p:stCondLst>
+                                  <p:cond delay="0"/>
+                                </p:stCondLst>
+                                <p:childTnLst>
+                                  <p:par>
+                                    <p:cTn id="15" presetID="1" presetClass="exit" presetSubtype="0" fill="hold" nodeType="clickEffect">
+                                      <p:stCondLst>
+                                        <p:cond delay="0"/>
+                                      </p:stCondLst>
+                                      <p:childTnLst>
+                                        <p:set>
+                                          <p:cBhvr>
+                                            <p:cTn id="16" dur="1" fill="hold">
+                                              <p:stCondLst>
+                                                <p:cond delay="0"/>
+                                              </p:stCondLst>
+                                            </p:cTn>
+                                            <p:tgtEl>
+                                              <p:spTgt spid="9"/>
+                                            </p:tgtEl>
+                                            <p:attrNameLst>
+                                              <p:attrName>style.visibility</p:attrName>
+                                            </p:attrNameLst>
+                                          </p:cBhvr>
+                                          <p:to>
+                                            <p:strVal val="hidden"/>
+                                          </p:to>
+                                        </p:set>
+                                      </p:childTnLst>
+                                    </p:cTn>
+                                  </p:par>
+                                </p:childTnLst>
+                              </p:cTn>
+                            </p:par>
+                          </p:childTnLst>
+                        </p:cTn>
+                      </p:par>
+                      <p:par>
+                        <p:cTn id="17" fill="hold">
+                          <p:stCondLst>
+                            <p:cond delay="indefinite"/>
+                          </p:stCondLst>
+                          <p:childTnLst>
+                            <p:par>
+                              <p:cTn id="18" fill="hold">
+                                <p:stCondLst>
+                                  <p:cond delay="0"/>
+                                </p:stCondLst>
+                                <p:childTnLst>
+                                  <p:par>
+                                    <p:cTn id="19" presetID="1" presetClass="exit" presetSubtype="0" fill="hold" nodeType="clickEffect">
+                                      <p:stCondLst>
+                                        <p:cond delay="0"/>
+                                      </p:stCondLst>
+                                      <p:childTnLst>
+                                        <p:set>
+                                          <p:cBhvr>
+                                            <p:cTn id="20" dur="1" fill="hold">
+                                              <p:stCondLst>
+                                                <p:cond delay="0"/>
+                                              </p:stCondLst>
+                                            </p:cTn>
+                                            <p:tgtEl>
+                                              <p:spTgt spid="13"/>
+                                            </p:tgtEl>
+                                            <p:attrNameLst>
+                                              <p:attrName>style.visibility</p:attrName>
+                                            </p:attrNameLst>
+                                          </p:cBhvr>
+                                          <p:to>
+                                            <p:strVal val="hidden"/>
+                                          </p:to>
+                                        </p:set>
+                                      </p:childTnLst>
+                                    </p:cTn>
+                                  </p:par>
+                                </p:childTnLst>
+                              </p:cTn>
+                            </p:par>
+                          </p:childTnLst>
+                        </p:cTn>
+                      </p:par>
+                      <p:par>
+                        <p:cTn id="21" fill="hold">
+                          <p:stCondLst>
+                            <p:cond delay="indefinite"/>
+                          </p:stCondLst>
+                          <p:childTnLst>
+                            <p:par>
+                              <p:cTn id="22" fill="hold">
+                                <p:stCondLst>
+                                  <p:cond delay="0"/>
+                                </p:stCondLst>
+                                <p:childTnLst>
+                                  <p:par>
+                                    <p:cTn id="23" presetID="2" presetClass="entr" presetSubtype="1" fill="hold" nodeType="clickEffect">
+                                      <p:stCondLst>
+                                        <p:cond delay="0"/>
+                                      </p:stCondLst>
+                                      <p:childTnLst>
+                                        <p:set>
+                                          <p:cBhvr>
+                                            <p:cTn id="24" dur="1" fill="hold">
+                                              <p:stCondLst>
+                                                <p:cond delay="0"/>
+                                              </p:stCondLst>
+                                            </p:cTn>
+                                            <p:tgtEl>
+                                              <p:spTgt spid="11"/>
+                                            </p:tgtEl>
+                                            <p:attrNameLst>
+                                              <p:attrName>style.visibility</p:attrName>
+                                            </p:attrNameLst>
+                                          </p:cBhvr>
+                                          <p:to>
+                                            <p:strVal val="visible"/>
+                                          </p:to>
+                                        </p:set>
+                                        <p:anim calcmode="lin" valueType="num">
+                                          <p:cBhvr additive="base">
+                                            <p:cTn id="25" dur="500" fill="hold"/>
+                                            <p:tgtEl>
+                                              <p:spTgt spid="11"/>
+                                            </p:tgtEl>
+                                            <p:attrNameLst>
+                                              <p:attrName>ppt_x</p:attrName>
+                                            </p:attrNameLst>
+                                          </p:cBhvr>
+                                          <p:tavLst>
+                                            <p:tav tm="0">
+                                              <p:val>
+                                                <p:strVal val="#ppt_x"/>
+                                              </p:val>
+                                            </p:tav>
+                                            <p:tav tm="100000">
+                                              <p:val>
+                                                <p:strVal val="#ppt_x"/>
+                                              </p:val>
+                                            </p:tav>
+                                          </p:tavLst>
+                                        </p:anim>
+                                        <p:anim calcmode="lin" valueType="num">
+                                          <p:cBhvr additive="base">
+                                            <p:cTn id="26" dur="500" fill="hold"/>
+                                            <p:tgtEl>
+                                              <p:spTgt spid="11"/>
+                                            </p:tgtEl>
+                                            <p:attrNameLst>
+                                              <p:attrName>ppt_y</p:attrName>
+                                            </p:attrNameLst>
+                                          </p:cBhvr>
+                                          <p:tavLst>
+                                            <p:tav tm="0">
+                                              <p:val>
+                                                <p:strVal val="0-#ppt_h/2"/>
+                                              </p:val>
+                                            </p:tav>
+                                            <p:tav tm="100000">
+                                              <p:val>
+                                                <p:strVal val="#ppt_y"/>
+                                              </p:val>
+                                            </p:tav>
+                                          </p:tavLst>
+                                        </p:anim>
+                                      </p:childTnLst>
+                                    </p:cTn>
+                                  </p:par>
+                                </p:childTnLst>
+                              </p:cTn>
+                            </p:par>
+                          </p:childTnLst>
+                        </p:cTn>
+                      </p:par>
+                      <p:par>
+                        <p:cTn id="27" fill="hold">
+                          <p:stCondLst>
+                            <p:cond delay="indefinite"/>
+                          </p:stCondLst>
+                          <p:childTnLst>
+                            <p:par>
+                              <p:cTn id="28" fill="hold">
+                                <p:stCondLst>
+                                  <p:cond delay="0"/>
+                                </p:stCondLst>
+                                <p:childTnLst>
+                                  <p:par>
+                                    <p:cTn id="29" presetID="1" presetClass="entr" presetSubtype="0" fill="hold" nodeType="clickEffect">
+                                      <p:stCondLst>
+                                        <p:cond delay="0"/>
+                                      </p:stCondLst>
+                                      <p:childTnLst>
+                                        <p:set>
+                                          <p:cBhvr>
+                                            <p:cTn id="30" dur="1" fill="hold">
+                                              <p:stCondLst>
+                                                <p:cond delay="0"/>
+                                              </p:stCondLst>
+                                            </p:cTn>
+                                            <p:tgtEl>
+                                              <p:spTgt spid="15"/>
+                                            </p:tgtEl>
+                                            <p:attrNameLst>
+                                              <p:attrName>style.visibility</p:attrName>
+                                            </p:attrNameLst>
+                                          </p:cBhvr>
+                                          <p:to>
+                                            <p:strVal val="visible"/>
+                                          </p:to>
+                                        </p:set>
+                                      </p:childTnLst>
+                                    </p:cTn>
+                                  </p:par>
+                                </p:childTnLst>
+                              </p:cTn>
+                            </p:par>
+                          </p:childTnLst>
+                        </p:cTn>
+                      </p:par>
+                    </p:childTnLst>
+                  </p:cTn>
+                  <p:prevCondLst>
+                    <p:cond evt="onPrev" delay="0">
+                      <p:tgtEl>
+                        <p:sldTgt/>
+                      </p:tgtEl>
+                    </p:cond>
+                  </p:prevCondLst>
+                  <p:nextCondLst>
+                    <p:cond evt="onNext" delay="0">
+                      <p:tgtEl>
+                        <p:sldTgt/>
+                      </p:tgtEl>
+                    </p:cond>
+                  </p:nextCondLst>
+                </p:seq>
+              </p:childTnLst>
+            </p:cTn>
+          </p:par>
+        </p:tnLst>
+      </p:timing>
+    </mc:Fallback>
+  </mc:AlternateContent>
 </p:sld>
 </file>
 
@@ -4978,7 +5777,7 @@
           <p:cNvPr id="2" name="Title 1">
             <a:extLst>
               <a:ext uri="{FF2B5EF4-FFF2-40B4-BE49-F238E27FC236}">
-                <a16:creationId xmlns:a16="http://schemas.microsoft.com/office/drawing/2014/main" xmlns="" id="{6B33C208-721D-4FB4-94B2-FD3E08DC28A8}"/>
+                <a16:creationId xmlns:a16="http://schemas.microsoft.com/office/drawing/2014/main" id="{6B33C208-721D-4FB4-94B2-FD3E08DC28A8}"/>
               </a:ext>
             </a:extLst>
           </p:cNvPr>
@@ -5011,7 +5810,7 @@
           <p:cNvPr id="6" name="Content Placeholder 5">
             <a:extLst>
               <a:ext uri="{FF2B5EF4-FFF2-40B4-BE49-F238E27FC236}">
-                <a16:creationId xmlns:a16="http://schemas.microsoft.com/office/drawing/2014/main" xmlns="" id="{703B6654-B732-46FC-943A-E79355B2C7D4}"/>
+                <a16:creationId xmlns:a16="http://schemas.microsoft.com/office/drawing/2014/main" id="{703B6654-B732-46FC-943A-E79355B2C7D4}"/>
               </a:ext>
             </a:extLst>
           </p:cNvPr>
@@ -5040,7 +5839,7 @@
           <p:cNvPr id="8" name="Picture 7">
             <a:extLst>
               <a:ext uri="{FF2B5EF4-FFF2-40B4-BE49-F238E27FC236}">
-                <a16:creationId xmlns:a16="http://schemas.microsoft.com/office/drawing/2014/main" xmlns="" id="{D0E3F868-886D-401A-818F-08F162FC7A14}"/>
+                <a16:creationId xmlns:a16="http://schemas.microsoft.com/office/drawing/2014/main" id="{D0E3F868-886D-401A-818F-08F162FC7A14}"/>
               </a:ext>
             </a:extLst>
           </p:cNvPr>
@@ -5070,7 +5869,7 @@
           <p:cNvPr id="3" name="Rectangle 2">
             <a:extLst>
               <a:ext uri="{FF2B5EF4-FFF2-40B4-BE49-F238E27FC236}">
-                <a16:creationId xmlns:a16="http://schemas.microsoft.com/office/drawing/2014/main" xmlns="" id="{6BCF0038-16FE-4456-8F0D-B96341EA5130}"/>
+                <a16:creationId xmlns:a16="http://schemas.microsoft.com/office/drawing/2014/main" id="{6BCF0038-16FE-4456-8F0D-B96341EA5130}"/>
               </a:ext>
             </a:extLst>
           </p:cNvPr>
@@ -5116,7 +5915,7 @@
           <a:p>
             <a:pPr algn="ctr"/>
             <a:r>
-              <a:rPr lang="en-US" sz="1200" dirty="0" smtClean="0">
+              <a:rPr lang="en-US" sz="1200" dirty="0">
                 <a:solidFill>
                   <a:schemeClr val="tx1"/>
                 </a:solidFill>
@@ -5131,19 +5930,6 @@
               </a:rPr>
               <a:t>2015                      2016                      2017</a:t>
             </a:r>
-            <a:endParaRPr lang="en-US" sz="1200" dirty="0">
-              <a:solidFill>
-                <a:schemeClr val="tx1"/>
-              </a:solidFill>
-              <a:effectLst>
-                <a:outerShdw blurRad="50800" dist="38100" dir="16200000" rotWithShape="0">
-                  <a:prstClr val="black">
-                    <a:alpha val="40000"/>
-                  </a:prstClr>
-                </a:outerShdw>
-              </a:effectLst>
-              <a:latin typeface="Calibri" panose="020F0502020204030204" pitchFamily="34" charset="0"/>
-            </a:endParaRPr>
           </a:p>
         </p:txBody>
       </p:sp>
@@ -5272,7 +6058,7 @@
           <p:cNvPr id="12" name="Content Placeholder 5">
             <a:extLst>
               <a:ext uri="{FF2B5EF4-FFF2-40B4-BE49-F238E27FC236}">
-                <a16:creationId xmlns:a16="http://schemas.microsoft.com/office/drawing/2014/main" xmlns="" id="{703B6654-B732-46FC-943A-E79355B2C7D4}"/>
+                <a16:creationId xmlns:a16="http://schemas.microsoft.com/office/drawing/2014/main" id="{703B6654-B732-46FC-943A-E79355B2C7D4}"/>
               </a:ext>
             </a:extLst>
           </p:cNvPr>
@@ -5388,13 +6174,6 @@
   <p:clrMapOvr>
     <a:masterClrMapping/>
   </p:clrMapOvr>
-  <p:timing>
-    <p:tnLst>
-      <p:par>
-        <p:cTn id="1" dur="indefinite" restart="never" nodeType="tmRoot"/>
-      </p:par>
-    </p:tnLst>
-  </p:timing>
 </p:sld>
 </file>
 
@@ -5420,7 +6199,7 @@
           <p:cNvPr id="2" name="Title 1">
             <a:extLst>
               <a:ext uri="{FF2B5EF4-FFF2-40B4-BE49-F238E27FC236}">
-                <a16:creationId xmlns:a16="http://schemas.microsoft.com/office/drawing/2014/main" xmlns="" id="{73BAE7B6-A2F1-4F3D-8F74-60E7CAF00247}"/>
+                <a16:creationId xmlns:a16="http://schemas.microsoft.com/office/drawing/2014/main" id="{73BAE7B6-A2F1-4F3D-8F74-60E7CAF00247}"/>
               </a:ext>
             </a:extLst>
           </p:cNvPr>
@@ -5453,7 +6232,7 @@
           <p:cNvPr id="5" name="Content Placeholder 4">
             <a:extLst>
               <a:ext uri="{FF2B5EF4-FFF2-40B4-BE49-F238E27FC236}">
-                <a16:creationId xmlns:a16="http://schemas.microsoft.com/office/drawing/2014/main" xmlns="" id="{24379F97-968F-4588-93B2-2063AAD4329A}"/>
+                <a16:creationId xmlns:a16="http://schemas.microsoft.com/office/drawing/2014/main" id="{24379F97-968F-4588-93B2-2063AAD4329A}"/>
               </a:ext>
             </a:extLst>
           </p:cNvPr>
@@ -5482,7 +6261,7 @@
           <p:cNvPr id="7" name="Picture 6">
             <a:extLst>
               <a:ext uri="{FF2B5EF4-FFF2-40B4-BE49-F238E27FC236}">
-                <a16:creationId xmlns:a16="http://schemas.microsoft.com/office/drawing/2014/main" xmlns="" id="{A737FF2D-4701-43AF-9DA3-4335C7B713D7}"/>
+                <a16:creationId xmlns:a16="http://schemas.microsoft.com/office/drawing/2014/main" id="{A737FF2D-4701-43AF-9DA3-4335C7B713D7}"/>
               </a:ext>
             </a:extLst>
           </p:cNvPr>
@@ -5517,13 +6296,6 @@
   <p:clrMapOvr>
     <a:masterClrMapping/>
   </p:clrMapOvr>
-  <p:timing>
-    <p:tnLst>
-      <p:par>
-        <p:cTn id="1" dur="indefinite" restart="never" nodeType="tmRoot"/>
-      </p:par>
-    </p:tnLst>
-  </p:timing>
 </p:sld>
 </file>
 
@@ -5752,7 +6524,7 @@
   <a:extraClrSchemeLst/>
   <a:extLst>
     <a:ext uri="{05A4C25C-085E-4340-85A3-A5531E510DB2}">
-      <thm15:themeFamily xmlns:thm15="http://schemas.microsoft.com/office/thememl/2012/main" xmlns="" name="Frame" id="{F226E7A2-7162-461C-9490-D27D9DC04E43}" vid="{629A0216-3BBD-45C0-B63F-2683BEA18F60}"/>
+      <thm15:themeFamily xmlns:thm15="http://schemas.microsoft.com/office/thememl/2012/main" name="Frame" id="{F226E7A2-7162-461C-9490-D27D9DC04E43}" vid="{629A0216-3BBD-45C0-B63F-2683BEA18F60}"/>
     </a:ext>
   </a:extLst>
 </a:theme>
